--- a/slides/Tag-3_4-Release-und-Tagged-Images_Light.pptx
+++ b/slides/Tag-3_4-Release-und-Tagged-Images_Light.pptx
@@ -4391,6 +4391,42 @@
           </a:p>
         </p:txBody>
       </p:sp>
+      <p:pic>
+        <p:nvPicPr>
+          <p:cNvPr id="3" name="Grafik 2">
+            <a:extLst>
+              <a:ext uri="{FF2B5EF4-FFF2-40B4-BE49-F238E27FC236}">
+                <a16:creationId xmlns:a16="http://schemas.microsoft.com/office/drawing/2014/main" id="{7C745D1A-3992-9AFA-2F49-D30227D00734}"/>
+              </a:ext>
+            </a:extLst>
+          </p:cNvPr>
+          <p:cNvPicPr>
+            <a:picLocks noChangeAspect="1"/>
+          </p:cNvPicPr>
+          <p:nvPr userDrawn="1"/>
+        </p:nvPicPr>
+        <p:blipFill>
+          <a:blip r:embed="rId7">
+            <a:extLst>
+              <a:ext uri="{28A0092B-C50C-407E-A947-70E740481C1C}">
+                <a14:useLocalDpi xmlns:a14="http://schemas.microsoft.com/office/drawing/2010/main" val="0"/>
+              </a:ext>
+            </a:extLst>
+          </a:blip>
+          <a:stretch>
+            <a:fillRect/>
+          </a:stretch>
+        </p:blipFill>
+        <p:spPr>
+          <a:xfrm>
+            <a:off x="8486775" y="-15729"/>
+            <a:ext cx="636272" cy="636272"/>
+          </a:xfrm>
+          <a:prstGeom prst="rect">
+            <a:avLst/>
+          </a:prstGeom>
+        </p:spPr>
+      </p:pic>
     </p:spTree>
   </p:cSld>
   <p:clrMap bg1="lt1" tx1="dk1" bg2="lt2" tx2="dk2" accent1="accent1" accent2="accent2" accent3="accent3" accent4="accent4" accent5="accent5" accent6="accent6" hlink="hlink" folHlink="folHlink"/>
@@ -5100,6 +5136,42 @@
           </a:p>
         </p:txBody>
       </p:sp>
+      <p:pic>
+        <p:nvPicPr>
+          <p:cNvPr id="2" name="Grafik 1">
+            <a:extLst>
+              <a:ext uri="{FF2B5EF4-FFF2-40B4-BE49-F238E27FC236}">
+                <a16:creationId xmlns:a16="http://schemas.microsoft.com/office/drawing/2014/main" id="{F2ADB8DC-99C5-5095-9371-AD2CE4B1E59F}"/>
+              </a:ext>
+            </a:extLst>
+          </p:cNvPr>
+          <p:cNvPicPr>
+            <a:picLocks noChangeAspect="1"/>
+          </p:cNvPicPr>
+          <p:nvPr userDrawn="1"/>
+        </p:nvPicPr>
+        <p:blipFill>
+          <a:blip r:embed="rId5">
+            <a:extLst>
+              <a:ext uri="{28A0092B-C50C-407E-A947-70E740481C1C}">
+                <a14:useLocalDpi xmlns:a14="http://schemas.microsoft.com/office/drawing/2010/main" val="0"/>
+              </a:ext>
+            </a:extLst>
+          </a:blip>
+          <a:stretch>
+            <a:fillRect/>
+          </a:stretch>
+        </p:blipFill>
+        <p:spPr>
+          <a:xfrm>
+            <a:off x="3383868" y="4481736"/>
+            <a:ext cx="2376264" cy="2376264"/>
+          </a:xfrm>
+          <a:prstGeom prst="rect">
+            <a:avLst/>
+          </a:prstGeom>
+        </p:spPr>
+      </p:pic>
     </p:spTree>
   </p:cSld>
   <p:clrMap bg1="lt1" tx1="dk1" bg2="lt2" tx2="dk2" accent1="accent1" accent2="accent2" accent3="accent3" accent4="accent4" accent5="accent5" accent6="accent6" hlink="hlink" folHlink="folHlink"/>

--- a/slides/Tag-3_4-Release-und-Tagged-Images_Light.pptx
+++ b/slides/Tag-3_4-Release-und-Tagged-Images_Light.pptx
@@ -3542,7 +3542,7 @@
               <a:pPr algn="ctr">
                 <a:defRPr/>
               </a:pPr>
-              <a:t>10.06.2024</a:t>
+              <a:t>11.06.2024</a:t>
             </a:fld>
             <a:endParaRPr lang="de-DE" sz="1000">
               <a:solidFill>
@@ -14158,7 +14158,7 @@
                 <a:ea typeface="+mn-ea"/>
                 <a:cs typeface="+mn-cs"/>
               </a:rPr>
-              <a:t>/docker:18.09.7-dind</a:t>
+              <a:t>/docker:20.10.16-dind</a:t>
             </a:r>
           </a:p>
           <a:p>
@@ -14821,8 +14821,39 @@
                 <a:ea typeface="+mn-ea"/>
                 <a:cs typeface="+mn-cs"/>
               </a:rPr>
-              <a:t>/docker:18.09.7-dind</a:t>
-            </a:r>
+              <a:t>/</a:t>
+            </a:r>
+            <a:r>
+              <a:rPr kumimoji="0" lang="en-US" sz="1600" b="0" i="0" u="none" strike="noStrike" kern="0" cap="none" spc="0" normalizeH="0" baseline="0" noProof="0">
+                <a:ln>
+                  <a:noFill/>
+                </a:ln>
+                <a:solidFill>
+                  <a:srgbClr val="000000"/>
+                </a:solidFill>
+                <a:effectLst/>
+                <a:uLnTx/>
+                <a:uFillTx/>
+                <a:latin typeface="Consolas" panose="020B0609020204030204" pitchFamily="49" charset="0"/>
+                <a:ea typeface="+mn-ea"/>
+                <a:cs typeface="+mn-cs"/>
+              </a:rPr>
+              <a:t>docker:20.10.16-dind</a:t>
+            </a:r>
+            <a:endParaRPr kumimoji="0" lang="en-US" sz="1600" b="0" i="0" u="none" strike="noStrike" kern="0" cap="none" spc="0" normalizeH="0" baseline="0" noProof="0" dirty="0">
+              <a:ln>
+                <a:noFill/>
+              </a:ln>
+              <a:solidFill>
+                <a:srgbClr val="000000"/>
+              </a:solidFill>
+              <a:effectLst/>
+              <a:uLnTx/>
+              <a:uFillTx/>
+              <a:latin typeface="Consolas" panose="020B0609020204030204" pitchFamily="49" charset="0"/>
+              <a:ea typeface="+mn-ea"/>
+              <a:cs typeface="+mn-cs"/>
+            </a:endParaRPr>
           </a:p>
           <a:p>
             <a:pPr marL="0" marR="0" lvl="0" indent="0" algn="l" defTabSz="914400" rtl="0" eaLnBrk="1" fontAlgn="base" latinLnBrk="0" hangingPunct="1">

--- a/slides/Tag-3_4-Release-und-Tagged-Images_Light.pptx
+++ b/slides/Tag-3_4-Release-und-Tagged-Images_Light.pptx
@@ -6,10 +6,10 @@
     <p:sldMasterId id="2147483649" r:id="rId2"/>
   </p:sldMasterIdLst>
   <p:notesMasterIdLst>
-    <p:notesMasterId r:id="rId42"/>
+    <p:notesMasterId r:id="rId41"/>
   </p:notesMasterIdLst>
   <p:handoutMasterIdLst>
-    <p:handoutMasterId r:id="rId43"/>
+    <p:handoutMasterId r:id="rId42"/>
   </p:handoutMasterIdLst>
   <p:sldIdLst>
     <p:sldId id="624" r:id="rId3"/>
@@ -32,25 +32,24 @@
     <p:sldId id="604" r:id="rId20"/>
     <p:sldId id="605" r:id="rId21"/>
     <p:sldId id="606" r:id="rId22"/>
-    <p:sldId id="636" r:id="rId23"/>
-    <p:sldId id="588" r:id="rId24"/>
-    <p:sldId id="607" r:id="rId25"/>
-    <p:sldId id="637" r:id="rId26"/>
-    <p:sldId id="608" r:id="rId27"/>
-    <p:sldId id="638" r:id="rId28"/>
-    <p:sldId id="609" r:id="rId29"/>
-    <p:sldId id="619" r:id="rId30"/>
-    <p:sldId id="618" r:id="rId31"/>
-    <p:sldId id="620" r:id="rId32"/>
-    <p:sldId id="621" r:id="rId33"/>
-    <p:sldId id="617" r:id="rId34"/>
-    <p:sldId id="639" r:id="rId35"/>
-    <p:sldId id="622" r:id="rId36"/>
-    <p:sldId id="623" r:id="rId37"/>
-    <p:sldId id="632" r:id="rId38"/>
-    <p:sldId id="633" r:id="rId39"/>
-    <p:sldId id="625" r:id="rId40"/>
-    <p:sldId id="626" r:id="rId41"/>
+    <p:sldId id="588" r:id="rId23"/>
+    <p:sldId id="607" r:id="rId24"/>
+    <p:sldId id="637" r:id="rId25"/>
+    <p:sldId id="608" r:id="rId26"/>
+    <p:sldId id="638" r:id="rId27"/>
+    <p:sldId id="609" r:id="rId28"/>
+    <p:sldId id="619" r:id="rId29"/>
+    <p:sldId id="618" r:id="rId30"/>
+    <p:sldId id="620" r:id="rId31"/>
+    <p:sldId id="621" r:id="rId32"/>
+    <p:sldId id="617" r:id="rId33"/>
+    <p:sldId id="639" r:id="rId34"/>
+    <p:sldId id="622" r:id="rId35"/>
+    <p:sldId id="623" r:id="rId36"/>
+    <p:sldId id="632" r:id="rId37"/>
+    <p:sldId id="633" r:id="rId38"/>
+    <p:sldId id="625" r:id="rId39"/>
+    <p:sldId id="626" r:id="rId40"/>
   </p:sldIdLst>
   <p:sldSz cx="9144000" cy="6858000" type="screen4x3"/>
   <p:notesSz cx="6784975" cy="9921875"/>
@@ -1089,11 +1088,8 @@
           <a:p>
             <a:r>
               <a:rPr lang="de-DE" dirty="0"/>
-              <a:t>https://container-registry.com/posts/container-image-versioning/</a:t>
-            </a:r>
-          </a:p>
-          <a:p>
-            <a:endParaRPr lang="de-DE" dirty="0"/>
+              <a:t>https://docs.gitlab.com/ee/user/packages/container_registry/authenticate_with_container_registry.html</a:t>
+            </a:r>
           </a:p>
         </p:txBody>
       </p:sp>
@@ -1124,7 +1120,7 @@
     </p:spTree>
     <p:extLst>
       <p:ext uri="{BB962C8B-B14F-4D97-AF65-F5344CB8AC3E}">
-        <p14:creationId xmlns:p14="http://schemas.microsoft.com/office/powerpoint/2010/main" val="2804399164"/>
+        <p14:creationId xmlns:p14="http://schemas.microsoft.com/office/powerpoint/2010/main" val="1015434146"/>
       </p:ext>
     </p:extLst>
   </p:cSld>
@@ -1212,7 +1208,7 @@
     </p:spTree>
     <p:extLst>
       <p:ext uri="{BB962C8B-B14F-4D97-AF65-F5344CB8AC3E}">
-        <p14:creationId xmlns:p14="http://schemas.microsoft.com/office/powerpoint/2010/main" val="1015434146"/>
+        <p14:creationId xmlns:p14="http://schemas.microsoft.com/office/powerpoint/2010/main" val="3496549736"/>
       </p:ext>
     </p:extLst>
   </p:cSld>
@@ -1300,7 +1296,7 @@
     </p:spTree>
     <p:extLst>
       <p:ext uri="{BB962C8B-B14F-4D97-AF65-F5344CB8AC3E}">
-        <p14:creationId xmlns:p14="http://schemas.microsoft.com/office/powerpoint/2010/main" val="3496549736"/>
+        <p14:creationId xmlns:p14="http://schemas.microsoft.com/office/powerpoint/2010/main" val="4044532184"/>
       </p:ext>
     </p:extLst>
   </p:cSld>
@@ -1354,10 +1350,7 @@
           <a:bodyPr/>
           <a:lstStyle/>
           <a:p>
-            <a:r>
-              <a:rPr lang="de-DE" dirty="0"/>
-              <a:t>https://docs.gitlab.com/ee/user/packages/container_registry/authenticate_with_container_registry.html</a:t>
-            </a:r>
+            <a:endParaRPr lang="de-DE" dirty="0"/>
           </a:p>
         </p:txBody>
       </p:sp>
@@ -1388,7 +1381,7 @@
     </p:spTree>
     <p:extLst>
       <p:ext uri="{BB962C8B-B14F-4D97-AF65-F5344CB8AC3E}">
-        <p14:creationId xmlns:p14="http://schemas.microsoft.com/office/powerpoint/2010/main" val="4044532184"/>
+        <p14:creationId xmlns:p14="http://schemas.microsoft.com/office/powerpoint/2010/main" val="1133817201"/>
       </p:ext>
     </p:extLst>
   </p:cSld>
@@ -1473,7 +1466,7 @@
     </p:spTree>
     <p:extLst>
       <p:ext uri="{BB962C8B-B14F-4D97-AF65-F5344CB8AC3E}">
-        <p14:creationId xmlns:p14="http://schemas.microsoft.com/office/powerpoint/2010/main" val="1133817201"/>
+        <p14:creationId xmlns:p14="http://schemas.microsoft.com/office/powerpoint/2010/main" val="3795170457"/>
       </p:ext>
     </p:extLst>
   </p:cSld>
@@ -1527,6 +1520,43 @@
           <a:bodyPr/>
           <a:lstStyle/>
           <a:p>
+            <a:pPr algn="l"/>
+            <a:r>
+              <a:rPr lang="en-US" b="0" i="0" dirty="0">
+                <a:solidFill>
+                  <a:srgbClr val="404040"/>
+                </a:solidFill>
+                <a:effectLst/>
+                <a:latin typeface="gitlab sans"/>
+              </a:rPr>
+              <a:t>You can use </a:t>
+            </a:r>
+            <a:r>
+              <a:rPr lang="en-US" b="0" i="0" u="none" strike="noStrike" dirty="0">
+                <a:solidFill>
+                  <a:srgbClr val="5943B6"/>
+                </a:solidFill>
+                <a:effectLst/>
+                <a:latin typeface="gitlab sans"/>
+                <a:hlinkClick r:id="rId3"/>
+              </a:rPr>
+              <a:t>GitLab CI/CD</a:t>
+            </a:r>
+            <a:r>
+              <a:rPr lang="en-US" b="0" i="0" dirty="0">
+                <a:solidFill>
+                  <a:srgbClr val="404040"/>
+                </a:solidFill>
+                <a:effectLst/>
+                <a:latin typeface="gitlab sans"/>
+              </a:rPr>
+              <a:t> to build and push container images to the Container Registry. You can use CI/CD to test, build, and deploy your project from the container image you created.</a:t>
+            </a:r>
+          </a:p>
+          <a:p>
+            <a:br>
+              <a:rPr lang="en-US" dirty="0"/>
+            </a:br>
             <a:endParaRPr lang="de-DE" dirty="0"/>
           </a:p>
         </p:txBody>
@@ -1558,7 +1588,7 @@
     </p:spTree>
     <p:extLst>
       <p:ext uri="{BB962C8B-B14F-4D97-AF65-F5344CB8AC3E}">
-        <p14:creationId xmlns:p14="http://schemas.microsoft.com/office/powerpoint/2010/main" val="3795170457"/>
+        <p14:creationId xmlns:p14="http://schemas.microsoft.com/office/powerpoint/2010/main" val="3378526490"/>
       </p:ext>
     </p:extLst>
   </p:cSld>
@@ -1612,44 +1642,29 @@
           <a:bodyPr/>
           <a:lstStyle/>
           <a:p>
-            <a:pPr algn="l"/>
-            <a:r>
-              <a:rPr lang="en-US" b="0" i="0" dirty="0">
-                <a:solidFill>
-                  <a:srgbClr val="404040"/>
-                </a:solidFill>
-                <a:effectLst/>
-                <a:latin typeface="gitlab sans"/>
-              </a:rPr>
-              <a:t>You can use </a:t>
-            </a:r>
-            <a:r>
-              <a:rPr lang="en-US" b="0" i="0" u="none" strike="noStrike" dirty="0">
-                <a:solidFill>
-                  <a:srgbClr val="5943B6"/>
-                </a:solidFill>
-                <a:effectLst/>
-                <a:latin typeface="gitlab sans"/>
-                <a:hlinkClick r:id="rId3"/>
-              </a:rPr>
-              <a:t>GitLab CI/CD</a:t>
-            </a:r>
-            <a:r>
-              <a:rPr lang="en-US" b="0" i="0" dirty="0">
-                <a:solidFill>
-                  <a:srgbClr val="404040"/>
-                </a:solidFill>
-                <a:effectLst/>
-                <a:latin typeface="gitlab sans"/>
-              </a:rPr>
-              <a:t> to build and push container images to the Container Registry. You can use CI/CD to test, build, and deploy your project from the container image you created.</a:t>
-            </a:r>
-          </a:p>
-          <a:p>
-            <a:br>
-              <a:rPr lang="en-US" dirty="0"/>
-            </a:br>
+            <a:r>
+              <a:rPr lang="de-DE" dirty="0"/>
+              <a:t>https://docs.gitlab.com/ee/ci/docker/using_docker_build.html#use-docker-in-docker</a:t>
+            </a:r>
+          </a:p>
+          <a:p>
             <a:endParaRPr lang="de-DE" dirty="0"/>
+          </a:p>
+          <a:p>
+            <a:r>
+              <a:rPr lang="de-DE" dirty="0" err="1"/>
+              <a:t>Dind</a:t>
+            </a:r>
+            <a:r>
+              <a:rPr lang="de-DE" dirty="0"/>
+              <a:t> mit TLS:</a:t>
+            </a:r>
+          </a:p>
+          <a:p>
+            <a:r>
+              <a:rPr lang="de-DE" dirty="0"/>
+              <a:t>https://docs.gitlab.com/ee/ci/docker/using_docker_build.html#docker-in-docker-with-tls-enabled-in-the-docker-executor</a:t>
+            </a:r>
           </a:p>
         </p:txBody>
       </p:sp>
@@ -1680,7 +1695,7 @@
     </p:spTree>
     <p:extLst>
       <p:ext uri="{BB962C8B-B14F-4D97-AF65-F5344CB8AC3E}">
-        <p14:creationId xmlns:p14="http://schemas.microsoft.com/office/powerpoint/2010/main" val="3378526490"/>
+        <p14:creationId xmlns:p14="http://schemas.microsoft.com/office/powerpoint/2010/main" val="3929006885"/>
       </p:ext>
     </p:extLst>
   </p:cSld>
@@ -1736,26 +1751,7 @@
           <a:p>
             <a:r>
               <a:rPr lang="de-DE" dirty="0"/>
-              <a:t>https://docs.gitlab.com/ee/ci/docker/using_docker_build.html#use-docker-in-docker</a:t>
-            </a:r>
-          </a:p>
-          <a:p>
-            <a:endParaRPr lang="de-DE" dirty="0"/>
-          </a:p>
-          <a:p>
-            <a:r>
-              <a:rPr lang="de-DE" dirty="0" err="1"/>
-              <a:t>Dind</a:t>
-            </a:r>
-            <a:r>
-              <a:rPr lang="de-DE" dirty="0"/>
-              <a:t> mit TLS:</a:t>
-            </a:r>
-          </a:p>
-          <a:p>
-            <a:r>
-              <a:rPr lang="de-DE" dirty="0"/>
-              <a:t>https://docs.gitlab.com/ee/ci/docker/using_docker_build.html#docker-in-docker-with-tls-enabled-in-the-docker-executor</a:t>
+              <a:t>https://docs.gitlab.com/ee/user/packages/container_registry/build_and_push_images.html#configure-your-gitlab-ciyml-file</a:t>
             </a:r>
           </a:p>
         </p:txBody>
@@ -1787,7 +1783,7 @@
     </p:spTree>
     <p:extLst>
       <p:ext uri="{BB962C8B-B14F-4D97-AF65-F5344CB8AC3E}">
-        <p14:creationId xmlns:p14="http://schemas.microsoft.com/office/powerpoint/2010/main" val="3929006885"/>
+        <p14:creationId xmlns:p14="http://schemas.microsoft.com/office/powerpoint/2010/main" val="3635466979"/>
       </p:ext>
     </p:extLst>
   </p:cSld>
@@ -1841,9 +1837,24 @@
           <a:bodyPr/>
           <a:lstStyle/>
           <a:p>
+            <a:endParaRPr lang="de-DE" dirty="0"/>
+          </a:p>
+          <a:p>
             <a:r>
               <a:rPr lang="de-DE" dirty="0"/>
-              <a:t>https://docs.gitlab.com/ee/user/packages/container_registry/build_and_push_images.html#configure-your-gitlab-ciyml-file</a:t>
+              <a:t>https://about.gitlab.com/blog/2020/12/15/dependency-proxy-updates/</a:t>
+            </a:r>
+          </a:p>
+          <a:p>
+            <a:endParaRPr lang="de-DE" dirty="0"/>
+          </a:p>
+          <a:p>
+            <a:endParaRPr lang="de-DE" dirty="0"/>
+          </a:p>
+          <a:p>
+            <a:r>
+              <a:rPr lang="de-DE" dirty="0"/>
+              <a:t>https://help.sonatype.com/en/components-and-assets-in-docker.html#:~:text=Docker%20Images%2C%20Tags%2C%20Manifests%2C,not%20associated%20with%20a%20component.</a:t>
             </a:r>
           </a:p>
         </p:txBody>
@@ -1866,7 +1877,7 @@
             <a:fld id="{18182567-388C-4D33-8B7B-A651F195F118}" type="slidenum">
               <a:rPr lang="de-DE" altLang="de-DE" smtClean="0"/>
               <a:pPr/>
-              <a:t>29</a:t>
+              <a:t>31</a:t>
             </a:fld>
             <a:endParaRPr lang="de-DE" altLang="de-DE"/>
           </a:p>
@@ -1875,7 +1886,7 @@
     </p:spTree>
     <p:extLst>
       <p:ext uri="{BB962C8B-B14F-4D97-AF65-F5344CB8AC3E}">
-        <p14:creationId xmlns:p14="http://schemas.microsoft.com/office/powerpoint/2010/main" val="3635466979"/>
+        <p14:creationId xmlns:p14="http://schemas.microsoft.com/office/powerpoint/2010/main" val="3189253092"/>
       </p:ext>
     </p:extLst>
   </p:cSld>
@@ -1978,7 +1989,7 @@
     </p:spTree>
     <p:extLst>
       <p:ext uri="{BB962C8B-B14F-4D97-AF65-F5344CB8AC3E}">
-        <p14:creationId xmlns:p14="http://schemas.microsoft.com/office/powerpoint/2010/main" val="3189253092"/>
+        <p14:creationId xmlns:p14="http://schemas.microsoft.com/office/powerpoint/2010/main" val="3426277297"/>
       </p:ext>
     </p:extLst>
   </p:cSld>
@@ -2122,24 +2133,6 @@
           <a:p>
             <a:endParaRPr lang="de-DE" dirty="0"/>
           </a:p>
-          <a:p>
-            <a:r>
-              <a:rPr lang="de-DE" dirty="0"/>
-              <a:t>https://about.gitlab.com/blog/2020/12/15/dependency-proxy-updates/</a:t>
-            </a:r>
-          </a:p>
-          <a:p>
-            <a:endParaRPr lang="de-DE" dirty="0"/>
-          </a:p>
-          <a:p>
-            <a:endParaRPr lang="de-DE" dirty="0"/>
-          </a:p>
-          <a:p>
-            <a:r>
-              <a:rPr lang="de-DE" dirty="0"/>
-              <a:t>https://help.sonatype.com/en/components-and-assets-in-docker.html#:~:text=Docker%20Images%2C%20Tags%2C%20Manifests%2C,not%20associated%20with%20a%20component.</a:t>
-            </a:r>
-          </a:p>
         </p:txBody>
       </p:sp>
       <p:sp>
@@ -2160,7 +2153,7 @@
             <a:fld id="{18182567-388C-4D33-8B7B-A651F195F118}" type="slidenum">
               <a:rPr lang="de-DE" altLang="de-DE" smtClean="0"/>
               <a:pPr/>
-              <a:t>33</a:t>
+              <a:t>37</a:t>
             </a:fld>
             <a:endParaRPr lang="de-DE" altLang="de-DE"/>
           </a:p>
@@ -2169,7 +2162,7 @@
     </p:spTree>
     <p:extLst>
       <p:ext uri="{BB962C8B-B14F-4D97-AF65-F5344CB8AC3E}">
-        <p14:creationId xmlns:p14="http://schemas.microsoft.com/office/powerpoint/2010/main" val="3426277297"/>
+        <p14:creationId xmlns:p14="http://schemas.microsoft.com/office/powerpoint/2010/main" val="2538846736"/>
       </p:ext>
     </p:extLst>
   </p:cSld>
@@ -2223,6 +2216,24 @@
           <a:bodyPr/>
           <a:lstStyle/>
           <a:p>
+            <a:r>
+              <a:rPr lang="de-DE" dirty="0"/>
+              <a:t>https://docs.gitlab.com/ee/ci/variables/predefined_variables.html</a:t>
+            </a:r>
+          </a:p>
+          <a:p>
+            <a:endParaRPr lang="de-DE" dirty="0"/>
+          </a:p>
+          <a:p>
+            <a:r>
+              <a:rPr lang="en-US" dirty="0">
+                <a:effectLst/>
+              </a:rPr>
+              <a:t>CI_COMMIT_REF_NAME in lowercase, shortened to 63 bytes, and with everything except 0-9 and a-z replaced with -. No leading / trailing -. Use in URLs, host names and domain names.</a:t>
+            </a:r>
+            <a:br>
+              <a:rPr lang="en-US" dirty="0"/>
+            </a:br>
             <a:endParaRPr lang="de-DE" dirty="0"/>
           </a:p>
         </p:txBody>
@@ -2246,109 +2257,6 @@
               <a:rPr lang="de-DE" altLang="de-DE" smtClean="0"/>
               <a:pPr/>
               <a:t>38</a:t>
-            </a:fld>
-            <a:endParaRPr lang="de-DE" altLang="de-DE"/>
-          </a:p>
-        </p:txBody>
-      </p:sp>
-    </p:spTree>
-    <p:extLst>
-      <p:ext uri="{BB962C8B-B14F-4D97-AF65-F5344CB8AC3E}">
-        <p14:creationId xmlns:p14="http://schemas.microsoft.com/office/powerpoint/2010/main" val="2538846736"/>
-      </p:ext>
-    </p:extLst>
-  </p:cSld>
-  <p:clrMapOvr>
-    <a:masterClrMapping/>
-  </p:clrMapOvr>
-</p:notes>
-</file>
-
-<file path=ppt/notesSlides/notesSlide22.xml><?xml version="1.0" encoding="utf-8"?>
-<p:notes xmlns:a="http://schemas.openxmlformats.org/drawingml/2006/main" xmlns:r="http://schemas.openxmlformats.org/officeDocument/2006/relationships" xmlns:p="http://schemas.openxmlformats.org/presentationml/2006/main">
-  <p:cSld>
-    <p:spTree>
-      <p:nvGrpSpPr>
-        <p:cNvPr id="1" name=""/>
-        <p:cNvGrpSpPr/>
-        <p:nvPr/>
-      </p:nvGrpSpPr>
-      <p:grpSpPr>
-        <a:xfrm>
-          <a:off x="0" y="0"/>
-          <a:ext cx="0" cy="0"/>
-          <a:chOff x="0" y="0"/>
-          <a:chExt cx="0" cy="0"/>
-        </a:xfrm>
-      </p:grpSpPr>
-      <p:sp>
-        <p:nvSpPr>
-          <p:cNvPr id="2" name="Folienbildplatzhalter 1"/>
-          <p:cNvSpPr>
-            <a:spLocks noGrp="1" noRot="1" noChangeAspect="1"/>
-          </p:cNvSpPr>
-          <p:nvPr>
-            <p:ph type="sldImg"/>
-          </p:nvPr>
-        </p:nvSpPr>
-        <p:spPr/>
-      </p:sp>
-      <p:sp>
-        <p:nvSpPr>
-          <p:cNvPr id="3" name="Notizenplatzhalter 2"/>
-          <p:cNvSpPr>
-            <a:spLocks noGrp="1"/>
-          </p:cNvSpPr>
-          <p:nvPr>
-            <p:ph type="body" idx="1"/>
-          </p:nvPr>
-        </p:nvSpPr>
-        <p:spPr/>
-        <p:txBody>
-          <a:bodyPr/>
-          <a:lstStyle/>
-          <a:p>
-            <a:r>
-              <a:rPr lang="de-DE" dirty="0"/>
-              <a:t>https://docs.gitlab.com/ee/ci/variables/predefined_variables.html</a:t>
-            </a:r>
-          </a:p>
-          <a:p>
-            <a:endParaRPr lang="de-DE" dirty="0"/>
-          </a:p>
-          <a:p>
-            <a:r>
-              <a:rPr lang="en-US" dirty="0">
-                <a:effectLst/>
-              </a:rPr>
-              <a:t>CI_COMMIT_REF_NAME in lowercase, shortened to 63 bytes, and with everything except 0-9 and a-z replaced with -. No leading / trailing -. Use in URLs, host names and domain names.</a:t>
-            </a:r>
-            <a:br>
-              <a:rPr lang="en-US" dirty="0"/>
-            </a:br>
-            <a:endParaRPr lang="de-DE" dirty="0"/>
-          </a:p>
-        </p:txBody>
-      </p:sp>
-      <p:sp>
-        <p:nvSpPr>
-          <p:cNvPr id="4" name="Foliennummernplatzhalter 3"/>
-          <p:cNvSpPr>
-            <a:spLocks noGrp="1"/>
-          </p:cNvSpPr>
-          <p:nvPr>
-            <p:ph type="sldNum" sz="quarter" idx="5"/>
-          </p:nvPr>
-        </p:nvSpPr>
-        <p:spPr/>
-        <p:txBody>
-          <a:bodyPr/>
-          <a:lstStyle/>
-          <a:p>
-            <a:fld id="{18182567-388C-4D33-8B7B-A651F195F118}" type="slidenum">
-              <a:rPr lang="de-DE" altLang="de-DE" smtClean="0"/>
-              <a:pPr/>
-              <a:t>39</a:t>
             </a:fld>
             <a:endParaRPr lang="de-DE" altLang="de-DE"/>
           </a:p>
@@ -3542,7 +3450,7 @@
               <a:pPr algn="ctr">
                 <a:defRPr/>
               </a:pPr>
-              <a:t>11.06.2024</a:t>
+              <a:t>12.06.2024</a:t>
             </a:fld>
             <a:endParaRPr lang="de-DE" sz="1000">
               <a:solidFill>
@@ -3926,7 +3834,7 @@
         </p:nvSpPr>
         <p:spPr bwMode="auto">
           <a:xfrm>
-            <a:off x="4252913" y="6424613"/>
+            <a:off x="3688927" y="6438154"/>
             <a:ext cx="2637260" cy="246221"/>
           </a:xfrm>
           <a:prstGeom prst="rect">
@@ -5988,7 +5896,15 @@
             </a:pPr>
             <a:r>
               <a:rPr lang="de-DE" b="1" dirty="0"/>
-              <a:t>Tagging nach dem </a:t>
+              <a:t>Tagging </a:t>
+            </a:r>
+            <a:r>
+              <a:rPr lang="de-DE" b="1" u="sng" dirty="0"/>
+              <a:t>nach</a:t>
+            </a:r>
+            <a:r>
+              <a:rPr lang="de-DE" b="1" dirty="0"/>
+              <a:t> dem </a:t>
             </a:r>
             <a:r>
               <a:rPr lang="de-DE" b="1" dirty="0" err="1"/>
@@ -6153,13 +6069,8 @@
             </a:pPr>
             <a:r>
               <a:rPr lang="de-DE" b="1" dirty="0"/>
-              <a:t>Best </a:t>
-            </a:r>
-            <a:r>
-              <a:rPr lang="de-DE" b="1" dirty="0" err="1"/>
-              <a:t>Practises</a:t>
-            </a:r>
-            <a:endParaRPr lang="de-DE" b="1" dirty="0"/>
+              <a:t>Best Practices</a:t>
+            </a:r>
           </a:p>
           <a:p>
             <a:pPr>
@@ -6178,7 +6089,7 @@
             </a:pPr>
             <a:r>
               <a:rPr lang="de-DE" dirty="0"/>
-              <a:t>Beschreibend (deskriptive) sein</a:t>
+              <a:t>Selbstbeschreibend</a:t>
             </a:r>
           </a:p>
           <a:p>
@@ -6188,8 +6099,14 @@
             </a:pPr>
             <a:r>
               <a:rPr lang="de-DE" dirty="0"/>
-              <a:t>Version oder Zustand wiedergeben</a:t>
-            </a:r>
+              <a:t>Version oder Zustand</a:t>
+            </a:r>
+          </a:p>
+          <a:p>
+            <a:pPr marL="457200" lvl="1" indent="0">
+              <a:buNone/>
+            </a:pPr>
+            <a:endParaRPr lang="de-DE" dirty="0"/>
           </a:p>
           <a:p>
             <a:pPr>
@@ -6208,8 +6125,15 @@
             </a:pPr>
             <a:r>
               <a:rPr lang="de-DE" dirty="0"/>
-              <a:t>Einheitliches Tagging-Schema für verschiedene Images und Versionen</a:t>
-            </a:r>
+              <a:t>Einheitliches Tagging-Schema</a:t>
+            </a:r>
+          </a:p>
+          <a:p>
+            <a:pPr lvl="1">
+              <a:buFont typeface="Arial" panose="020B0604020202020204" pitchFamily="34" charset="0"/>
+              <a:buChar char="•"/>
+            </a:pPr>
+            <a:endParaRPr lang="de-DE" dirty="0"/>
           </a:p>
           <a:p>
             <a:pPr>
@@ -6367,7 +6291,7 @@
             </a:pPr>
             <a:r>
               <a:rPr lang="de-DE" dirty="0"/>
-              <a:t>Image tags:</a:t>
+              <a:t>Image Tags:</a:t>
             </a:r>
           </a:p>
           <a:p>
@@ -6468,7 +6392,7 @@
             </a:r>
             <a:r>
               <a:rPr lang="de-DE" dirty="0" err="1"/>
-              <a:t>Based</a:t>
+              <a:t>based</a:t>
             </a:r>
             <a:r>
               <a:rPr lang="de-DE" dirty="0"/>
@@ -6584,7 +6508,7 @@
             </a:pPr>
             <a:r>
               <a:rPr lang="de-DE" b="1" dirty="0"/>
-              <a:t>Rolling tags</a:t>
+              <a:t>Rolling Tags</a:t>
             </a:r>
           </a:p>
           <a:p>
@@ -6647,25 +6571,27 @@
             </a:pPr>
             <a:r>
               <a:rPr lang="de-DE" dirty="0"/>
-              <a:t>Relevanteste und neuste </a:t>
-            </a:r>
-            <a:r>
-              <a:rPr lang="de-DE" dirty="0" err="1"/>
-              <a:t>Build</a:t>
-            </a:r>
+              <a:t>Relevanteste und neuste Versionen</a:t>
+            </a:r>
+          </a:p>
+          <a:p>
+            <a:pPr>
+              <a:buFont typeface="Arial" panose="020B0604020202020204" pitchFamily="34" charset="0"/>
+              <a:buChar char="•"/>
+            </a:pPr>
             <a:r>
               <a:rPr lang="de-DE" dirty="0"/>
-              <a:t>-Tag</a:t>
-            </a:r>
-          </a:p>
-          <a:p>
-            <a:pPr>
+              <a:t>Vorsicht: Volatiler Inhalt!</a:t>
+            </a:r>
+          </a:p>
+          <a:p>
+            <a:pPr lvl="1">
               <a:buFont typeface="Arial" panose="020B0604020202020204" pitchFamily="34" charset="0"/>
               <a:buChar char="•"/>
             </a:pPr>
             <a:r>
               <a:rPr lang="de-DE" dirty="0"/>
-              <a:t>Vorsicht: Inkompatibles Image!</a:t>
+              <a:t>Für Test-Stage OK, bei Produktion No-Go</a:t>
             </a:r>
           </a:p>
           <a:p>
@@ -6675,37 +6601,7 @@
             </a:pPr>
             <a:r>
               <a:rPr lang="de-DE" dirty="0"/>
-              <a:t>Für Test-Stage OK, </a:t>
-            </a:r>
-            <a:r>
-              <a:rPr lang="de-DE" dirty="0" err="1"/>
-              <a:t>Production</a:t>
-            </a:r>
-            <a:r>
-              <a:rPr lang="de-DE" dirty="0"/>
-              <a:t> No-Go</a:t>
-            </a:r>
-          </a:p>
-          <a:p>
-            <a:pPr lvl="1">
-              <a:buFont typeface="Arial" panose="020B0604020202020204" pitchFamily="34" charset="0"/>
-              <a:buChar char="•"/>
-            </a:pPr>
-            <a:r>
-              <a:rPr lang="de-DE" dirty="0" err="1"/>
-              <a:t>Production</a:t>
-            </a:r>
-            <a:r>
-              <a:rPr lang="de-DE" dirty="0"/>
-              <a:t> besser: </a:t>
-            </a:r>
-            <a:r>
-              <a:rPr lang="de-DE" dirty="0" err="1"/>
-              <a:t>unique</a:t>
-            </a:r>
-            <a:r>
-              <a:rPr lang="de-DE" dirty="0"/>
-              <a:t> Tags</a:t>
+              <a:t>Bei Produktion besser: Unique Tags</a:t>
             </a:r>
           </a:p>
           <a:p>
@@ -6743,13 +6639,8 @@
             </a:r>
             <a:r>
               <a:rPr lang="de-DE" dirty="0"/>
-              <a:t>): not human-</a:t>
-            </a:r>
-            <a:r>
-              <a:rPr lang="de-DE" dirty="0" err="1"/>
-              <a:t>readable</a:t>
-            </a:r>
-            <a:endParaRPr lang="de-DE" dirty="0"/>
+              <a:t>): schwer lesbar</a:t>
+            </a:r>
           </a:p>
           <a:p>
             <a:pPr lvl="1">
@@ -6758,7 +6649,7 @@
             </a:pPr>
             <a:r>
               <a:rPr lang="de-DE" dirty="0"/>
-              <a:t>Image tags: mutable</a:t>
+              <a:t>Image Tags: veränderlich</a:t>
             </a:r>
           </a:p>
           <a:p>
@@ -6877,7 +6768,7 @@
             </a:pPr>
             <a:r>
               <a:rPr lang="de-DE" dirty="0"/>
-              <a:t>Nützlich bei </a:t>
+              <a:t>Nützlich bei Verwendung von </a:t>
             </a:r>
             <a:r>
               <a:rPr lang="de-DE" dirty="0" err="1"/>
@@ -6895,8 +6786,13 @@
             </a:pPr>
             <a:r>
               <a:rPr lang="de-DE" dirty="0"/>
-              <a:t>Direkt als Docker Image Tags</a:t>
-            </a:r>
+              <a:t>Konsistenz zwischen Versionsverwaltung und </a:t>
+            </a:r>
+            <a:r>
+              <a:rPr lang="de-DE" dirty="0" err="1"/>
+              <a:t>Deployable</a:t>
+            </a:r>
+            <a:endParaRPr lang="de-DE" dirty="0"/>
           </a:p>
           <a:p>
             <a:pPr>
@@ -7197,7 +7093,7 @@
             </a:r>
             <a:r>
               <a:rPr lang="de-DE" b="1" dirty="0"/>
-              <a:t> tags (</a:t>
+              <a:t> Tags (</a:t>
             </a:r>
             <a:r>
               <a:rPr lang="de-DE" b="1" dirty="0" err="1"/>
@@ -7223,7 +7119,7 @@
             </a:pPr>
             <a:r>
               <a:rPr lang="de-DE" dirty="0"/>
-              <a:t>Anstatt zufällige Namen direkt Nummerierung</a:t>
+              <a:t>Anstatt zufällige Namen spezifische Versionsnummer</a:t>
             </a:r>
           </a:p>
           <a:p>
@@ -7478,7 +7374,7 @@
             </a:pPr>
             <a:r>
               <a:rPr lang="de-DE" dirty="0"/>
-              <a:t>Commit = neues Image</a:t>
+              <a:t>Neuer Commit = neues Image</a:t>
             </a:r>
           </a:p>
           <a:p>
@@ -7502,7 +7398,7 @@
             </a:pPr>
             <a:r>
               <a:rPr lang="de-DE" dirty="0"/>
-              <a:t>Kürzer als Image Digests</a:t>
+              <a:t>Kürzer als Docker Image Digests</a:t>
             </a:r>
           </a:p>
           <a:p>
@@ -7526,7 +7422,7 @@
             </a:pPr>
             <a:r>
               <a:rPr lang="de-DE" dirty="0"/>
-              <a:t>Tags nicht selbsterklärend</a:t>
+              <a:t>Nicht selbsterklärend</a:t>
             </a:r>
           </a:p>
           <a:p>
@@ -7659,7 +7555,7 @@
             </a:r>
             <a:r>
               <a:rPr lang="de-DE" b="1" dirty="0" err="1"/>
-              <a:t>Based</a:t>
+              <a:t>based</a:t>
             </a:r>
             <a:r>
               <a:rPr lang="de-DE" b="1" dirty="0"/>
@@ -7673,13 +7569,8 @@
             </a:pPr>
             <a:r>
               <a:rPr lang="de-DE" dirty="0"/>
-              <a:t>Unique </a:t>
-            </a:r>
-            <a:r>
-              <a:rPr lang="de-DE" dirty="0" err="1"/>
-              <a:t>identifier</a:t>
-            </a:r>
-            <a:endParaRPr lang="de-DE" dirty="0"/>
+              <a:t>Unique Identifier</a:t>
+            </a:r>
           </a:p>
           <a:p>
             <a:pPr lvl="1">
@@ -7754,62 +7645,35 @@
               <a:buChar char="•"/>
             </a:pPr>
             <a:r>
+              <a:rPr lang="de-DE" dirty="0">
+                <a:sym typeface="Wingdings" panose="05000000000000000000" pitchFamily="2" charset="2"/>
+              </a:rPr>
+              <a:t>Zeitzonen sind böse!</a:t>
+            </a:r>
+          </a:p>
+          <a:p>
+            <a:pPr lvl="1">
+              <a:buFont typeface="Arial" panose="020B0604020202020204" pitchFamily="34" charset="0"/>
+              <a:buChar char="•"/>
+            </a:pPr>
+            <a:r>
+              <a:rPr lang="de-DE" dirty="0">
+                <a:sym typeface="Wingdings" panose="05000000000000000000" pitchFamily="2" charset="2"/>
+              </a:rPr>
+              <a:t>Korrelation zum </a:t>
+            </a:r>
+            <a:r>
               <a:rPr lang="de-DE" dirty="0" err="1">
                 <a:sym typeface="Wingdings" panose="05000000000000000000" pitchFamily="2" charset="2"/>
               </a:rPr>
-              <a:t>Timezonen</a:t>
+              <a:t>Changeset</a:t>
             </a:r>
             <a:r>
               <a:rPr lang="de-DE" dirty="0">
                 <a:sym typeface="Wingdings" panose="05000000000000000000" pitchFamily="2" charset="2"/>
               </a:rPr>
-              <a:t> sind böse!</a:t>
-            </a:r>
-          </a:p>
-          <a:p>
-            <a:pPr lvl="1">
-              <a:buFont typeface="Arial" panose="020B0604020202020204" pitchFamily="34" charset="0"/>
-              <a:buChar char="•"/>
-            </a:pPr>
-            <a:r>
-              <a:rPr lang="de-DE" dirty="0">
-                <a:sym typeface="Wingdings" panose="05000000000000000000" pitchFamily="2" charset="2"/>
-              </a:rPr>
-              <a:t>Korrelation zum </a:t>
-            </a:r>
-            <a:r>
-              <a:rPr lang="de-DE" dirty="0" err="1">
-                <a:sym typeface="Wingdings" panose="05000000000000000000" pitchFamily="2" charset="2"/>
-              </a:rPr>
-              <a:t>Changeset</a:t>
-            </a:r>
-            <a:r>
-              <a:rPr lang="de-DE" dirty="0">
-                <a:sym typeface="Wingdings" panose="05000000000000000000" pitchFamily="2" charset="2"/>
-              </a:rPr>
               <a:t> fehlt</a:t>
             </a:r>
-          </a:p>
-          <a:p>
-            <a:pPr lvl="1">
-              <a:buFont typeface="Arial" panose="020B0604020202020204" pitchFamily="34" charset="0"/>
-              <a:buChar char="•"/>
-            </a:pPr>
-            <a:r>
-              <a:rPr lang="de-DE" dirty="0">
-                <a:sym typeface="Wingdings" panose="05000000000000000000" pitchFamily="2" charset="2"/>
-              </a:rPr>
-              <a:t>Image mit demselben Tag manuell pushen</a:t>
-            </a:r>
-          </a:p>
-          <a:p>
-            <a:pPr lvl="1">
-              <a:buFont typeface="Arial" panose="020B0604020202020204" pitchFamily="34" charset="0"/>
-              <a:buChar char="•"/>
-            </a:pPr>
-            <a:endParaRPr lang="de-DE" dirty="0">
-              <a:sym typeface="Wingdings" panose="05000000000000000000" pitchFamily="2" charset="2"/>
-            </a:endParaRPr>
           </a:p>
           <a:p>
             <a:pPr>
@@ -7927,13 +7791,8 @@
             </a:pPr>
             <a:r>
               <a:rPr lang="de-DE" dirty="0"/>
-              <a:t>Unique </a:t>
-            </a:r>
-            <a:r>
-              <a:rPr lang="de-DE" dirty="0" err="1"/>
-              <a:t>identifier</a:t>
-            </a:r>
-            <a:endParaRPr lang="de-DE" dirty="0"/>
+              <a:t>Unique Identifier</a:t>
+            </a:r>
           </a:p>
           <a:p>
             <a:pPr lvl="1">
@@ -8001,7 +7860,7 @@
               <a:rPr lang="de-DE" dirty="0">
                 <a:sym typeface="Wingdings" panose="05000000000000000000" pitchFamily="2" charset="2"/>
               </a:rPr>
-              <a:t>Kann nicht </a:t>
+              <a:t>Kann (theoretisch) nicht </a:t>
             </a:r>
             <a:r>
               <a:rPr lang="de-DE" dirty="0" err="1">
@@ -8569,7 +8428,7 @@
             </a:pPr>
             <a:r>
               <a:rPr lang="de-DE" dirty="0"/>
-              <a:t>Rolling tags</a:t>
+              <a:t>Rolling Tags</a:t>
             </a:r>
           </a:p>
           <a:p>
@@ -8589,7 +8448,7 @@
             </a:pPr>
             <a:r>
               <a:rPr lang="de-DE" dirty="0"/>
-              <a:t>Unique tags</a:t>
+              <a:t>Unique Tags</a:t>
             </a:r>
           </a:p>
           <a:p>
@@ -8599,13 +8458,8 @@
             </a:pPr>
             <a:r>
               <a:rPr lang="de-DE" dirty="0"/>
-              <a:t>Container in </a:t>
-            </a:r>
-            <a:r>
-              <a:rPr lang="de-DE" dirty="0" err="1"/>
-              <a:t>Production</a:t>
-            </a:r>
-            <a:endParaRPr lang="de-DE" dirty="0"/>
+              <a:t>Software in Produktion</a:t>
+            </a:r>
           </a:p>
           <a:p>
             <a:pPr lvl="1">
@@ -8626,6 +8480,13 @@
             </a:r>
           </a:p>
           <a:p>
+            <a:pPr lvl="1">
+              <a:buFont typeface="Arial" panose="020B0604020202020204" pitchFamily="34" charset="0"/>
+              <a:buChar char="•"/>
+            </a:pPr>
+            <a:endParaRPr lang="de-DE" dirty="0"/>
+          </a:p>
+          <a:p>
             <a:pPr>
               <a:buFont typeface="Arial" panose="020B0604020202020204" pitchFamily="34" charset="0"/>
               <a:buChar char="•"/>
@@ -8668,7 +8529,15 @@
             </a:pPr>
             <a:r>
               <a:rPr lang="de-DE" dirty="0"/>
-              <a:t>Nutzer kriegen kompatibles </a:t>
+              <a:t>Nutzer erhalten </a:t>
+            </a:r>
+            <a:r>
+              <a:rPr lang="de-DE" dirty="0" err="1"/>
+              <a:t>kompatiblns</a:t>
+            </a:r>
+            <a:r>
+              <a:rPr lang="de-DE" dirty="0"/>
+              <a:t> </a:t>
             </a:r>
             <a:r>
               <a:rPr lang="de-DE" dirty="0" err="1"/>
@@ -8677,6 +8546,23 @@
             <a:r>
               <a:rPr lang="de-DE" dirty="0"/>
               <a:t> für ihre Anwendungen</a:t>
+            </a:r>
+          </a:p>
+          <a:p>
+            <a:pPr lvl="1">
+              <a:buFont typeface="Arial" panose="020B0604020202020204" pitchFamily="34" charset="0"/>
+              <a:buChar char="•"/>
+            </a:pPr>
+            <a:endParaRPr lang="de-DE" dirty="0"/>
+          </a:p>
+          <a:p>
+            <a:pPr>
+              <a:buFont typeface="Arial" panose="020B0604020202020204" pitchFamily="34" charset="0"/>
+              <a:buChar char="•"/>
+            </a:pPr>
+            <a:r>
+              <a:rPr lang="de-DE" dirty="0"/>
+              <a:t>Kombination möglich!</a:t>
             </a:r>
           </a:p>
           <a:p>
@@ -8723,7 +8609,7 @@
           <p:cNvPr id="2" name="Titel 1">
             <a:extLst>
               <a:ext uri="{FF2B5EF4-FFF2-40B4-BE49-F238E27FC236}">
-                <a16:creationId xmlns:a16="http://schemas.microsoft.com/office/drawing/2014/main" id="{DB0F3AE3-58DC-3491-F808-4EB383AB2065}"/>
+                <a16:creationId xmlns:a16="http://schemas.microsoft.com/office/drawing/2014/main" id="{184AFD09-5210-6F86-C2FD-BBC016D382A6}"/>
               </a:ext>
             </a:extLst>
           </p:cNvPr>
@@ -8757,10 +8643,10 @@
       </p:sp>
       <p:sp>
         <p:nvSpPr>
-          <p:cNvPr id="3" name="Inhaltsplatzhalter 2">
+          <p:cNvPr id="6" name="Inhaltsplatzhalter 5">
             <a:extLst>
               <a:ext uri="{FF2B5EF4-FFF2-40B4-BE49-F238E27FC236}">
-                <a16:creationId xmlns:a16="http://schemas.microsoft.com/office/drawing/2014/main" id="{190FFB39-ECBA-266E-3E67-FF616FE30B00}"/>
+                <a16:creationId xmlns:a16="http://schemas.microsoft.com/office/drawing/2014/main" id="{D2412707-84D3-F572-4709-FD9A95F28E5B}"/>
               </a:ext>
             </a:extLst>
           </p:cNvPr>
@@ -8781,8 +8667,13 @@
             </a:pPr>
             <a:r>
               <a:rPr lang="de-DE" b="1" dirty="0"/>
-              <a:t>Use Cases für die Strategien</a:t>
-            </a:r>
+              <a:t>Verwendung mit </a:t>
+            </a:r>
+            <a:r>
+              <a:rPr lang="de-DE" b="1" dirty="0" err="1"/>
+              <a:t>GitLab</a:t>
+            </a:r>
+            <a:endParaRPr lang="de-DE" b="1" dirty="0"/>
           </a:p>
           <a:p>
             <a:pPr>
@@ -8791,60 +8682,63 @@
             </a:pPr>
             <a:r>
               <a:rPr lang="de-DE" dirty="0"/>
-              <a:t>Rolling + </a:t>
+              <a:t>Authentifizierung an der Container Registry</a:t>
+            </a:r>
+          </a:p>
+          <a:p>
+            <a:pPr>
+              <a:buFont typeface="Arial" panose="020B0604020202020204" pitchFamily="34" charset="0"/>
+              <a:buChar char="•"/>
+            </a:pPr>
+            <a:r>
+              <a:rPr lang="de-DE" dirty="0"/>
+              <a:t>Authentifizierung in CI/CD Pipelines</a:t>
+            </a:r>
+          </a:p>
+          <a:p>
+            <a:pPr>
+              <a:buFont typeface="Arial" panose="020B0604020202020204" pitchFamily="34" charset="0"/>
+              <a:buChar char="•"/>
+            </a:pPr>
+            <a:r>
+              <a:rPr lang="de-DE" dirty="0"/>
+              <a:t>Images bauen und pushen</a:t>
+            </a:r>
+          </a:p>
+          <a:p>
+            <a:pPr>
+              <a:buFont typeface="Arial" panose="020B0604020202020204" pitchFamily="34" charset="0"/>
+              <a:buChar char="•"/>
+            </a:pPr>
+            <a:r>
+              <a:rPr lang="de-DE" dirty="0"/>
+              <a:t>Container Registry: Beispiele mit </a:t>
             </a:r>
             <a:r>
               <a:rPr lang="de-DE" dirty="0" err="1"/>
-              <a:t>SemVer</a:t>
-            </a:r>
+              <a:t>GitLab</a:t>
+            </a:r>
+            <a:r>
+              <a:rPr lang="de-DE" dirty="0"/>
+              <a:t> CI/CD</a:t>
+            </a:r>
+          </a:p>
+          <a:p>
+            <a:pPr lvl="2">
+              <a:buFont typeface="Arial" panose="020B0604020202020204" pitchFamily="34" charset="0"/>
+              <a:buChar char="•"/>
+            </a:pPr>
             <a:endParaRPr lang="de-DE" dirty="0"/>
           </a:p>
           <a:p>
-            <a:pPr>
-              <a:buFont typeface="Arial" panose="020B0604020202020204" pitchFamily="34" charset="0"/>
-              <a:buChar char="•"/>
-            </a:pPr>
-            <a:r>
-              <a:rPr lang="de-DE" dirty="0"/>
-              <a:t>Kleine Teams</a:t>
-            </a:r>
+            <a:pPr lvl="2">
+              <a:buFont typeface="Arial" panose="020B0604020202020204" pitchFamily="34" charset="0"/>
+              <a:buChar char="•"/>
+            </a:pPr>
+            <a:endParaRPr lang="de-DE" dirty="0"/>
           </a:p>
           <a:p>
             <a:pPr lvl="1">
-              <a:buFont typeface="Arial" panose="020B0604020202020204" pitchFamily="34" charset="0"/>
-              <a:buChar char="•"/>
-            </a:pPr>
-            <a:r>
-              <a:rPr lang="de-DE" dirty="0"/>
-              <a:t>Digests, </a:t>
-            </a:r>
-            <a:r>
-              <a:rPr lang="de-DE" dirty="0" err="1"/>
-              <a:t>Git</a:t>
-            </a:r>
-            <a:r>
-              <a:rPr lang="de-DE" dirty="0"/>
-              <a:t> Commit Hash, </a:t>
-            </a:r>
-            <a:r>
-              <a:rPr lang="de-DE" dirty="0" err="1"/>
-              <a:t>Timestamps</a:t>
-            </a:r>
-            <a:r>
-              <a:rPr lang="de-DE" dirty="0"/>
-              <a:t> oder </a:t>
-            </a:r>
-            <a:r>
-              <a:rPr lang="de-DE" dirty="0" err="1"/>
-              <a:t>Build</a:t>
-            </a:r>
-            <a:r>
-              <a:rPr lang="de-DE" dirty="0"/>
-              <a:t> IDs</a:t>
-            </a:r>
-          </a:p>
-          <a:p>
-            <a:pPr>
               <a:buFont typeface="Arial" panose="020B0604020202020204" pitchFamily="34" charset="0"/>
               <a:buChar char="•"/>
             </a:pPr>
@@ -8855,7 +8749,7 @@
     </p:spTree>
     <p:extLst>
       <p:ext uri="{BB962C8B-B14F-4D97-AF65-F5344CB8AC3E}">
-        <p14:creationId xmlns:p14="http://schemas.microsoft.com/office/powerpoint/2010/main" val="1901734117"/>
+        <p14:creationId xmlns:p14="http://schemas.microsoft.com/office/powerpoint/2010/main" val="1944366019"/>
       </p:ext>
     </p:extLst>
   </p:cSld>
@@ -8945,13 +8839,8 @@
             </a:pPr>
             <a:r>
               <a:rPr lang="de-DE" b="1" dirty="0"/>
-              <a:t>Verwendung mit </a:t>
-            </a:r>
-            <a:r>
-              <a:rPr lang="de-DE" b="1" dirty="0" err="1"/>
-              <a:t>GitLab</a:t>
-            </a:r>
-            <a:endParaRPr lang="de-DE" b="1" dirty="0"/>
+              <a:t>Authentifizierung an der Container Registry</a:t>
+            </a:r>
           </a:p>
           <a:p>
             <a:pPr>
@@ -8960,8 +8849,55 @@
             </a:pPr>
             <a:r>
               <a:rPr lang="de-DE" dirty="0"/>
-              <a:t>Authentifizierung mit der Container Registry</a:t>
-            </a:r>
+              <a:t>Unterstützte Mechanismen</a:t>
+            </a:r>
+          </a:p>
+          <a:p>
+            <a:pPr lvl="1">
+              <a:buFont typeface="Arial" panose="020B0604020202020204" pitchFamily="34" charset="0"/>
+              <a:buChar char="•"/>
+            </a:pPr>
+            <a:r>
+              <a:rPr lang="de-DE" dirty="0"/>
+              <a:t>Personal Access Token</a:t>
+            </a:r>
+          </a:p>
+          <a:p>
+            <a:pPr lvl="1">
+              <a:buFont typeface="Arial" panose="020B0604020202020204" pitchFamily="34" charset="0"/>
+              <a:buChar char="•"/>
+            </a:pPr>
+            <a:r>
+              <a:rPr lang="de-DE" dirty="0"/>
+              <a:t>Deploy Token</a:t>
+            </a:r>
+          </a:p>
+          <a:p>
+            <a:pPr lvl="1">
+              <a:buFont typeface="Arial" panose="020B0604020202020204" pitchFamily="34" charset="0"/>
+              <a:buChar char="•"/>
+            </a:pPr>
+            <a:r>
+              <a:rPr lang="de-DE" dirty="0"/>
+              <a:t>Project Access Token</a:t>
+            </a:r>
+          </a:p>
+          <a:p>
+            <a:pPr lvl="1">
+              <a:buFont typeface="Arial" panose="020B0604020202020204" pitchFamily="34" charset="0"/>
+              <a:buChar char="•"/>
+            </a:pPr>
+            <a:r>
+              <a:rPr lang="de-DE" dirty="0"/>
+              <a:t>Group Access Token</a:t>
+            </a:r>
+          </a:p>
+          <a:p>
+            <a:pPr lvl="1">
+              <a:buFont typeface="Arial" panose="020B0604020202020204" pitchFamily="34" charset="0"/>
+              <a:buChar char="•"/>
+            </a:pPr>
+            <a:endParaRPr lang="de-DE" dirty="0"/>
           </a:p>
           <a:p>
             <a:pPr>
@@ -8970,17 +8906,33 @@
             </a:pPr>
             <a:r>
               <a:rPr lang="de-DE" dirty="0"/>
-              <a:t>CI/CD zum authentifizieren</a:t>
-            </a:r>
-          </a:p>
-          <a:p>
-            <a:pPr>
-              <a:buFont typeface="Arial" panose="020B0604020202020204" pitchFamily="34" charset="0"/>
-              <a:buChar char="•"/>
-            </a:pPr>
+              <a:t>Erforderliche Berechtigungen (Scopes)</a:t>
+            </a:r>
+          </a:p>
+          <a:p>
+            <a:pPr lvl="1">
+              <a:buFont typeface="Arial" panose="020B0604020202020204" pitchFamily="34" charset="0"/>
+              <a:buChar char="•"/>
+            </a:pPr>
+            <a:r>
+              <a:rPr lang="de-DE" i="1" dirty="0" err="1"/>
+              <a:t>read_registry</a:t>
+            </a:r>
+            <a:r>
+              <a:rPr lang="de-DE" i="1" dirty="0"/>
+              <a:t> </a:t>
+            </a:r>
             <a:r>
               <a:rPr lang="de-DE" dirty="0"/>
-              <a:t>Images bauen und pushen</a:t>
+              <a:t>für </a:t>
+            </a:r>
+            <a:r>
+              <a:rPr lang="de-DE" dirty="0" err="1"/>
+              <a:t>read</a:t>
+            </a:r>
+            <a:r>
+              <a:rPr lang="de-DE" dirty="0"/>
+              <a:t> (pull) </a:t>
             </a:r>
           </a:p>
           <a:p>
@@ -8989,69 +8941,40 @@
               <a:buChar char="•"/>
             </a:pPr>
             <a:r>
+              <a:rPr lang="de-DE" i="1" dirty="0" err="1"/>
+              <a:t>write_registry</a:t>
+            </a:r>
+            <a:r>
+              <a:rPr lang="de-DE" i="1" dirty="0"/>
+              <a:t> </a:t>
+            </a:r>
+            <a:r>
+              <a:rPr lang="de-DE" u="sng" dirty="0"/>
+              <a:t>und</a:t>
+            </a:r>
+            <a:r>
               <a:rPr lang="de-DE" dirty="0"/>
-              <a:t>Docker</a:t>
-            </a:r>
-          </a:p>
-          <a:p>
-            <a:pPr lvl="1">
-              <a:buFont typeface="Arial" panose="020B0604020202020204" pitchFamily="34" charset="0"/>
-              <a:buChar char="•"/>
-            </a:pPr>
+              <a:t> </a:t>
+            </a:r>
             <a:r>
               <a:rPr lang="de-DE" dirty="0" err="1"/>
-              <a:t>GitLab</a:t>
+              <a:t>read_registry</a:t>
             </a:r>
             <a:r>
               <a:rPr lang="de-DE" dirty="0"/>
-              <a:t> CI/CD</a:t>
-            </a:r>
-          </a:p>
-          <a:p>
-            <a:pPr lvl="2">
-              <a:buFont typeface="Arial" panose="020B0604020202020204" pitchFamily="34" charset="0"/>
-              <a:buChar char="•"/>
-            </a:pPr>
-            <a:r>
-              <a:rPr lang="de-DE" sz="1800" dirty="0"/>
-              <a:t>Docker-in-Docker Container Image (Container Registry)</a:t>
-            </a:r>
-          </a:p>
-          <a:p>
-            <a:pPr lvl="2">
-              <a:buFont typeface="Arial" panose="020B0604020202020204" pitchFamily="34" charset="0"/>
-              <a:buChar char="•"/>
-            </a:pPr>
-            <a:r>
-              <a:rPr lang="de-DE" sz="1800" dirty="0"/>
-              <a:t>Docker-in-Docker Container Image (</a:t>
-            </a:r>
-            <a:r>
-              <a:rPr lang="de-DE" sz="1800" dirty="0" err="1"/>
-              <a:t>Dependency</a:t>
-            </a:r>
-            <a:r>
-              <a:rPr lang="de-DE" sz="1800" dirty="0"/>
-              <a:t> Proxy)</a:t>
-            </a:r>
-          </a:p>
-          <a:p>
-            <a:pPr>
-              <a:buFont typeface="Arial" panose="020B0604020202020204" pitchFamily="34" charset="0"/>
-              <a:buChar char="•"/>
-            </a:pPr>
+              <a:t> für </a:t>
+            </a:r>
+            <a:r>
+              <a:rPr lang="de-DE" dirty="0" err="1"/>
+              <a:t>write</a:t>
+            </a:r>
             <a:r>
               <a:rPr lang="de-DE" dirty="0"/>
-              <a:t>Container Registry Beispiele mit </a:t>
-            </a:r>
-            <a:r>
-              <a:rPr lang="de-DE" dirty="0" err="1"/>
-              <a:t>GitLab</a:t>
-            </a:r>
-            <a:r>
-              <a:rPr lang="de-DE" dirty="0"/>
-              <a:t> CI/CD</a:t>
-            </a:r>
+              <a:t> (push)</a:t>
+            </a:r>
+            <a:endParaRPr lang="de-DE" sz="1600" dirty="0">
+              <a:latin typeface="Consolas" panose="020B0609020204030204" pitchFamily="49" charset="0"/>
+            </a:endParaRPr>
           </a:p>
           <a:p>
             <a:pPr lvl="2">
@@ -9079,7 +9002,7 @@
     </p:spTree>
     <p:extLst>
       <p:ext uri="{BB962C8B-B14F-4D97-AF65-F5344CB8AC3E}">
-        <p14:creationId xmlns:p14="http://schemas.microsoft.com/office/powerpoint/2010/main" val="1944366019"/>
+        <p14:creationId xmlns:p14="http://schemas.microsoft.com/office/powerpoint/2010/main" val="1809655481"/>
       </p:ext>
     </p:extLst>
   </p:cSld>
@@ -9169,17 +9092,7 @@
             </a:pPr>
             <a:r>
               <a:rPr lang="de-DE" b="1" dirty="0"/>
-              <a:t>Authentifizierung mit der Container Registry</a:t>
-            </a:r>
-          </a:p>
-          <a:p>
-            <a:pPr>
-              <a:buFont typeface="Arial" panose="020B0604020202020204" pitchFamily="34" charset="0"/>
-              <a:buChar char="•"/>
-            </a:pPr>
-            <a:r>
-              <a:rPr lang="de-DE" dirty="0"/>
-              <a:t>Verschiedene Möglichkeiten</a:t>
+              <a:t>Authentifizierung an der Container Registry</a:t>
             </a:r>
           </a:p>
           <a:p>
@@ -9187,148 +9100,128 @@
               <a:buFont typeface="Arial" panose="020B0604020202020204" pitchFamily="34" charset="0"/>
               <a:buChar char="•"/>
             </a:pPr>
-            <a:r>
-              <a:rPr lang="de-DE" dirty="0"/>
-              <a:t>Personal </a:t>
-            </a:r>
-            <a:r>
-              <a:rPr lang="de-DE" dirty="0" err="1"/>
-              <a:t>access</a:t>
-            </a:r>
-            <a:r>
-              <a:rPr lang="de-DE" dirty="0"/>
+            <a:endParaRPr lang="de-DE" sz="1800" dirty="0">
+              <a:latin typeface="Consolas" panose="020B0609020204030204" pitchFamily="49" charset="0"/>
+            </a:endParaRPr>
+          </a:p>
+          <a:p>
+            <a:pPr marL="457200" lvl="1" indent="0">
+              <a:buNone/>
+            </a:pPr>
+            <a:r>
+              <a:rPr lang="de-DE" sz="1800" dirty="0" err="1">
+                <a:latin typeface="Consolas" panose="020B0609020204030204" pitchFamily="49" charset="0"/>
+              </a:rPr>
+              <a:t>docker</a:t>
+            </a:r>
+            <a:r>
+              <a:rPr lang="de-DE" sz="1800" dirty="0">
+                <a:latin typeface="Consolas" panose="020B0609020204030204" pitchFamily="49" charset="0"/>
+              </a:rPr>
               <a:t> </a:t>
             </a:r>
             <a:r>
-              <a:rPr lang="de-DE" dirty="0" err="1"/>
+              <a:rPr lang="de-DE" sz="1800" dirty="0" err="1">
+                <a:latin typeface="Consolas" panose="020B0609020204030204" pitchFamily="49" charset="0"/>
+              </a:rPr>
+              <a:t>login</a:t>
+            </a:r>
+            <a:r>
+              <a:rPr lang="de-DE" sz="1800" dirty="0">
+                <a:latin typeface="Consolas" panose="020B0609020204030204" pitchFamily="49" charset="0"/>
+              </a:rPr>
+              <a:t> registry.example.com</a:t>
+            </a:r>
+          </a:p>
+          <a:p>
+            <a:pPr marL="457200" lvl="1" indent="0">
+              <a:buNone/>
+            </a:pPr>
+            <a:r>
+              <a:rPr lang="de-DE" sz="1800" dirty="0">
+                <a:latin typeface="+mj-lt"/>
+              </a:rPr>
+              <a:t>oder</a:t>
+            </a:r>
+          </a:p>
+          <a:p>
+            <a:pPr marL="457200" lvl="1" indent="0">
+              <a:buNone/>
+            </a:pPr>
+            <a:r>
+              <a:rPr lang="de-DE" sz="1800" dirty="0">
+                <a:latin typeface="Consolas" panose="020B0609020204030204" pitchFamily="49" charset="0"/>
+              </a:rPr>
+              <a:t>TOKEN=&lt;</a:t>
+            </a:r>
+            <a:r>
+              <a:rPr lang="de-DE" sz="1800" dirty="0" err="1">
+                <a:latin typeface="Consolas" panose="020B0609020204030204" pitchFamily="49" charset="0"/>
+              </a:rPr>
               <a:t>token</a:t>
             </a:r>
-            <a:endParaRPr lang="de-DE" dirty="0"/>
-          </a:p>
-          <a:p>
-            <a:pPr lvl="1">
-              <a:buFont typeface="Arial" panose="020B0604020202020204" pitchFamily="34" charset="0"/>
-              <a:buChar char="•"/>
-            </a:pPr>
-            <a:r>
-              <a:rPr lang="de-DE" dirty="0"/>
-              <a:t>Deploy </a:t>
-            </a:r>
-            <a:r>
-              <a:rPr lang="de-DE" dirty="0" err="1"/>
-              <a:t>token</a:t>
-            </a:r>
-            <a:endParaRPr lang="de-DE" dirty="0"/>
-          </a:p>
-          <a:p>
-            <a:pPr lvl="1">
-              <a:buFont typeface="Arial" panose="020B0604020202020204" pitchFamily="34" charset="0"/>
-              <a:buChar char="•"/>
-            </a:pPr>
-            <a:r>
-              <a:rPr lang="de-DE" dirty="0"/>
-              <a:t>Project </a:t>
-            </a:r>
-            <a:r>
-              <a:rPr lang="de-DE" dirty="0" err="1"/>
-              <a:t>access</a:t>
-            </a:r>
-            <a:r>
-              <a:rPr lang="de-DE" dirty="0"/>
+            <a:r>
+              <a:rPr lang="de-DE" sz="1800" dirty="0">
+                <a:latin typeface="Consolas" panose="020B0609020204030204" pitchFamily="49" charset="0"/>
+              </a:rPr>
+              <a:t>&gt;</a:t>
+            </a:r>
+          </a:p>
+          <a:p>
+            <a:pPr marL="457200" lvl="1" indent="0">
+              <a:buNone/>
+            </a:pPr>
+            <a:r>
+              <a:rPr lang="de-DE" sz="1800" dirty="0">
+                <a:latin typeface="Consolas" panose="020B0609020204030204" pitchFamily="49" charset="0"/>
+              </a:rPr>
+              <a:t>echo "$TOKEN" | </a:t>
+            </a:r>
+            <a:r>
+              <a:rPr lang="de-DE" sz="1800" dirty="0" err="1">
+                <a:latin typeface="Consolas" panose="020B0609020204030204" pitchFamily="49" charset="0"/>
+              </a:rPr>
+              <a:t>docker</a:t>
+            </a:r>
+            <a:r>
+              <a:rPr lang="de-DE" sz="1800" dirty="0">
+                <a:latin typeface="Consolas" panose="020B0609020204030204" pitchFamily="49" charset="0"/>
+              </a:rPr>
               <a:t> </a:t>
             </a:r>
             <a:r>
-              <a:rPr lang="de-DE" dirty="0" err="1"/>
-              <a:t>token</a:t>
-            </a:r>
-            <a:endParaRPr lang="de-DE" dirty="0"/>
-          </a:p>
-          <a:p>
-            <a:pPr lvl="1">
-              <a:buFont typeface="Arial" panose="020B0604020202020204" pitchFamily="34" charset="0"/>
-              <a:buChar char="•"/>
-            </a:pPr>
-            <a:r>
-              <a:rPr lang="de-DE" dirty="0"/>
-              <a:t>Group </a:t>
-            </a:r>
-            <a:r>
-              <a:rPr lang="de-DE" dirty="0" err="1"/>
-              <a:t>access</a:t>
-            </a:r>
-            <a:r>
-              <a:rPr lang="de-DE" dirty="0"/>
-              <a:t> </a:t>
-            </a:r>
-            <a:r>
-              <a:rPr lang="de-DE" dirty="0" err="1"/>
-              <a:t>token</a:t>
-            </a:r>
-            <a:endParaRPr lang="de-DE" dirty="0"/>
-          </a:p>
-          <a:p>
-            <a:pPr>
-              <a:buFont typeface="Arial" panose="020B0604020202020204" pitchFamily="34" charset="0"/>
-              <a:buChar char="•"/>
-            </a:pPr>
-            <a:r>
-              <a:rPr lang="de-DE" dirty="0"/>
-              <a:t>Alle Möglichkeiten benötigen:</a:t>
-            </a:r>
-          </a:p>
-          <a:p>
-            <a:pPr lvl="1">
-              <a:buFont typeface="Arial" panose="020B0604020202020204" pitchFamily="34" charset="0"/>
-              <a:buChar char="•"/>
-            </a:pPr>
-            <a:r>
-              <a:rPr lang="de-DE" dirty="0"/>
-              <a:t>Für </a:t>
-            </a:r>
-            <a:r>
-              <a:rPr lang="de-DE" dirty="0" err="1"/>
-              <a:t>read</a:t>
-            </a:r>
-            <a:r>
-              <a:rPr lang="de-DE" dirty="0"/>
-              <a:t> (pull) in der </a:t>
-            </a:r>
-            <a:r>
-              <a:rPr lang="de-DE" dirty="0" err="1"/>
-              <a:t>read_registry</a:t>
-            </a:r>
-            <a:endParaRPr lang="de-DE" dirty="0"/>
-          </a:p>
-          <a:p>
-            <a:pPr lvl="1">
-              <a:buFont typeface="Arial" panose="020B0604020202020204" pitchFamily="34" charset="0"/>
-              <a:buChar char="•"/>
-            </a:pPr>
-            <a:r>
-              <a:rPr lang="de-DE" dirty="0"/>
-              <a:t>Für </a:t>
-            </a:r>
-            <a:r>
-              <a:rPr lang="de-DE" dirty="0" err="1"/>
-              <a:t>write</a:t>
-            </a:r>
-            <a:r>
-              <a:rPr lang="de-DE" dirty="0"/>
-              <a:t> (push) in der </a:t>
-            </a:r>
-            <a:r>
-              <a:rPr lang="de-DE" dirty="0" err="1"/>
-              <a:t>write_registry</a:t>
-            </a:r>
-            <a:r>
-              <a:rPr lang="de-DE" dirty="0"/>
-              <a:t> und </a:t>
-            </a:r>
-            <a:r>
-              <a:rPr lang="de-DE" dirty="0" err="1"/>
-              <a:t>read_registry</a:t>
-            </a:r>
-            <a:endParaRPr lang="de-DE" dirty="0"/>
+              <a:rPr lang="de-DE" sz="1800" dirty="0" err="1">
+                <a:latin typeface="Consolas" panose="020B0609020204030204" pitchFamily="49" charset="0"/>
+              </a:rPr>
+              <a:t>login</a:t>
+            </a:r>
+            <a:r>
+              <a:rPr lang="de-DE" sz="1800" dirty="0">
+                <a:latin typeface="Consolas" panose="020B0609020204030204" pitchFamily="49" charset="0"/>
+              </a:rPr>
+              <a:t> registry.example.com -u &lt;</a:t>
+            </a:r>
+            <a:r>
+              <a:rPr lang="de-DE" sz="1800" dirty="0" err="1">
+                <a:latin typeface="Consolas" panose="020B0609020204030204" pitchFamily="49" charset="0"/>
+              </a:rPr>
+              <a:t>username</a:t>
+            </a:r>
+            <a:r>
+              <a:rPr lang="de-DE" sz="1800" dirty="0">
+                <a:latin typeface="Consolas" panose="020B0609020204030204" pitchFamily="49" charset="0"/>
+              </a:rPr>
+              <a:t>&gt; --password-</a:t>
+            </a:r>
+            <a:r>
+              <a:rPr lang="de-DE" sz="1800" dirty="0" err="1">
+                <a:latin typeface="Consolas" panose="020B0609020204030204" pitchFamily="49" charset="0"/>
+              </a:rPr>
+              <a:t>stdin</a:t>
+            </a:r>
+            <a:endParaRPr lang="de-DE" sz="1800" dirty="0">
+              <a:latin typeface="Consolas" panose="020B0609020204030204" pitchFamily="49" charset="0"/>
+            </a:endParaRPr>
           </a:p>
           <a:p>
             <a:pPr lvl="1">
@@ -9365,7 +9258,7 @@
     </p:spTree>
     <p:extLst>
       <p:ext uri="{BB962C8B-B14F-4D97-AF65-F5344CB8AC3E}">
-        <p14:creationId xmlns:p14="http://schemas.microsoft.com/office/powerpoint/2010/main" val="1809655481"/>
+        <p14:creationId xmlns:p14="http://schemas.microsoft.com/office/powerpoint/2010/main" val="1214759998"/>
       </p:ext>
     </p:extLst>
   </p:cSld>
@@ -9455,17 +9348,25 @@
             </a:pPr>
             <a:r>
               <a:rPr lang="de-DE" b="1" dirty="0"/>
-              <a:t>Authentifizierung mit der Container Registry</a:t>
-            </a:r>
+              <a:t>Authentifizierung in CI/CD Pipelines</a:t>
+            </a:r>
+            <a:endParaRPr lang="de-DE" dirty="0"/>
           </a:p>
           <a:p>
             <a:pPr>
               <a:buFont typeface="Arial" panose="020B0604020202020204" pitchFamily="34" charset="0"/>
               <a:buChar char="•"/>
             </a:pPr>
-            <a:r>
-              <a:rPr lang="de-DE" dirty="0"/>
-              <a:t>Zum Authentifizieren</a:t>
+            <a:endParaRPr lang="de-DE" sz="1800" dirty="0"/>
+          </a:p>
+          <a:p>
+            <a:pPr>
+              <a:buFont typeface="Arial" panose="020B0604020202020204" pitchFamily="34" charset="0"/>
+              <a:buChar char="•"/>
+            </a:pPr>
+            <a:r>
+              <a:rPr lang="de-DE" sz="2000" dirty="0"/>
+              <a:t>Variable CI_REGISTRY_USER</a:t>
             </a:r>
           </a:p>
           <a:p>
@@ -9474,6 +9375,53 @@
               <a:buChar char="•"/>
             </a:pPr>
             <a:r>
+              <a:rPr lang="de-DE" sz="1800" dirty="0"/>
+              <a:t>Benutzer/Job mit </a:t>
+            </a:r>
+            <a:r>
+              <a:rPr lang="de-DE" sz="1800" dirty="0" err="1"/>
+              <a:t>read</a:t>
+            </a:r>
+            <a:r>
+              <a:rPr lang="de-DE" sz="1800" dirty="0"/>
+              <a:t> + </a:t>
+            </a:r>
+            <a:r>
+              <a:rPr lang="de-DE" sz="1800" dirty="0" err="1"/>
+              <a:t>write</a:t>
+            </a:r>
+            <a:r>
+              <a:rPr lang="de-DE" sz="1800" dirty="0"/>
+              <a:t> </a:t>
+            </a:r>
+            <a:r>
+              <a:rPr lang="de-DE" sz="1800" dirty="0" err="1"/>
+              <a:t>Scope</a:t>
+            </a:r>
+            <a:endParaRPr lang="de-DE" sz="1800" dirty="0"/>
+          </a:p>
+          <a:p>
+            <a:pPr lvl="1">
+              <a:buFont typeface="Arial" panose="020B0604020202020204" pitchFamily="34" charset="0"/>
+              <a:buChar char="•"/>
+            </a:pPr>
+            <a:r>
+              <a:rPr lang="de-DE" sz="1800" dirty="0"/>
+              <a:t>Passwort automatisch: CI_REGISTRY_PASSWORD</a:t>
+            </a:r>
+          </a:p>
+          <a:p>
+            <a:pPr lvl="1">
+              <a:buFont typeface="Arial" panose="020B0604020202020204" pitchFamily="34" charset="0"/>
+              <a:buChar char="•"/>
+            </a:pPr>
+            <a:r>
+              <a:rPr lang="de-DE" sz="1800" dirty="0">
+                <a:latin typeface="Consolas" panose="020B0609020204030204" pitchFamily="49" charset="0"/>
+              </a:rPr>
+              <a:t>echo "$CI_REGISTRY_PASSWORD" | </a:t>
+            </a:r>
+            <a:r>
               <a:rPr lang="de-DE" sz="1800" dirty="0" err="1">
                 <a:latin typeface="Consolas" panose="020B0609020204030204" pitchFamily="49" charset="0"/>
               </a:rPr>
@@ -9495,91 +9443,7 @@
               <a:rPr lang="de-DE" sz="1800" dirty="0">
                 <a:latin typeface="Consolas" panose="020B0609020204030204" pitchFamily="49" charset="0"/>
               </a:rPr>
-              <a:t> registry.example.com</a:t>
-            </a:r>
-          </a:p>
-          <a:p>
-            <a:pPr lvl="1">
-              <a:buFont typeface="Arial" panose="020B0604020202020204" pitchFamily="34" charset="0"/>
-              <a:buChar char="•"/>
-            </a:pPr>
-            <a:r>
-              <a:rPr lang="de-DE" sz="1800" dirty="0">
-                <a:latin typeface="+mj-lt"/>
-              </a:rPr>
-              <a:t>oder</a:t>
-            </a:r>
-          </a:p>
-          <a:p>
-            <a:pPr lvl="1">
-              <a:buFont typeface="Arial" panose="020B0604020202020204" pitchFamily="34" charset="0"/>
-              <a:buChar char="•"/>
-            </a:pPr>
-            <a:r>
-              <a:rPr lang="de-DE" sz="1800" dirty="0">
-                <a:latin typeface="Consolas" panose="020B0609020204030204" pitchFamily="49" charset="0"/>
-              </a:rPr>
-              <a:t>TOKEN=&lt;</a:t>
-            </a:r>
-            <a:r>
-              <a:rPr lang="de-DE" sz="1800" dirty="0" err="1">
-                <a:latin typeface="Consolas" panose="020B0609020204030204" pitchFamily="49" charset="0"/>
-              </a:rPr>
-              <a:t>token</a:t>
-            </a:r>
-            <a:r>
-              <a:rPr lang="de-DE" sz="1800" dirty="0">
-                <a:latin typeface="Consolas" panose="020B0609020204030204" pitchFamily="49" charset="0"/>
-              </a:rPr>
-              <a:t>&gt;</a:t>
-            </a:r>
-          </a:p>
-          <a:p>
-            <a:pPr lvl="1">
-              <a:buFont typeface="Arial" panose="020B0604020202020204" pitchFamily="34" charset="0"/>
-              <a:buChar char="•"/>
-            </a:pPr>
-            <a:r>
-              <a:rPr lang="de-DE" sz="1800" dirty="0">
-                <a:latin typeface="Consolas" panose="020B0609020204030204" pitchFamily="49" charset="0"/>
-              </a:rPr>
-              <a:t>echo "$TOKEN" | </a:t>
-            </a:r>
-            <a:r>
-              <a:rPr lang="de-DE" sz="1800" dirty="0" err="1">
-                <a:latin typeface="Consolas" panose="020B0609020204030204" pitchFamily="49" charset="0"/>
-              </a:rPr>
-              <a:t>docker</a:t>
-            </a:r>
-            <a:r>
-              <a:rPr lang="de-DE" sz="1800" dirty="0">
-                <a:latin typeface="Consolas" panose="020B0609020204030204" pitchFamily="49" charset="0"/>
-              </a:rPr>
-              <a:t> </a:t>
-            </a:r>
-            <a:r>
-              <a:rPr lang="de-DE" sz="1800" dirty="0" err="1">
-                <a:latin typeface="Consolas" panose="020B0609020204030204" pitchFamily="49" charset="0"/>
-              </a:rPr>
-              <a:t>login</a:t>
-            </a:r>
-            <a:r>
-              <a:rPr lang="de-DE" sz="1800" dirty="0">
-                <a:latin typeface="Consolas" panose="020B0609020204030204" pitchFamily="49" charset="0"/>
-              </a:rPr>
-              <a:t> registry.example.com -u &lt;</a:t>
-            </a:r>
-            <a:r>
-              <a:rPr lang="de-DE" sz="1800" dirty="0" err="1">
-                <a:latin typeface="Consolas" panose="020B0609020204030204" pitchFamily="49" charset="0"/>
-              </a:rPr>
-              <a:t>username</a:t>
-            </a:r>
-            <a:r>
-              <a:rPr lang="de-DE" sz="1800" dirty="0">
-                <a:latin typeface="Consolas" panose="020B0609020204030204" pitchFamily="49" charset="0"/>
-              </a:rPr>
-              <a:t>&gt; --password-</a:t>
+              <a:t> $CI_REGISTRY -u $CI_REGISTRY_USER --password-</a:t>
             </a:r>
             <a:r>
               <a:rPr lang="de-DE" sz="1800" dirty="0" err="1">
@@ -9592,27 +9456,86 @@
             </a:endParaRPr>
           </a:p>
           <a:p>
+            <a:pPr>
+              <a:buFont typeface="Arial" panose="020B0604020202020204" pitchFamily="34" charset="0"/>
+              <a:buChar char="•"/>
+            </a:pPr>
+            <a:endParaRPr lang="de-DE" sz="2000" dirty="0"/>
+          </a:p>
+          <a:p>
+            <a:pPr>
+              <a:buFont typeface="Arial" panose="020B0604020202020204" pitchFamily="34" charset="0"/>
+              <a:buChar char="•"/>
+            </a:pPr>
+            <a:r>
+              <a:rPr lang="de-DE" sz="2000" dirty="0"/>
+              <a:t>CI Job Token</a:t>
+            </a:r>
+          </a:p>
+          <a:p>
             <a:pPr lvl="1">
               <a:buFont typeface="Arial" panose="020B0604020202020204" pitchFamily="34" charset="0"/>
               <a:buChar char="•"/>
             </a:pPr>
-            <a:endParaRPr lang="de-DE" sz="1600" dirty="0">
+            <a:r>
+              <a:rPr lang="de-DE" sz="1800" dirty="0">
+                <a:latin typeface="Consolas" panose="020B0609020204030204" pitchFamily="49" charset="0"/>
+              </a:rPr>
+              <a:t>echo "$CI_JOB_TOKEN" | </a:t>
+            </a:r>
+            <a:r>
+              <a:rPr lang="de-DE" sz="1800" dirty="0" err="1">
+                <a:latin typeface="Consolas" panose="020B0609020204030204" pitchFamily="49" charset="0"/>
+              </a:rPr>
+              <a:t>docker</a:t>
+            </a:r>
+            <a:r>
+              <a:rPr lang="de-DE" sz="1800" dirty="0">
+                <a:latin typeface="Consolas" panose="020B0609020204030204" pitchFamily="49" charset="0"/>
+              </a:rPr>
+              <a:t> </a:t>
+            </a:r>
+            <a:r>
+              <a:rPr lang="de-DE" sz="1800" dirty="0" err="1">
+                <a:latin typeface="Consolas" panose="020B0609020204030204" pitchFamily="49" charset="0"/>
+              </a:rPr>
+              <a:t>login</a:t>
+            </a:r>
+            <a:r>
+              <a:rPr lang="de-DE" sz="1800" dirty="0">
+                <a:latin typeface="Consolas" panose="020B0609020204030204" pitchFamily="49" charset="0"/>
+              </a:rPr>
+              <a:t> $CI_REGISTRY -u $CI_REGISTRY_USER --password-</a:t>
+            </a:r>
+            <a:r>
+              <a:rPr lang="de-DE" sz="1800" dirty="0" err="1">
+                <a:latin typeface="Consolas" panose="020B0609020204030204" pitchFamily="49" charset="0"/>
+              </a:rPr>
+              <a:t>stdin</a:t>
+            </a:r>
+            <a:endParaRPr lang="de-DE" sz="1800" dirty="0">
               <a:latin typeface="Consolas" panose="020B0609020204030204" pitchFamily="49" charset="0"/>
             </a:endParaRPr>
           </a:p>
           <a:p>
+            <a:pPr marL="914400" lvl="2" indent="0">
+              <a:buNone/>
+            </a:pPr>
+            <a:endParaRPr lang="en-US" sz="2000" dirty="0"/>
+          </a:p>
+          <a:p>
             <a:pPr lvl="2">
               <a:buFont typeface="Arial" panose="020B0604020202020204" pitchFamily="34" charset="0"/>
               <a:buChar char="•"/>
             </a:pPr>
-            <a:endParaRPr lang="de-DE" dirty="0"/>
-          </a:p>
-          <a:p>
-            <a:pPr lvl="2">
-              <a:buFont typeface="Arial" panose="020B0604020202020204" pitchFamily="34" charset="0"/>
-              <a:buChar char="•"/>
-            </a:pPr>
-            <a:endParaRPr lang="de-DE" dirty="0"/>
+            <a:endParaRPr lang="de-DE" sz="2000" dirty="0"/>
+          </a:p>
+          <a:p>
+            <a:pPr lvl="1">
+              <a:buFont typeface="Arial" panose="020B0604020202020204" pitchFamily="34" charset="0"/>
+              <a:buChar char="•"/>
+            </a:pPr>
+            <a:endParaRPr lang="de-DE" sz="1600" dirty="0"/>
           </a:p>
           <a:p>
             <a:pPr lvl="1">
@@ -9626,7 +9549,7 @@
     </p:spTree>
     <p:extLst>
       <p:ext uri="{BB962C8B-B14F-4D97-AF65-F5344CB8AC3E}">
-        <p14:creationId xmlns:p14="http://schemas.microsoft.com/office/powerpoint/2010/main" val="1214759998"/>
+        <p14:creationId xmlns:p14="http://schemas.microsoft.com/office/powerpoint/2010/main" val="1650913132"/>
       </p:ext>
     </p:extLst>
   </p:cSld>
@@ -9716,7 +9639,7 @@
             </a:pPr>
             <a:r>
               <a:rPr lang="de-DE" b="1" dirty="0"/>
-              <a:t>CI/CD zur Authentifizierung bei der Container Registry  </a:t>
+              <a:t>Authentifizierung in CI/CD Pipelines</a:t>
             </a:r>
             <a:endParaRPr lang="de-DE" dirty="0"/>
           </a:p>
@@ -9725,6 +9648,94 @@
               <a:buFont typeface="Arial" panose="020B0604020202020204" pitchFamily="34" charset="0"/>
               <a:buChar char="•"/>
             </a:pPr>
+            <a:r>
+              <a:rPr lang="de-DE" sz="2000" dirty="0" err="1"/>
+              <a:t>read</a:t>
+            </a:r>
+            <a:r>
+              <a:rPr lang="de-DE" sz="2000" dirty="0"/>
+              <a:t> (pull) </a:t>
+            </a:r>
+            <a:r>
+              <a:rPr lang="de-DE" sz="2000" dirty="0" err="1"/>
+              <a:t>access</a:t>
+            </a:r>
+            <a:r>
+              <a:rPr lang="de-DE" sz="2000" dirty="0"/>
+              <a:t> </a:t>
+            </a:r>
+            <a:r>
+              <a:rPr lang="de-DE" sz="2000" dirty="0">
+                <a:sym typeface="Wingdings" panose="05000000000000000000" pitchFamily="2" charset="2"/>
+              </a:rPr>
+              <a:t> </a:t>
+            </a:r>
+            <a:r>
+              <a:rPr lang="de-DE" sz="2000" dirty="0" err="1">
+                <a:sym typeface="Wingdings" panose="05000000000000000000" pitchFamily="2" charset="2"/>
+              </a:rPr>
+              <a:t>read_registry</a:t>
+            </a:r>
+            <a:endParaRPr lang="de-DE" sz="2000" dirty="0">
+              <a:sym typeface="Wingdings" panose="05000000000000000000" pitchFamily="2" charset="2"/>
+            </a:endParaRPr>
+          </a:p>
+          <a:p>
+            <a:pPr>
+              <a:buFont typeface="Arial" panose="020B0604020202020204" pitchFamily="34" charset="0"/>
+              <a:buChar char="•"/>
+            </a:pPr>
+            <a:r>
+              <a:rPr lang="de-DE" sz="2000" dirty="0" err="1">
+                <a:sym typeface="Wingdings" panose="05000000000000000000" pitchFamily="2" charset="2"/>
+              </a:rPr>
+              <a:t>write</a:t>
+            </a:r>
+            <a:r>
+              <a:rPr lang="de-DE" sz="2000" dirty="0">
+                <a:sym typeface="Wingdings" panose="05000000000000000000" pitchFamily="2" charset="2"/>
+              </a:rPr>
+              <a:t> (push) </a:t>
+            </a:r>
+            <a:r>
+              <a:rPr lang="de-DE" sz="2000" dirty="0" err="1">
+                <a:sym typeface="Wingdings" panose="05000000000000000000" pitchFamily="2" charset="2"/>
+              </a:rPr>
+              <a:t>access</a:t>
+            </a:r>
+            <a:r>
+              <a:rPr lang="de-DE" sz="2000" dirty="0">
+                <a:sym typeface="Wingdings" panose="05000000000000000000" pitchFamily="2" charset="2"/>
+              </a:rPr>
+              <a:t>  </a:t>
+            </a:r>
+            <a:r>
+              <a:rPr lang="de-DE" sz="2000" dirty="0" err="1">
+                <a:sym typeface="Wingdings" panose="05000000000000000000" pitchFamily="2" charset="2"/>
+              </a:rPr>
+              <a:t>read_registry</a:t>
+            </a:r>
+            <a:r>
+              <a:rPr lang="de-DE" sz="2000" dirty="0">
+                <a:sym typeface="Wingdings" panose="05000000000000000000" pitchFamily="2" charset="2"/>
+              </a:rPr>
+              <a:t> &amp; </a:t>
+            </a:r>
+            <a:r>
+              <a:rPr lang="de-DE" sz="2000" dirty="0" err="1">
+                <a:sym typeface="Wingdings" panose="05000000000000000000" pitchFamily="2" charset="2"/>
+              </a:rPr>
+              <a:t>write_registry</a:t>
+            </a:r>
+            <a:endParaRPr lang="de-DE" sz="2000" dirty="0">
+              <a:sym typeface="Wingdings" panose="05000000000000000000" pitchFamily="2" charset="2"/>
+            </a:endParaRPr>
+          </a:p>
+          <a:p>
+            <a:pPr>
+              <a:buFont typeface="Arial" panose="020B0604020202020204" pitchFamily="34" charset="0"/>
+              <a:buChar char="•"/>
+            </a:pPr>
             <a:endParaRPr lang="de-DE" sz="1800" dirty="0"/>
           </a:p>
           <a:p>
@@ -9734,7 +9745,7 @@
             </a:pPr>
             <a:r>
               <a:rPr lang="de-DE" sz="2000" dirty="0"/>
-              <a:t>CI/CD Variable: CI_REGISTRY_USER</a:t>
+              <a:t>Deploy Token</a:t>
             </a:r>
           </a:p>
           <a:p>
@@ -9743,43 +9754,10 @@
               <a:buChar char="•"/>
             </a:pPr>
             <a:r>
-              <a:rPr lang="de-DE" sz="1800" dirty="0"/>
-              <a:t>Benutzer/Job mit </a:t>
-            </a:r>
-            <a:r>
-              <a:rPr lang="de-DE" sz="1800" dirty="0" err="1"/>
-              <a:t>read</a:t>
-            </a:r>
-            <a:r>
-              <a:rPr lang="de-DE" sz="1800" dirty="0"/>
-              <a:t> + </a:t>
-            </a:r>
-            <a:r>
-              <a:rPr lang="de-DE" sz="1800" dirty="0" err="1"/>
-              <a:t>write</a:t>
-            </a:r>
-            <a:endParaRPr lang="de-DE" sz="1800" dirty="0"/>
-          </a:p>
-          <a:p>
-            <a:pPr lvl="1">
-              <a:buFont typeface="Arial" panose="020B0604020202020204" pitchFamily="34" charset="0"/>
-              <a:buChar char="•"/>
-            </a:pPr>
-            <a:r>
-              <a:rPr lang="de-DE" sz="1800" dirty="0"/>
-              <a:t>Passwort automatisch: CI_REGISTRY_PASSWORD</a:t>
-            </a:r>
-          </a:p>
-          <a:p>
-            <a:pPr lvl="1">
-              <a:buFont typeface="Arial" panose="020B0604020202020204" pitchFamily="34" charset="0"/>
-              <a:buChar char="•"/>
-            </a:pPr>
-            <a:r>
               <a:rPr lang="de-DE" sz="1800" dirty="0">
                 <a:latin typeface="Consolas" panose="020B0609020204030204" pitchFamily="49" charset="0"/>
               </a:rPr>
-              <a:t>echo "$CI_REGISTRY_PASSWORD" | </a:t>
+              <a:t>echo "$CI_DEPLOY_PASSWORD" | </a:t>
             </a:r>
             <a:r>
               <a:rPr lang="de-DE" sz="1800" dirty="0" err="1">
@@ -9803,7 +9781,7 @@
               <a:rPr lang="de-DE" sz="1800" dirty="0">
                 <a:latin typeface="Consolas" panose="020B0609020204030204" pitchFamily="49" charset="0"/>
               </a:rPr>
-              <a:t> $CI_REGISTRY -u $CI_REGISTRY_USER --password-</a:t>
+              <a:t> $CI_REGISTRY -u $CI_DEPLOY_USER --password-</a:t>
             </a:r>
             <a:r>
               <a:rPr lang="de-DE" sz="1800" dirty="0" err="1">
@@ -9816,70 +9794,52 @@
             </a:endParaRPr>
           </a:p>
           <a:p>
-            <a:pPr>
-              <a:buFont typeface="Arial" panose="020B0604020202020204" pitchFamily="34" charset="0"/>
-              <a:buChar char="•"/>
-            </a:pPr>
-            <a:endParaRPr lang="de-DE" sz="2000" dirty="0"/>
-          </a:p>
-          <a:p>
-            <a:pPr>
-              <a:buFont typeface="Arial" panose="020B0604020202020204" pitchFamily="34" charset="0"/>
-              <a:buChar char="•"/>
-            </a:pPr>
-            <a:r>
-              <a:rPr lang="de-DE" sz="2000" dirty="0"/>
-              <a:t>CI Job Token</a:t>
-            </a:r>
-          </a:p>
-          <a:p>
             <a:pPr lvl="1">
               <a:buFont typeface="Arial" panose="020B0604020202020204" pitchFamily="34" charset="0"/>
               <a:buChar char="•"/>
             </a:pPr>
-            <a:r>
-              <a:rPr lang="de-DE" sz="1800" dirty="0">
-                <a:latin typeface="Consolas" panose="020B0609020204030204" pitchFamily="49" charset="0"/>
-              </a:rPr>
-              <a:t>echo "$CI_JOB_TOKEN" | </a:t>
-            </a:r>
-            <a:r>
-              <a:rPr lang="de-DE" sz="1800" dirty="0" err="1">
-                <a:latin typeface="Consolas" panose="020B0609020204030204" pitchFamily="49" charset="0"/>
-              </a:rPr>
-              <a:t>docker</a:t>
-            </a:r>
-            <a:r>
-              <a:rPr lang="de-DE" sz="1800" dirty="0">
-                <a:latin typeface="Consolas" panose="020B0609020204030204" pitchFamily="49" charset="0"/>
-              </a:rPr>
-              <a:t> </a:t>
-            </a:r>
-            <a:r>
-              <a:rPr lang="de-DE" sz="1800" dirty="0" err="1">
-                <a:latin typeface="Consolas" panose="020B0609020204030204" pitchFamily="49" charset="0"/>
-              </a:rPr>
-              <a:t>login</a:t>
-            </a:r>
-            <a:r>
-              <a:rPr lang="de-DE" sz="1800" dirty="0">
-                <a:latin typeface="Consolas" panose="020B0609020204030204" pitchFamily="49" charset="0"/>
-              </a:rPr>
-              <a:t> $CI_REGISTRY -u $CI_REGISTRY_USER --password-</a:t>
-            </a:r>
-            <a:r>
-              <a:rPr lang="de-DE" sz="1800" dirty="0" err="1">
-                <a:latin typeface="Consolas" panose="020B0609020204030204" pitchFamily="49" charset="0"/>
-              </a:rPr>
-              <a:t>stdin</a:t>
-            </a:r>
             <a:endParaRPr lang="de-DE" sz="1800" dirty="0">
               <a:latin typeface="Consolas" panose="020B0609020204030204" pitchFamily="49" charset="0"/>
             </a:endParaRPr>
           </a:p>
           <a:p>
-            <a:pPr marL="914400" lvl="2" indent="0">
-              <a:buNone/>
+            <a:pPr>
+              <a:buFont typeface="Arial" panose="020B0604020202020204" pitchFamily="34" charset="0"/>
+              <a:buChar char="•"/>
+            </a:pPr>
+            <a:r>
+              <a:rPr lang="de-DE" sz="2000" dirty="0"/>
+              <a:t>Personal Access Token</a:t>
+            </a:r>
+          </a:p>
+          <a:p>
+            <a:pPr lvl="1">
+              <a:buFont typeface="Arial" panose="020B0604020202020204" pitchFamily="34" charset="0"/>
+              <a:buChar char="•"/>
+            </a:pPr>
+            <a:r>
+              <a:rPr lang="en-US" sz="1800" dirty="0">
+                <a:latin typeface="Consolas" panose="020B0609020204030204" pitchFamily="49" charset="0"/>
+              </a:rPr>
+              <a:t>echo "&lt;</a:t>
+            </a:r>
+            <a:r>
+              <a:rPr lang="en-US" sz="1800" dirty="0" err="1">
+                <a:latin typeface="Consolas" panose="020B0609020204030204" pitchFamily="49" charset="0"/>
+              </a:rPr>
+              <a:t>access_token</a:t>
+            </a:r>
+            <a:r>
+              <a:rPr lang="en-US" sz="1800" dirty="0">
+                <a:latin typeface="Consolas" panose="020B0609020204030204" pitchFamily="49" charset="0"/>
+              </a:rPr>
+              <a:t>&gt;" | docker login $CI_REGISTRY -u &lt;username&gt; --password-stdin</a:t>
+            </a:r>
+          </a:p>
+          <a:p>
+            <a:pPr lvl="2">
+              <a:buFont typeface="Arial" panose="020B0604020202020204" pitchFamily="34" charset="0"/>
+              <a:buChar char="•"/>
             </a:pPr>
             <a:endParaRPr lang="en-US" sz="2000" dirty="0"/>
           </a:p>
@@ -9909,7 +9869,7 @@
     </p:spTree>
     <p:extLst>
       <p:ext uri="{BB962C8B-B14F-4D97-AF65-F5344CB8AC3E}">
-        <p14:creationId xmlns:p14="http://schemas.microsoft.com/office/powerpoint/2010/main" val="1650913132"/>
+        <p14:creationId xmlns:p14="http://schemas.microsoft.com/office/powerpoint/2010/main" val="326092437"/>
       </p:ext>
     </p:extLst>
   </p:cSld>
@@ -9999,326 +9959,6 @@
             </a:pPr>
             <a:r>
               <a:rPr lang="de-DE" b="1" dirty="0"/>
-              <a:t>CI/CD zur Authentifizierung bei der Container Registry  </a:t>
-            </a:r>
-            <a:endParaRPr lang="de-DE" dirty="0"/>
-          </a:p>
-          <a:p>
-            <a:pPr>
-              <a:buFont typeface="Arial" panose="020B0604020202020204" pitchFamily="34" charset="0"/>
-              <a:buChar char="•"/>
-            </a:pPr>
-            <a:r>
-              <a:rPr lang="de-DE" sz="2000" dirty="0" err="1"/>
-              <a:t>read</a:t>
-            </a:r>
-            <a:r>
-              <a:rPr lang="de-DE" sz="2000" dirty="0"/>
-              <a:t> (pull) </a:t>
-            </a:r>
-            <a:r>
-              <a:rPr lang="de-DE" sz="2000" dirty="0" err="1"/>
-              <a:t>access</a:t>
-            </a:r>
-            <a:r>
-              <a:rPr lang="de-DE" sz="2000" dirty="0"/>
-              <a:t> </a:t>
-            </a:r>
-            <a:r>
-              <a:rPr lang="de-DE" sz="2000" dirty="0">
-                <a:sym typeface="Wingdings" panose="05000000000000000000" pitchFamily="2" charset="2"/>
-              </a:rPr>
-              <a:t> </a:t>
-            </a:r>
-            <a:r>
-              <a:rPr lang="de-DE" sz="2000" dirty="0" err="1">
-                <a:sym typeface="Wingdings" panose="05000000000000000000" pitchFamily="2" charset="2"/>
-              </a:rPr>
-              <a:t>read_registry</a:t>
-            </a:r>
-            <a:endParaRPr lang="de-DE" sz="2000" dirty="0">
-              <a:sym typeface="Wingdings" panose="05000000000000000000" pitchFamily="2" charset="2"/>
-            </a:endParaRPr>
-          </a:p>
-          <a:p>
-            <a:pPr>
-              <a:buFont typeface="Arial" panose="020B0604020202020204" pitchFamily="34" charset="0"/>
-              <a:buChar char="•"/>
-            </a:pPr>
-            <a:r>
-              <a:rPr lang="de-DE" sz="2000" dirty="0" err="1">
-                <a:sym typeface="Wingdings" panose="05000000000000000000" pitchFamily="2" charset="2"/>
-              </a:rPr>
-              <a:t>write</a:t>
-            </a:r>
-            <a:r>
-              <a:rPr lang="de-DE" sz="2000" dirty="0">
-                <a:sym typeface="Wingdings" panose="05000000000000000000" pitchFamily="2" charset="2"/>
-              </a:rPr>
-              <a:t> (push) </a:t>
-            </a:r>
-            <a:r>
-              <a:rPr lang="de-DE" sz="2000" dirty="0" err="1">
-                <a:sym typeface="Wingdings" panose="05000000000000000000" pitchFamily="2" charset="2"/>
-              </a:rPr>
-              <a:t>access</a:t>
-            </a:r>
-            <a:r>
-              <a:rPr lang="de-DE" sz="2000" dirty="0">
-                <a:sym typeface="Wingdings" panose="05000000000000000000" pitchFamily="2" charset="2"/>
-              </a:rPr>
-              <a:t>  </a:t>
-            </a:r>
-            <a:r>
-              <a:rPr lang="de-DE" sz="2000" dirty="0" err="1">
-                <a:sym typeface="Wingdings" panose="05000000000000000000" pitchFamily="2" charset="2"/>
-              </a:rPr>
-              <a:t>read_registry</a:t>
-            </a:r>
-            <a:r>
-              <a:rPr lang="de-DE" sz="2000" dirty="0">
-                <a:sym typeface="Wingdings" panose="05000000000000000000" pitchFamily="2" charset="2"/>
-              </a:rPr>
-              <a:t> &amp; </a:t>
-            </a:r>
-            <a:r>
-              <a:rPr lang="de-DE" sz="2000" dirty="0" err="1">
-                <a:sym typeface="Wingdings" panose="05000000000000000000" pitchFamily="2" charset="2"/>
-              </a:rPr>
-              <a:t>write_registry</a:t>
-            </a:r>
-            <a:endParaRPr lang="de-DE" sz="2000" dirty="0">
-              <a:sym typeface="Wingdings" panose="05000000000000000000" pitchFamily="2" charset="2"/>
-            </a:endParaRPr>
-          </a:p>
-          <a:p>
-            <a:pPr>
-              <a:buFont typeface="Arial" panose="020B0604020202020204" pitchFamily="34" charset="0"/>
-              <a:buChar char="•"/>
-            </a:pPr>
-            <a:endParaRPr lang="de-DE" sz="1800" dirty="0"/>
-          </a:p>
-          <a:p>
-            <a:pPr>
-              <a:buFont typeface="Arial" panose="020B0604020202020204" pitchFamily="34" charset="0"/>
-              <a:buChar char="•"/>
-            </a:pPr>
-            <a:r>
-              <a:rPr lang="de-DE" sz="2000" dirty="0"/>
-              <a:t>Deploy Token</a:t>
-            </a:r>
-          </a:p>
-          <a:p>
-            <a:pPr lvl="1">
-              <a:buFont typeface="Arial" panose="020B0604020202020204" pitchFamily="34" charset="0"/>
-              <a:buChar char="•"/>
-            </a:pPr>
-            <a:r>
-              <a:rPr lang="de-DE" sz="1800" dirty="0">
-                <a:latin typeface="Consolas" panose="020B0609020204030204" pitchFamily="49" charset="0"/>
-              </a:rPr>
-              <a:t>echo "$CI_DEPLOY_PASSWORD" | </a:t>
-            </a:r>
-            <a:r>
-              <a:rPr lang="de-DE" sz="1800" dirty="0" err="1">
-                <a:latin typeface="Consolas" panose="020B0609020204030204" pitchFamily="49" charset="0"/>
-              </a:rPr>
-              <a:t>docker</a:t>
-            </a:r>
-            <a:r>
-              <a:rPr lang="de-DE" sz="1800" dirty="0">
-                <a:latin typeface="Consolas" panose="020B0609020204030204" pitchFamily="49" charset="0"/>
-              </a:rPr>
-              <a:t> </a:t>
-            </a:r>
-            <a:r>
-              <a:rPr lang="de-DE" sz="1800" dirty="0" err="1">
-                <a:latin typeface="Consolas" panose="020B0609020204030204" pitchFamily="49" charset="0"/>
-              </a:rPr>
-              <a:t>login</a:t>
-            </a:r>
-            <a:r>
-              <a:rPr lang="de-DE" sz="1800" dirty="0">
-                <a:latin typeface="Consolas" panose="020B0609020204030204" pitchFamily="49" charset="0"/>
-              </a:rPr>
-              <a:t> $CI_REGISTRY -u $CI_DEPLOY_USER --password-</a:t>
-            </a:r>
-            <a:r>
-              <a:rPr lang="de-DE" sz="1800" dirty="0" err="1">
-                <a:latin typeface="Consolas" panose="020B0609020204030204" pitchFamily="49" charset="0"/>
-              </a:rPr>
-              <a:t>stdin</a:t>
-            </a:r>
-            <a:endParaRPr lang="de-DE" sz="1800" dirty="0">
-              <a:latin typeface="Consolas" panose="020B0609020204030204" pitchFamily="49" charset="0"/>
-            </a:endParaRPr>
-          </a:p>
-          <a:p>
-            <a:pPr lvl="1">
-              <a:buFont typeface="Arial" panose="020B0604020202020204" pitchFamily="34" charset="0"/>
-              <a:buChar char="•"/>
-            </a:pPr>
-            <a:endParaRPr lang="de-DE" sz="1800" dirty="0">
-              <a:latin typeface="Consolas" panose="020B0609020204030204" pitchFamily="49" charset="0"/>
-            </a:endParaRPr>
-          </a:p>
-          <a:p>
-            <a:pPr>
-              <a:buFont typeface="Arial" panose="020B0604020202020204" pitchFamily="34" charset="0"/>
-              <a:buChar char="•"/>
-            </a:pPr>
-            <a:r>
-              <a:rPr lang="de-DE" sz="2000" dirty="0"/>
-              <a:t>Personal Access Token</a:t>
-            </a:r>
-          </a:p>
-          <a:p>
-            <a:pPr lvl="1">
-              <a:buFont typeface="Arial" panose="020B0604020202020204" pitchFamily="34" charset="0"/>
-              <a:buChar char="•"/>
-            </a:pPr>
-            <a:r>
-              <a:rPr lang="en-US" sz="1800" dirty="0">
-                <a:latin typeface="Consolas" panose="020B0609020204030204" pitchFamily="49" charset="0"/>
-              </a:rPr>
-              <a:t>echo "&lt;</a:t>
-            </a:r>
-            <a:r>
-              <a:rPr lang="en-US" sz="1800" dirty="0" err="1">
-                <a:latin typeface="Consolas" panose="020B0609020204030204" pitchFamily="49" charset="0"/>
-              </a:rPr>
-              <a:t>access_token</a:t>
-            </a:r>
-            <a:r>
-              <a:rPr lang="en-US" sz="1800" dirty="0">
-                <a:latin typeface="Consolas" panose="020B0609020204030204" pitchFamily="49" charset="0"/>
-              </a:rPr>
-              <a:t>&gt;" | docker login $CI_REGISTRY -u &lt;username&gt; --password-stdin</a:t>
-            </a:r>
-          </a:p>
-          <a:p>
-            <a:pPr lvl="2">
-              <a:buFont typeface="Arial" panose="020B0604020202020204" pitchFamily="34" charset="0"/>
-              <a:buChar char="•"/>
-            </a:pPr>
-            <a:endParaRPr lang="en-US" sz="2000" dirty="0"/>
-          </a:p>
-          <a:p>
-            <a:pPr lvl="2">
-              <a:buFont typeface="Arial" panose="020B0604020202020204" pitchFamily="34" charset="0"/>
-              <a:buChar char="•"/>
-            </a:pPr>
-            <a:endParaRPr lang="de-DE" sz="2000" dirty="0"/>
-          </a:p>
-          <a:p>
-            <a:pPr lvl="1">
-              <a:buFont typeface="Arial" panose="020B0604020202020204" pitchFamily="34" charset="0"/>
-              <a:buChar char="•"/>
-            </a:pPr>
-            <a:endParaRPr lang="de-DE" sz="1600" dirty="0"/>
-          </a:p>
-          <a:p>
-            <a:pPr lvl="1">
-              <a:buFont typeface="Arial" panose="020B0604020202020204" pitchFamily="34" charset="0"/>
-              <a:buChar char="•"/>
-            </a:pPr>
-            <a:endParaRPr lang="de-DE" dirty="0"/>
-          </a:p>
-        </p:txBody>
-      </p:sp>
-    </p:spTree>
-    <p:extLst>
-      <p:ext uri="{BB962C8B-B14F-4D97-AF65-F5344CB8AC3E}">
-        <p14:creationId xmlns:p14="http://schemas.microsoft.com/office/powerpoint/2010/main" val="326092437"/>
-      </p:ext>
-    </p:extLst>
-  </p:cSld>
-  <p:clrMapOvr>
-    <a:masterClrMapping/>
-  </p:clrMapOvr>
-</p:sld>
-</file>
-
-<file path=ppt/slides/slide27.xml><?xml version="1.0" encoding="utf-8"?>
-<p:sld xmlns:a="http://schemas.openxmlformats.org/drawingml/2006/main" xmlns:r="http://schemas.openxmlformats.org/officeDocument/2006/relationships" xmlns:p="http://schemas.openxmlformats.org/presentationml/2006/main">
-  <p:cSld>
-    <p:spTree>
-      <p:nvGrpSpPr>
-        <p:cNvPr id="1" name=""/>
-        <p:cNvGrpSpPr/>
-        <p:nvPr/>
-      </p:nvGrpSpPr>
-      <p:grpSpPr>
-        <a:xfrm>
-          <a:off x="0" y="0"/>
-          <a:ext cx="0" cy="0"/>
-          <a:chOff x="0" y="0"/>
-          <a:chExt cx="0" cy="0"/>
-        </a:xfrm>
-      </p:grpSpPr>
-      <p:sp>
-        <p:nvSpPr>
-          <p:cNvPr id="2" name="Titel 1">
-            <a:extLst>
-              <a:ext uri="{FF2B5EF4-FFF2-40B4-BE49-F238E27FC236}">
-                <a16:creationId xmlns:a16="http://schemas.microsoft.com/office/drawing/2014/main" id="{184AFD09-5210-6F86-C2FD-BBC016D382A6}"/>
-              </a:ext>
-            </a:extLst>
-          </p:cNvPr>
-          <p:cNvSpPr>
-            <a:spLocks noGrp="1"/>
-          </p:cNvSpPr>
-          <p:nvPr>
-            <p:ph type="title"/>
-          </p:nvPr>
-        </p:nvSpPr>
-        <p:spPr/>
-        <p:txBody>
-          <a:bodyPr/>
-          <a:lstStyle/>
-          <a:p>
-            <a:r>
-              <a:rPr lang="de-DE" cap="none" dirty="0"/>
-              <a:t>Release- und </a:t>
-            </a:r>
-            <a:r>
-              <a:rPr lang="de-DE" cap="none" dirty="0" err="1"/>
-              <a:t>Tagged</a:t>
-            </a:r>
-            <a:r>
-              <a:rPr lang="de-DE" cap="none" dirty="0"/>
-              <a:t>-Images</a:t>
-            </a:r>
-            <a:endParaRPr lang="de-DE" dirty="0"/>
-          </a:p>
-        </p:txBody>
-      </p:sp>
-      <p:sp>
-        <p:nvSpPr>
-          <p:cNvPr id="6" name="Inhaltsplatzhalter 5">
-            <a:extLst>
-              <a:ext uri="{FF2B5EF4-FFF2-40B4-BE49-F238E27FC236}">
-                <a16:creationId xmlns:a16="http://schemas.microsoft.com/office/drawing/2014/main" id="{D2412707-84D3-F572-4709-FD9A95F28E5B}"/>
-              </a:ext>
-            </a:extLst>
-          </p:cNvPr>
-          <p:cNvSpPr>
-            <a:spLocks noGrp="1"/>
-          </p:cNvSpPr>
-          <p:nvPr>
-            <p:ph idx="1"/>
-          </p:nvPr>
-        </p:nvSpPr>
-        <p:spPr/>
-        <p:txBody>
-          <a:bodyPr/>
-          <a:lstStyle/>
-          <a:p>
-            <a:pPr marL="0" indent="0">
-              <a:buNone/>
-            </a:pPr>
-            <a:r>
-              <a:rPr lang="de-DE" b="1" dirty="0"/>
               <a:t>Images bauen und pushen</a:t>
             </a:r>
             <a:endParaRPr lang="de-DE" dirty="0"/>
@@ -10330,7 +9970,7 @@
             </a:pPr>
             <a:r>
               <a:rPr lang="de-DE" dirty="0"/>
-              <a:t>Mit der Container Registry authentifizieren</a:t>
+              <a:t>An der Container Registry authentifizieren</a:t>
             </a:r>
           </a:p>
           <a:p>
@@ -10340,7 +9980,7 @@
             </a:pPr>
             <a:r>
               <a:rPr lang="de-DE" dirty="0"/>
-              <a:t>Docker nutzen</a:t>
+              <a:t>Docker CLI nutzen</a:t>
             </a:r>
           </a:p>
           <a:p>
@@ -10512,7 +10152,7 @@
 </p:sld>
 </file>
 
-<file path=ppt/slides/slide28.xml><?xml version="1.0" encoding="utf-8"?>
+<file path=ppt/slides/slide27.xml><?xml version="1.0" encoding="utf-8"?>
 <p:sld xmlns:a="http://schemas.openxmlformats.org/drawingml/2006/main" xmlns:r="http://schemas.openxmlformats.org/officeDocument/2006/relationships" xmlns:p="http://schemas.openxmlformats.org/presentationml/2006/main">
   <p:cSld>
     <p:spTree>
@@ -10612,8 +10252,13 @@
             </a:pPr>
             <a:r>
               <a:rPr lang="de-DE" dirty="0"/>
-              <a:t>Registrierter Runner automatisch</a:t>
-            </a:r>
+              <a:t>Unterstützte </a:t>
+            </a:r>
+            <a:r>
+              <a:rPr lang="de-DE" dirty="0" err="1"/>
+              <a:t>Executors</a:t>
+            </a:r>
+            <a:endParaRPr lang="de-DE" dirty="0"/>
           </a:p>
           <a:p>
             <a:pPr lvl="1">
@@ -10628,10 +10273,7 @@
               <a:rPr lang="de-DE" dirty="0" err="1"/>
               <a:t>Executor</a:t>
             </a:r>
-            <a:r>
-              <a:rPr lang="de-DE" dirty="0"/>
-              <a:t> oder</a:t>
-            </a:r>
+            <a:endParaRPr lang="de-DE" dirty="0"/>
           </a:p>
           <a:p>
             <a:pPr lvl="1">
@@ -10653,6 +10295,12 @@
             <a:endParaRPr lang="de-DE" dirty="0"/>
           </a:p>
           <a:p>
+            <a:pPr marL="457200" lvl="1" indent="0">
+              <a:buNone/>
+            </a:pPr>
+            <a:endParaRPr lang="de-DE" dirty="0"/>
+          </a:p>
+          <a:p>
             <a:pPr>
               <a:buFont typeface="Arial" panose="020B0604020202020204" pitchFamily="34" charset="0"/>
               <a:buChar char="•"/>
@@ -10663,11 +10311,19 @@
             </a:r>
             <a:r>
               <a:rPr lang="de-DE" dirty="0"/>
-              <a:t>: Container Image von Docker</a:t>
-            </a:r>
-          </a:p>
-          <a:p>
-            <a:pPr>
+              <a:t> verwendet </a:t>
+            </a:r>
+            <a:r>
+              <a:rPr lang="de-DE" i="1" dirty="0" err="1"/>
+              <a:t>docker</a:t>
+            </a:r>
+            <a:r>
+              <a:rPr lang="de-DE" dirty="0"/>
+              <a:t> Container Image</a:t>
+            </a:r>
+          </a:p>
+          <a:p>
+            <a:pPr lvl="1">
               <a:buFont typeface="Arial" panose="020B0604020202020204" pitchFamily="34" charset="0"/>
               <a:buChar char="•"/>
             </a:pPr>
@@ -10702,7 +10358,7 @@
               <a:rPr lang="de-DE" dirty="0" err="1">
                 <a:latin typeface="Consolas" panose="020B0609020204030204" pitchFamily="49" charset="0"/>
               </a:rPr>
-              <a:t>script</a:t>
+              <a:t>Script</a:t>
             </a:r>
             <a:r>
               <a:rPr lang="de-DE" dirty="0">
@@ -10714,6 +10370,13 @@
               <a:rPr lang="de-DE" dirty="0"/>
               <a:t>im privilegierten Modus </a:t>
             </a:r>
+          </a:p>
+          <a:p>
+            <a:pPr lvl="1">
+              <a:buFont typeface="Arial" panose="020B0604020202020204" pitchFamily="34" charset="0"/>
+              <a:buChar char="•"/>
+            </a:pPr>
+            <a:endParaRPr lang="de-DE" dirty="0"/>
           </a:p>
           <a:p>
             <a:pPr>
@@ -10802,7 +10465,7 @@
 </p:sld>
 </file>
 
-<file path=ppt/slides/slide29.xml><?xml version="1.0" encoding="utf-8"?>
+<file path=ppt/slides/slide28.xml><?xml version="1.0" encoding="utf-8"?>
 <p:sld xmlns:a="http://schemas.openxmlformats.org/drawingml/2006/main" xmlns:r="http://schemas.openxmlformats.org/officeDocument/2006/relationships" xmlns:p="http://schemas.openxmlformats.org/presentationml/2006/main">
   <p:cSld>
     <p:spTree>
@@ -10900,7 +10563,7 @@
             </a:pPr>
             <a:r>
               <a:rPr lang="de-DE" dirty="0"/>
-              <a:t>Bauen und Pushen von Images in die Registry</a:t>
+              <a:t>Ermöglicht Bauen und Pushen von Images in die Registry</a:t>
             </a:r>
           </a:p>
           <a:p>
@@ -10910,15 +10573,7 @@
             </a:pPr>
             <a:r>
               <a:rPr lang="de-DE" dirty="0"/>
-              <a:t>Mehrere </a:t>
-            </a:r>
-            <a:r>
-              <a:rPr lang="de-DE" dirty="0" err="1"/>
-              <a:t>jobs</a:t>
-            </a:r>
-            <a:r>
-              <a:rPr lang="de-DE" dirty="0"/>
-              <a:t> authentifizieren</a:t>
+              <a:t>Mehrere Jobs authentifizieren</a:t>
             </a:r>
           </a:p>
           <a:p>
@@ -10984,52 +10639,58 @@
               <a:buChar char="•"/>
             </a:pPr>
             <a:r>
+              <a:rPr lang="de-DE" dirty="0">
+                <a:latin typeface="+mj-lt"/>
+              </a:rPr>
+              <a:t>Pro: Base Image ist </a:t>
+            </a:r>
+            <a:r>
               <a:rPr lang="de-DE" dirty="0" err="1">
                 <a:latin typeface="+mj-lt"/>
               </a:rPr>
-              <a:t>Build</a:t>
+              <a:t>up</a:t>
             </a:r>
             <a:r>
               <a:rPr lang="de-DE" dirty="0">
                 <a:latin typeface="+mj-lt"/>
               </a:rPr>
-              <a:t> dauert länger</a:t>
-            </a:r>
-          </a:p>
-          <a:p>
-            <a:pPr lvl="1">
-              <a:buFont typeface="Arial" panose="020B0604020202020204" pitchFamily="34" charset="0"/>
-              <a:buChar char="•"/>
-            </a:pPr>
+              <a:t>-</a:t>
+            </a:r>
+            <a:r>
+              <a:rPr lang="de-DE" dirty="0" err="1">
+                <a:latin typeface="+mj-lt"/>
+              </a:rPr>
+              <a:t>to</a:t>
+            </a:r>
             <a:r>
               <a:rPr lang="de-DE" dirty="0">
                 <a:latin typeface="+mj-lt"/>
               </a:rPr>
-              <a:t>Image ist </a:t>
+              <a:t>-date</a:t>
+            </a:r>
+          </a:p>
+          <a:p>
+            <a:pPr lvl="1">
+              <a:buFont typeface="Arial" panose="020B0604020202020204" pitchFamily="34" charset="0"/>
+              <a:buChar char="•"/>
+            </a:pPr>
+            <a:r>
+              <a:rPr lang="de-DE" dirty="0">
+                <a:latin typeface="+mj-lt"/>
+              </a:rPr>
+              <a:t>Contra: </a:t>
             </a:r>
             <a:r>
               <a:rPr lang="de-DE" dirty="0" err="1">
                 <a:latin typeface="+mj-lt"/>
               </a:rPr>
-              <a:t>up</a:t>
+              <a:t>Build</a:t>
             </a:r>
             <a:r>
               <a:rPr lang="de-DE" dirty="0">
                 <a:latin typeface="+mj-lt"/>
               </a:rPr>
-              <a:t>-</a:t>
-            </a:r>
-            <a:r>
-              <a:rPr lang="de-DE" dirty="0" err="1">
-                <a:latin typeface="+mj-lt"/>
-              </a:rPr>
-              <a:t>to</a:t>
-            </a:r>
-            <a:r>
-              <a:rPr lang="de-DE" dirty="0">
-                <a:latin typeface="+mj-lt"/>
-              </a:rPr>
-              <a:t>-date</a:t>
+              <a:t> dauert länger</a:t>
             </a:r>
           </a:p>
           <a:p>
@@ -11154,6 +10815,810 @@
     <p:extLst>
       <p:ext uri="{BB962C8B-B14F-4D97-AF65-F5344CB8AC3E}">
         <p14:creationId xmlns:p14="http://schemas.microsoft.com/office/powerpoint/2010/main" val="3527997771"/>
+      </p:ext>
+    </p:extLst>
+  </p:cSld>
+  <p:clrMapOvr>
+    <a:masterClrMapping/>
+  </p:clrMapOvr>
+</p:sld>
+</file>
+
+<file path=ppt/slides/slide29.xml><?xml version="1.0" encoding="utf-8"?>
+<p:sld xmlns:a="http://schemas.openxmlformats.org/drawingml/2006/main" xmlns:r="http://schemas.openxmlformats.org/officeDocument/2006/relationships" xmlns:p="http://schemas.openxmlformats.org/presentationml/2006/main">
+  <p:cSld>
+    <p:spTree>
+      <p:nvGrpSpPr>
+        <p:cNvPr id="1" name=""/>
+        <p:cNvGrpSpPr/>
+        <p:nvPr/>
+      </p:nvGrpSpPr>
+      <p:grpSpPr>
+        <a:xfrm>
+          <a:off x="0" y="0"/>
+          <a:ext cx="0" cy="0"/>
+          <a:chOff x="0" y="0"/>
+          <a:chExt cx="0" cy="0"/>
+        </a:xfrm>
+      </p:grpSpPr>
+      <p:sp>
+        <p:nvSpPr>
+          <p:cNvPr id="2" name="Titel 1">
+            <a:extLst>
+              <a:ext uri="{FF2B5EF4-FFF2-40B4-BE49-F238E27FC236}">
+                <a16:creationId xmlns:a16="http://schemas.microsoft.com/office/drawing/2014/main" id="{021C1D90-AB38-D152-26B9-E4AB49CCFEE9}"/>
+              </a:ext>
+            </a:extLst>
+          </p:cNvPr>
+          <p:cNvSpPr>
+            <a:spLocks noGrp="1"/>
+          </p:cNvSpPr>
+          <p:nvPr>
+            <p:ph type="title"/>
+          </p:nvPr>
+        </p:nvSpPr>
+        <p:spPr/>
+        <p:txBody>
+          <a:bodyPr/>
+          <a:lstStyle/>
+          <a:p>
+            <a:r>
+              <a:rPr lang="de-DE" cap="none" dirty="0"/>
+              <a:t>Release- und </a:t>
+            </a:r>
+            <a:r>
+              <a:rPr lang="de-DE" cap="none" dirty="0" err="1"/>
+              <a:t>Tagged</a:t>
+            </a:r>
+            <a:r>
+              <a:rPr lang="de-DE" cap="none" dirty="0"/>
+              <a:t>-Images</a:t>
+            </a:r>
+            <a:endParaRPr lang="de-DE" dirty="0"/>
+          </a:p>
+        </p:txBody>
+      </p:sp>
+      <p:sp>
+        <p:nvSpPr>
+          <p:cNvPr id="3" name="Inhaltsplatzhalter 2">
+            <a:extLst>
+              <a:ext uri="{FF2B5EF4-FFF2-40B4-BE49-F238E27FC236}">
+                <a16:creationId xmlns:a16="http://schemas.microsoft.com/office/drawing/2014/main" id="{01B30DD9-6590-DB7B-37D7-65618A4BAC0E}"/>
+              </a:ext>
+            </a:extLst>
+          </p:cNvPr>
+          <p:cNvSpPr>
+            <a:spLocks noGrp="1"/>
+          </p:cNvSpPr>
+          <p:nvPr>
+            <p:ph idx="1"/>
+          </p:nvPr>
+        </p:nvSpPr>
+        <p:spPr/>
+        <p:txBody>
+          <a:bodyPr/>
+          <a:lstStyle/>
+          <a:p>
+            <a:pPr marL="0" indent="0">
+              <a:buNone/>
+            </a:pPr>
+            <a:r>
+              <a:rPr lang="en-US" sz="2000" b="1" dirty="0" err="1"/>
+              <a:t>Beispiel</a:t>
+            </a:r>
+            <a:r>
+              <a:rPr lang="en-US" sz="2000" b="1" dirty="0"/>
+              <a:t>: Docker-in-Docker Container Image (</a:t>
+            </a:r>
+            <a:r>
+              <a:rPr lang="en-US" sz="2000" b="1" dirty="0">
+                <a:solidFill>
+                  <a:srgbClr val="0249FC"/>
+                </a:solidFill>
+              </a:rPr>
+              <a:t>Container Registry</a:t>
+            </a:r>
+            <a:r>
+              <a:rPr lang="en-US" sz="2000" b="1" dirty="0"/>
+              <a:t>)</a:t>
+            </a:r>
+          </a:p>
+          <a:p>
+            <a:pPr marL="0" indent="0">
+              <a:buNone/>
+            </a:pPr>
+            <a:r>
+              <a:rPr lang="en-US" sz="2000" dirty="0" err="1"/>
+              <a:t>Eigene</a:t>
+            </a:r>
+            <a:r>
+              <a:rPr lang="en-US" sz="2000" dirty="0"/>
+              <a:t> Container Images </a:t>
+            </a:r>
+            <a:r>
+              <a:rPr lang="en-US" sz="2000" dirty="0" err="1"/>
+              <a:t>mit</a:t>
+            </a:r>
+            <a:r>
+              <a:rPr lang="en-US" sz="2000" dirty="0"/>
+              <a:t> Docker-in-Docker </a:t>
+            </a:r>
+            <a:r>
+              <a:rPr lang="en-US" sz="2000" dirty="0" err="1"/>
+              <a:t>bauen</a:t>
+            </a:r>
+            <a:endParaRPr lang="en-US" sz="2000" dirty="0"/>
+          </a:p>
+          <a:p>
+            <a:pPr marL="457200" indent="-457200">
+              <a:buFont typeface="+mj-lt"/>
+              <a:buAutoNum type="arabicPeriod"/>
+            </a:pPr>
+            <a:r>
+              <a:rPr lang="en-US" sz="2000" dirty="0"/>
+              <a:t>Docker-in-Docker </a:t>
+            </a:r>
+            <a:r>
+              <a:rPr lang="en-US" sz="2000" dirty="0" err="1"/>
+              <a:t>einrichten</a:t>
+            </a:r>
+            <a:endParaRPr lang="en-US" sz="2000" dirty="0"/>
+          </a:p>
+          <a:p>
+            <a:pPr marL="457200" indent="-457200">
+              <a:buFont typeface="+mj-lt"/>
+              <a:buAutoNum type="arabicPeriod"/>
+            </a:pPr>
+            <a:r>
+              <a:rPr lang="en-US" sz="2000" dirty="0">
+                <a:solidFill>
+                  <a:srgbClr val="FF0000"/>
+                </a:solidFill>
+                <a:latin typeface="Consolas" panose="020B0609020204030204" pitchFamily="49" charset="0"/>
+              </a:rPr>
+              <a:t>image</a:t>
+            </a:r>
+            <a:r>
+              <a:rPr lang="en-US" sz="2000" dirty="0"/>
+              <a:t> und </a:t>
+            </a:r>
+            <a:r>
+              <a:rPr lang="en-US" sz="2000" dirty="0">
+                <a:solidFill>
+                  <a:srgbClr val="FF0000"/>
+                </a:solidFill>
+                <a:latin typeface="Consolas" panose="020B0609020204030204" pitchFamily="49" charset="0"/>
+              </a:rPr>
+              <a:t>service</a:t>
+            </a:r>
+            <a:r>
+              <a:rPr lang="en-US" sz="2000" dirty="0"/>
+              <a:t> auf </a:t>
+            </a:r>
+            <a:r>
+              <a:rPr lang="en-US" sz="2000" i="1" dirty="0"/>
+              <a:t>docker</a:t>
+            </a:r>
+            <a:r>
+              <a:rPr lang="en-US" sz="2000" dirty="0"/>
+              <a:t> </a:t>
+            </a:r>
+            <a:r>
+              <a:rPr lang="en-US" sz="2000" dirty="0" err="1"/>
+              <a:t>bzw</a:t>
+            </a:r>
+            <a:r>
+              <a:rPr lang="en-US" sz="2000" dirty="0"/>
+              <a:t>. </a:t>
+            </a:r>
+            <a:r>
+              <a:rPr lang="en-US" sz="2000" i="1" dirty="0"/>
+              <a:t>docker-</a:t>
+            </a:r>
+            <a:r>
+              <a:rPr lang="en-US" sz="2000" i="1" dirty="0" err="1"/>
+              <a:t>dind</a:t>
+            </a:r>
+            <a:r>
+              <a:rPr lang="en-US" sz="2000" dirty="0"/>
+              <a:t> Image </a:t>
+            </a:r>
+            <a:r>
+              <a:rPr lang="en-US" sz="2000" dirty="0" err="1"/>
+              <a:t>zeigen</a:t>
+            </a:r>
+            <a:r>
+              <a:rPr lang="en-US" sz="2000" dirty="0"/>
+              <a:t> </a:t>
+            </a:r>
+            <a:r>
+              <a:rPr lang="en-US" sz="2000" dirty="0" err="1"/>
+              <a:t>lassen</a:t>
+            </a:r>
+            <a:endParaRPr lang="en-US" sz="2000" dirty="0"/>
+          </a:p>
+          <a:p>
+            <a:pPr marL="457200" indent="-457200">
+              <a:buFont typeface="+mj-lt"/>
+              <a:buAutoNum type="arabicPeriod"/>
+            </a:pPr>
+            <a:r>
+              <a:rPr lang="en-US" sz="2000" dirty="0">
+                <a:solidFill>
+                  <a:srgbClr val="FF0000"/>
+                </a:solidFill>
+                <a:latin typeface="Consolas" panose="020B0609020204030204" pitchFamily="49" charset="0"/>
+              </a:rPr>
+              <a:t>alias</a:t>
+            </a:r>
+            <a:r>
+              <a:rPr lang="en-US" sz="2000" dirty="0"/>
+              <a:t> für </a:t>
+            </a:r>
+            <a:r>
+              <a:rPr lang="en-US" sz="2000" i="1" dirty="0"/>
+              <a:t>docker-</a:t>
+            </a:r>
+            <a:r>
+              <a:rPr lang="en-US" sz="2000" i="1" dirty="0" err="1"/>
+              <a:t>dind</a:t>
+            </a:r>
+            <a:r>
+              <a:rPr lang="en-US" sz="2000" dirty="0"/>
+              <a:t> </a:t>
+            </a:r>
+            <a:r>
+              <a:rPr lang="en-US" sz="2000" dirty="0" err="1"/>
+              <a:t>definieren</a:t>
+            </a:r>
+            <a:endParaRPr lang="en-US" sz="2000" dirty="0">
+              <a:latin typeface="Consolas" panose="020B0609020204030204" pitchFamily="49" charset="0"/>
+            </a:endParaRPr>
+          </a:p>
+          <a:p>
+            <a:pPr marL="457200" indent="-457200">
+              <a:buFont typeface="+mj-lt"/>
+              <a:buAutoNum type="arabicPeriod"/>
+            </a:pPr>
+            <a:endParaRPr lang="en-US" sz="2000" dirty="0">
+              <a:latin typeface="Consolas" panose="020B0609020204030204" pitchFamily="49" charset="0"/>
+            </a:endParaRPr>
+          </a:p>
+          <a:p>
+            <a:pPr marL="0" indent="0">
+              <a:buNone/>
+            </a:pPr>
+            <a:r>
+              <a:rPr lang="en-US" sz="1800" dirty="0">
+                <a:latin typeface="Consolas" panose="020B0609020204030204" pitchFamily="49" charset="0"/>
+              </a:rPr>
+              <a:t>.</a:t>
+            </a:r>
+            <a:r>
+              <a:rPr lang="en-US" sz="1800" dirty="0" err="1">
+                <a:latin typeface="Consolas" panose="020B0609020204030204" pitchFamily="49" charset="0"/>
+              </a:rPr>
+              <a:t>gitlab-ci.yml</a:t>
+            </a:r>
+            <a:endParaRPr lang="en-US" sz="1800" dirty="0">
+              <a:latin typeface="Consolas" panose="020B0609020204030204" pitchFamily="49" charset="0"/>
+            </a:endParaRPr>
+          </a:p>
+          <a:p>
+            <a:pPr marL="0" marR="0" lvl="0" indent="0" algn="l" defTabSz="914400" rtl="0" eaLnBrk="1" fontAlgn="base" latinLnBrk="0" hangingPunct="1">
+              <a:lnSpc>
+                <a:spcPct val="100000"/>
+              </a:lnSpc>
+              <a:spcBef>
+                <a:spcPct val="20000"/>
+              </a:spcBef>
+              <a:spcAft>
+                <a:spcPct val="0"/>
+              </a:spcAft>
+              <a:buClr>
+                <a:srgbClr val="008C5A"/>
+              </a:buClr>
+              <a:buSzTx/>
+              <a:buFont typeface="Monotype Sorts" pitchFamily="2" charset="2"/>
+              <a:buNone/>
+              <a:tabLst/>
+              <a:defRPr/>
+            </a:pPr>
+            <a:r>
+              <a:rPr kumimoji="0" lang="en-US" sz="1400" b="0" i="0" u="none" strike="noStrike" kern="0" cap="none" spc="0" normalizeH="0" baseline="0" noProof="0" dirty="0">
+                <a:ln>
+                  <a:noFill/>
+                </a:ln>
+                <a:solidFill>
+                  <a:srgbClr val="000000"/>
+                </a:solidFill>
+                <a:effectLst/>
+                <a:uLnTx/>
+                <a:uFillTx/>
+                <a:latin typeface="Consolas" panose="020B0609020204030204" pitchFamily="49" charset="0"/>
+                <a:ea typeface="+mn-ea"/>
+                <a:cs typeface="+mn-cs"/>
+              </a:rPr>
+              <a:t>build:</a:t>
+            </a:r>
+          </a:p>
+          <a:p>
+            <a:pPr marL="0" marR="0" lvl="0" indent="0" algn="l" defTabSz="914400" rtl="0" eaLnBrk="1" fontAlgn="base" latinLnBrk="0" hangingPunct="1">
+              <a:lnSpc>
+                <a:spcPct val="100000"/>
+              </a:lnSpc>
+              <a:spcBef>
+                <a:spcPct val="20000"/>
+              </a:spcBef>
+              <a:spcAft>
+                <a:spcPct val="0"/>
+              </a:spcAft>
+              <a:buClr>
+                <a:srgbClr val="008C5A"/>
+              </a:buClr>
+              <a:buSzTx/>
+              <a:buFont typeface="Monotype Sorts" pitchFamily="2" charset="2"/>
+              <a:buNone/>
+              <a:tabLst/>
+              <a:defRPr/>
+            </a:pPr>
+            <a:r>
+              <a:rPr kumimoji="0" lang="en-US" sz="1400" b="0" i="0" u="none" strike="noStrike" kern="0" cap="none" spc="0" normalizeH="0" baseline="0" noProof="0" dirty="0">
+                <a:ln>
+                  <a:noFill/>
+                </a:ln>
+                <a:solidFill>
+                  <a:srgbClr val="FF0000"/>
+                </a:solidFill>
+                <a:effectLst/>
+                <a:uLnTx/>
+                <a:uFillTx/>
+                <a:latin typeface="Consolas" panose="020B0609020204030204" pitchFamily="49" charset="0"/>
+                <a:ea typeface="+mn-ea"/>
+                <a:cs typeface="+mn-cs"/>
+              </a:rPr>
+              <a:t>  image</a:t>
+            </a:r>
+            <a:r>
+              <a:rPr kumimoji="0" lang="en-US" sz="1400" b="0" i="0" u="none" strike="noStrike" kern="0" cap="none" spc="0" normalizeH="0" baseline="0" noProof="0" dirty="0">
+                <a:ln>
+                  <a:noFill/>
+                </a:ln>
+                <a:solidFill>
+                  <a:srgbClr val="000000"/>
+                </a:solidFill>
+                <a:effectLst/>
+                <a:uLnTx/>
+                <a:uFillTx/>
+                <a:latin typeface="Consolas" panose="020B0609020204030204" pitchFamily="49" charset="0"/>
+                <a:ea typeface="+mn-ea"/>
+                <a:cs typeface="+mn-cs"/>
+              </a:rPr>
+              <a:t>: </a:t>
+            </a:r>
+            <a:r>
+              <a:rPr kumimoji="0" lang="en-US" sz="1400" b="0" i="0" u="none" strike="noStrike" kern="0" cap="none" spc="0" normalizeH="0" baseline="0" noProof="0" dirty="0">
+                <a:ln>
+                  <a:noFill/>
+                </a:ln>
+                <a:solidFill>
+                  <a:srgbClr val="0249FC"/>
+                </a:solidFill>
+                <a:effectLst/>
+                <a:uLnTx/>
+                <a:uFillTx/>
+                <a:latin typeface="Consolas" panose="020B0609020204030204" pitchFamily="49" charset="0"/>
+                <a:ea typeface="+mn-ea"/>
+                <a:cs typeface="+mn-cs"/>
+              </a:rPr>
+              <a:t>$CI_REGISTRY</a:t>
+            </a:r>
+            <a:r>
+              <a:rPr kumimoji="0" lang="en-US" sz="1400" b="0" i="0" u="none" strike="noStrike" kern="0" cap="none" spc="0" normalizeH="0" baseline="0" noProof="0" dirty="0">
+                <a:ln>
+                  <a:noFill/>
+                </a:ln>
+                <a:solidFill>
+                  <a:srgbClr val="000000"/>
+                </a:solidFill>
+                <a:effectLst/>
+                <a:uLnTx/>
+                <a:uFillTx/>
+                <a:latin typeface="Consolas" panose="020B0609020204030204" pitchFamily="49" charset="0"/>
+                <a:ea typeface="+mn-ea"/>
+                <a:cs typeface="+mn-cs"/>
+              </a:rPr>
+              <a:t>/group/project/docker:20.10.16</a:t>
+            </a:r>
+          </a:p>
+          <a:p>
+            <a:pPr marL="0" marR="0" lvl="0" indent="0" algn="l" defTabSz="914400" rtl="0" eaLnBrk="1" fontAlgn="base" latinLnBrk="0" hangingPunct="1">
+              <a:lnSpc>
+                <a:spcPct val="100000"/>
+              </a:lnSpc>
+              <a:spcBef>
+                <a:spcPct val="20000"/>
+              </a:spcBef>
+              <a:spcAft>
+                <a:spcPct val="0"/>
+              </a:spcAft>
+              <a:buClr>
+                <a:srgbClr val="008C5A"/>
+              </a:buClr>
+              <a:buSzTx/>
+              <a:buFont typeface="Monotype Sorts" pitchFamily="2" charset="2"/>
+              <a:buNone/>
+              <a:tabLst/>
+              <a:defRPr/>
+            </a:pPr>
+            <a:r>
+              <a:rPr kumimoji="0" lang="en-US" sz="1400" b="0" i="0" u="none" strike="noStrike" kern="0" cap="none" spc="0" normalizeH="0" baseline="0" noProof="0" dirty="0">
+                <a:ln>
+                  <a:noFill/>
+                </a:ln>
+                <a:solidFill>
+                  <a:srgbClr val="000000"/>
+                </a:solidFill>
+                <a:effectLst/>
+                <a:uLnTx/>
+                <a:uFillTx/>
+                <a:latin typeface="Consolas" panose="020B0609020204030204" pitchFamily="49" charset="0"/>
+                <a:ea typeface="+mn-ea"/>
+                <a:cs typeface="+mn-cs"/>
+              </a:rPr>
+              <a:t>  </a:t>
+            </a:r>
+            <a:r>
+              <a:rPr kumimoji="0" lang="en-US" sz="1400" b="0" i="0" u="none" strike="noStrike" kern="0" cap="none" spc="0" normalizeH="0" baseline="0" noProof="0" dirty="0">
+                <a:ln>
+                  <a:noFill/>
+                </a:ln>
+                <a:solidFill>
+                  <a:srgbClr val="FF0000"/>
+                </a:solidFill>
+                <a:effectLst/>
+                <a:uLnTx/>
+                <a:uFillTx/>
+                <a:latin typeface="Consolas" panose="020B0609020204030204" pitchFamily="49" charset="0"/>
+                <a:ea typeface="+mn-ea"/>
+                <a:cs typeface="+mn-cs"/>
+              </a:rPr>
+              <a:t>services</a:t>
+            </a:r>
+            <a:r>
+              <a:rPr kumimoji="0" lang="en-US" sz="1400" b="0" i="0" u="none" strike="noStrike" kern="0" cap="none" spc="0" normalizeH="0" baseline="0" noProof="0" dirty="0">
+                <a:ln>
+                  <a:noFill/>
+                </a:ln>
+                <a:solidFill>
+                  <a:srgbClr val="000000"/>
+                </a:solidFill>
+                <a:effectLst/>
+                <a:uLnTx/>
+                <a:uFillTx/>
+                <a:latin typeface="Consolas" panose="020B0609020204030204" pitchFamily="49" charset="0"/>
+                <a:ea typeface="+mn-ea"/>
+                <a:cs typeface="+mn-cs"/>
+              </a:rPr>
+              <a:t>:</a:t>
+            </a:r>
+          </a:p>
+          <a:p>
+            <a:pPr marL="0" marR="0" lvl="0" indent="0" algn="l" defTabSz="914400" rtl="0" eaLnBrk="1" fontAlgn="base" latinLnBrk="0" hangingPunct="1">
+              <a:lnSpc>
+                <a:spcPct val="100000"/>
+              </a:lnSpc>
+              <a:spcBef>
+                <a:spcPct val="20000"/>
+              </a:spcBef>
+              <a:spcAft>
+                <a:spcPct val="0"/>
+              </a:spcAft>
+              <a:buClr>
+                <a:srgbClr val="008C5A"/>
+              </a:buClr>
+              <a:buSzTx/>
+              <a:buFont typeface="Monotype Sorts" pitchFamily="2" charset="2"/>
+              <a:buNone/>
+              <a:tabLst/>
+              <a:defRPr/>
+            </a:pPr>
+            <a:r>
+              <a:rPr kumimoji="0" lang="en-US" sz="1400" b="0" i="0" u="none" strike="noStrike" kern="0" cap="none" spc="0" normalizeH="0" baseline="0" noProof="0" dirty="0">
+                <a:ln>
+                  <a:noFill/>
+                </a:ln>
+                <a:solidFill>
+                  <a:srgbClr val="000000"/>
+                </a:solidFill>
+                <a:effectLst/>
+                <a:uLnTx/>
+                <a:uFillTx/>
+                <a:latin typeface="Consolas" panose="020B0609020204030204" pitchFamily="49" charset="0"/>
+                <a:ea typeface="+mn-ea"/>
+                <a:cs typeface="+mn-cs"/>
+              </a:rPr>
+              <a:t>    - name: </a:t>
+            </a:r>
+            <a:r>
+              <a:rPr kumimoji="0" lang="en-US" sz="1400" b="0" i="0" u="none" strike="noStrike" kern="0" cap="none" spc="0" normalizeH="0" baseline="0" noProof="0" dirty="0">
+                <a:ln>
+                  <a:noFill/>
+                </a:ln>
+                <a:solidFill>
+                  <a:srgbClr val="0249FC"/>
+                </a:solidFill>
+                <a:effectLst/>
+                <a:uLnTx/>
+                <a:uFillTx/>
+                <a:latin typeface="Consolas" panose="020B0609020204030204" pitchFamily="49" charset="0"/>
+                <a:ea typeface="+mn-ea"/>
+                <a:cs typeface="+mn-cs"/>
+              </a:rPr>
+              <a:t>$CI_REGISTRY</a:t>
+            </a:r>
+            <a:r>
+              <a:rPr kumimoji="0" lang="en-US" sz="1400" b="0" i="0" u="none" strike="noStrike" kern="0" cap="none" spc="0" normalizeH="0" baseline="0" noProof="0" dirty="0">
+                <a:ln>
+                  <a:noFill/>
+                </a:ln>
+                <a:solidFill>
+                  <a:srgbClr val="000000"/>
+                </a:solidFill>
+                <a:effectLst/>
+                <a:uLnTx/>
+                <a:uFillTx/>
+                <a:latin typeface="Consolas" panose="020B0609020204030204" pitchFamily="49" charset="0"/>
+                <a:ea typeface="+mn-ea"/>
+                <a:cs typeface="+mn-cs"/>
+              </a:rPr>
+              <a:t>/group/project/docker:20.10.16-dind</a:t>
+            </a:r>
+          </a:p>
+          <a:p>
+            <a:pPr marL="0" marR="0" lvl="0" indent="0" algn="l" defTabSz="914400" rtl="0" eaLnBrk="1" fontAlgn="base" latinLnBrk="0" hangingPunct="1">
+              <a:lnSpc>
+                <a:spcPct val="100000"/>
+              </a:lnSpc>
+              <a:spcBef>
+                <a:spcPct val="20000"/>
+              </a:spcBef>
+              <a:spcAft>
+                <a:spcPct val="0"/>
+              </a:spcAft>
+              <a:buClr>
+                <a:srgbClr val="008C5A"/>
+              </a:buClr>
+              <a:buSzTx/>
+              <a:buFont typeface="Monotype Sorts" pitchFamily="2" charset="2"/>
+              <a:buNone/>
+              <a:tabLst/>
+              <a:defRPr/>
+            </a:pPr>
+            <a:r>
+              <a:rPr kumimoji="0" lang="en-US" sz="1400" b="0" i="0" u="none" strike="noStrike" kern="0" cap="none" spc="0" normalizeH="0" baseline="0" noProof="0" dirty="0">
+                <a:ln>
+                  <a:noFill/>
+                </a:ln>
+                <a:solidFill>
+                  <a:srgbClr val="000000"/>
+                </a:solidFill>
+                <a:effectLst/>
+                <a:uLnTx/>
+                <a:uFillTx/>
+                <a:latin typeface="Consolas" panose="020B0609020204030204" pitchFamily="49" charset="0"/>
+                <a:ea typeface="+mn-ea"/>
+                <a:cs typeface="+mn-cs"/>
+              </a:rPr>
+              <a:t>      </a:t>
+            </a:r>
+            <a:r>
+              <a:rPr kumimoji="0" lang="en-US" sz="1400" b="0" i="0" u="none" strike="noStrike" kern="0" cap="none" spc="0" normalizeH="0" baseline="0" noProof="0" dirty="0">
+                <a:ln>
+                  <a:noFill/>
+                </a:ln>
+                <a:solidFill>
+                  <a:srgbClr val="FF0000"/>
+                </a:solidFill>
+                <a:effectLst/>
+                <a:uLnTx/>
+                <a:uFillTx/>
+                <a:latin typeface="Consolas" panose="020B0609020204030204" pitchFamily="49" charset="0"/>
+                <a:ea typeface="+mn-ea"/>
+                <a:cs typeface="+mn-cs"/>
+              </a:rPr>
+              <a:t>alias</a:t>
+            </a:r>
+            <a:r>
+              <a:rPr kumimoji="0" lang="en-US" sz="1400" b="0" i="0" u="none" strike="noStrike" kern="0" cap="none" spc="0" normalizeH="0" baseline="0" noProof="0" dirty="0">
+                <a:ln>
+                  <a:noFill/>
+                </a:ln>
+                <a:solidFill>
+                  <a:srgbClr val="000000"/>
+                </a:solidFill>
+                <a:effectLst/>
+                <a:uLnTx/>
+                <a:uFillTx/>
+                <a:latin typeface="Consolas" panose="020B0609020204030204" pitchFamily="49" charset="0"/>
+                <a:ea typeface="+mn-ea"/>
+                <a:cs typeface="+mn-cs"/>
+              </a:rPr>
+              <a:t>: docker</a:t>
+            </a:r>
+          </a:p>
+          <a:p>
+            <a:pPr marL="0" marR="0" lvl="0" indent="0" algn="l" defTabSz="914400" rtl="0" eaLnBrk="1" fontAlgn="base" latinLnBrk="0" hangingPunct="1">
+              <a:lnSpc>
+                <a:spcPct val="100000"/>
+              </a:lnSpc>
+              <a:spcBef>
+                <a:spcPct val="20000"/>
+              </a:spcBef>
+              <a:spcAft>
+                <a:spcPct val="0"/>
+              </a:spcAft>
+              <a:buClr>
+                <a:srgbClr val="008C5A"/>
+              </a:buClr>
+              <a:buSzTx/>
+              <a:buFont typeface="Monotype Sorts" pitchFamily="2" charset="2"/>
+              <a:buNone/>
+              <a:tabLst/>
+              <a:defRPr/>
+            </a:pPr>
+            <a:r>
+              <a:rPr kumimoji="0" lang="en-US" sz="1400" b="0" i="0" u="none" strike="noStrike" kern="0" cap="none" spc="0" normalizeH="0" baseline="0" noProof="0" dirty="0">
+                <a:ln>
+                  <a:noFill/>
+                </a:ln>
+                <a:solidFill>
+                  <a:srgbClr val="000000"/>
+                </a:solidFill>
+                <a:effectLst/>
+                <a:uLnTx/>
+                <a:uFillTx/>
+                <a:latin typeface="Consolas" panose="020B0609020204030204" pitchFamily="49" charset="0"/>
+                <a:ea typeface="+mn-ea"/>
+                <a:cs typeface="+mn-cs"/>
+              </a:rPr>
+              <a:t>  stage: build</a:t>
+            </a:r>
+          </a:p>
+          <a:p>
+            <a:pPr marL="0" marR="0" lvl="0" indent="0" algn="l" defTabSz="914400" rtl="0" eaLnBrk="1" fontAlgn="base" latinLnBrk="0" hangingPunct="1">
+              <a:lnSpc>
+                <a:spcPct val="100000"/>
+              </a:lnSpc>
+              <a:spcBef>
+                <a:spcPct val="20000"/>
+              </a:spcBef>
+              <a:spcAft>
+                <a:spcPct val="0"/>
+              </a:spcAft>
+              <a:buClr>
+                <a:srgbClr val="008C5A"/>
+              </a:buClr>
+              <a:buSzTx/>
+              <a:buFont typeface="Monotype Sorts" pitchFamily="2" charset="2"/>
+              <a:buNone/>
+              <a:tabLst/>
+              <a:defRPr/>
+            </a:pPr>
+            <a:r>
+              <a:rPr kumimoji="0" lang="en-US" sz="1400" b="0" i="0" u="none" strike="noStrike" kern="0" cap="none" spc="0" normalizeH="0" baseline="0" noProof="0" dirty="0">
+                <a:ln>
+                  <a:noFill/>
+                </a:ln>
+                <a:solidFill>
+                  <a:srgbClr val="000000"/>
+                </a:solidFill>
+                <a:effectLst/>
+                <a:uLnTx/>
+                <a:uFillTx/>
+                <a:latin typeface="Consolas" panose="020B0609020204030204" pitchFamily="49" charset="0"/>
+                <a:ea typeface="+mn-ea"/>
+                <a:cs typeface="+mn-cs"/>
+              </a:rPr>
+              <a:t>  script:</a:t>
+            </a:r>
+          </a:p>
+          <a:p>
+            <a:pPr marL="0" marR="0" lvl="0" indent="0" algn="l" defTabSz="914400" rtl="0" eaLnBrk="1" fontAlgn="base" latinLnBrk="0" hangingPunct="1">
+              <a:lnSpc>
+                <a:spcPct val="100000"/>
+              </a:lnSpc>
+              <a:spcBef>
+                <a:spcPct val="20000"/>
+              </a:spcBef>
+              <a:spcAft>
+                <a:spcPct val="0"/>
+              </a:spcAft>
+              <a:buClr>
+                <a:srgbClr val="008C5A"/>
+              </a:buClr>
+              <a:buSzTx/>
+              <a:buFont typeface="Monotype Sorts" pitchFamily="2" charset="2"/>
+              <a:buNone/>
+              <a:tabLst/>
+              <a:defRPr/>
+            </a:pPr>
+            <a:r>
+              <a:rPr kumimoji="0" lang="en-US" sz="1400" b="0" i="0" u="none" strike="noStrike" kern="0" cap="none" spc="0" normalizeH="0" baseline="0" noProof="0" dirty="0">
+                <a:ln>
+                  <a:noFill/>
+                </a:ln>
+                <a:solidFill>
+                  <a:srgbClr val="000000"/>
+                </a:solidFill>
+                <a:effectLst/>
+                <a:uLnTx/>
+                <a:uFillTx/>
+                <a:latin typeface="Consolas" panose="020B0609020204030204" pitchFamily="49" charset="0"/>
+                <a:ea typeface="+mn-ea"/>
+                <a:cs typeface="+mn-cs"/>
+              </a:rPr>
+              <a:t>    - docker build -t my-docker-image .</a:t>
+            </a:r>
+          </a:p>
+          <a:p>
+            <a:pPr marL="0" marR="0" lvl="0" indent="0" algn="l" defTabSz="914400" rtl="0" eaLnBrk="1" fontAlgn="base" latinLnBrk="0" hangingPunct="1">
+              <a:lnSpc>
+                <a:spcPct val="100000"/>
+              </a:lnSpc>
+              <a:spcBef>
+                <a:spcPct val="20000"/>
+              </a:spcBef>
+              <a:spcAft>
+                <a:spcPct val="0"/>
+              </a:spcAft>
+              <a:buClr>
+                <a:srgbClr val="008C5A"/>
+              </a:buClr>
+              <a:buSzTx/>
+              <a:buFont typeface="Monotype Sorts" pitchFamily="2" charset="2"/>
+              <a:buNone/>
+              <a:tabLst/>
+              <a:defRPr/>
+            </a:pPr>
+            <a:r>
+              <a:rPr kumimoji="0" lang="en-US" sz="1400" b="0" i="0" u="none" strike="noStrike" kern="0" cap="none" spc="0" normalizeH="0" baseline="0" noProof="0" dirty="0">
+                <a:ln>
+                  <a:noFill/>
+                </a:ln>
+                <a:solidFill>
+                  <a:srgbClr val="000000"/>
+                </a:solidFill>
+                <a:effectLst/>
+                <a:uLnTx/>
+                <a:uFillTx/>
+                <a:latin typeface="Consolas" panose="020B0609020204030204" pitchFamily="49" charset="0"/>
+                <a:ea typeface="+mn-ea"/>
+                <a:cs typeface="+mn-cs"/>
+              </a:rPr>
+              <a:t>    - docker run my-docker-image /script/to/run/tests</a:t>
+            </a:r>
+            <a:endParaRPr kumimoji="0" lang="en-US" sz="1600" b="0" i="0" u="none" strike="noStrike" kern="0" cap="none" spc="0" normalizeH="0" baseline="0" noProof="0" dirty="0">
+              <a:ln>
+                <a:noFill/>
+              </a:ln>
+              <a:solidFill>
+                <a:srgbClr val="000000"/>
+              </a:solidFill>
+              <a:effectLst/>
+              <a:uLnTx/>
+              <a:uFillTx/>
+              <a:latin typeface="Consolas" panose="020B0609020204030204" pitchFamily="49" charset="0"/>
+              <a:ea typeface="+mn-ea"/>
+              <a:cs typeface="+mn-cs"/>
+            </a:endParaRPr>
+          </a:p>
+        </p:txBody>
+      </p:sp>
+    </p:spTree>
+    <p:extLst>
+      <p:ext uri="{BB962C8B-B14F-4D97-AF65-F5344CB8AC3E}">
+        <p14:creationId xmlns:p14="http://schemas.microsoft.com/office/powerpoint/2010/main" val="1268780306"/>
       </p:ext>
     </p:extLst>
   </p:cSld>
@@ -11684,134 +12149,6 @@
               <a:buNone/>
             </a:pPr>
             <a:r>
-              <a:rPr lang="en-US" sz="2000" dirty="0" err="1"/>
-              <a:t>Eigene</a:t>
-            </a:r>
-            <a:r>
-              <a:rPr lang="en-US" sz="2000" dirty="0"/>
-              <a:t> Container Images </a:t>
-            </a:r>
-            <a:r>
-              <a:rPr lang="en-US" sz="2000" dirty="0" err="1"/>
-              <a:t>mit</a:t>
-            </a:r>
-            <a:r>
-              <a:rPr lang="en-US" sz="2000" dirty="0"/>
-              <a:t> Docker-in-Docker </a:t>
-            </a:r>
-            <a:r>
-              <a:rPr lang="en-US" sz="2000" dirty="0" err="1"/>
-              <a:t>nutzen</a:t>
-            </a:r>
-            <a:endParaRPr lang="en-US" sz="2000" dirty="0"/>
-          </a:p>
-          <a:p>
-            <a:pPr marL="457200" indent="-457200">
-              <a:buFont typeface="+mj-lt"/>
-              <a:buAutoNum type="arabicPeriod"/>
-            </a:pPr>
-            <a:r>
-              <a:rPr lang="en-US" sz="2000" dirty="0"/>
-              <a:t>Docker-in-Docker </a:t>
-            </a:r>
-            <a:r>
-              <a:rPr lang="en-US" sz="2000" dirty="0" err="1"/>
-              <a:t>einrichten</a:t>
-            </a:r>
-            <a:endParaRPr lang="en-US" sz="2000" dirty="0"/>
-          </a:p>
-          <a:p>
-            <a:pPr marL="457200" indent="-457200">
-              <a:buFont typeface="+mj-lt"/>
-              <a:buAutoNum type="arabicPeriod"/>
-            </a:pPr>
-            <a:r>
-              <a:rPr lang="en-US" sz="2000" dirty="0">
-                <a:solidFill>
-                  <a:srgbClr val="FF0000"/>
-                </a:solidFill>
-                <a:latin typeface="Consolas" panose="020B0609020204030204" pitchFamily="49" charset="0"/>
-              </a:rPr>
-              <a:t>image</a:t>
-            </a:r>
-            <a:r>
-              <a:rPr lang="en-US" sz="2000" dirty="0"/>
-              <a:t> und </a:t>
-            </a:r>
-            <a:r>
-              <a:rPr lang="en-US" sz="2000" dirty="0">
-                <a:solidFill>
-                  <a:srgbClr val="FF0000"/>
-                </a:solidFill>
-                <a:latin typeface="Consolas" panose="020B0609020204030204" pitchFamily="49" charset="0"/>
-              </a:rPr>
-              <a:t>service</a:t>
-            </a:r>
-            <a:r>
-              <a:rPr lang="en-US" sz="2000" dirty="0"/>
-              <a:t> auf die Registry </a:t>
-            </a:r>
-            <a:r>
-              <a:rPr lang="en-US" sz="2000" dirty="0" err="1"/>
-              <a:t>zeigen</a:t>
-            </a:r>
-            <a:r>
-              <a:rPr lang="en-US" sz="2000" dirty="0"/>
-              <a:t> </a:t>
-            </a:r>
-            <a:r>
-              <a:rPr lang="en-US" sz="2000" dirty="0" err="1"/>
-              <a:t>lassen</a:t>
-            </a:r>
-            <a:endParaRPr lang="en-US" sz="2000" dirty="0"/>
-          </a:p>
-          <a:p>
-            <a:pPr marL="457200" indent="-457200">
-              <a:buFont typeface="+mj-lt"/>
-              <a:buAutoNum type="arabicPeriod"/>
-            </a:pPr>
-            <a:r>
-              <a:rPr lang="en-US" sz="2000" dirty="0">
-                <a:solidFill>
-                  <a:srgbClr val="FF0000"/>
-                </a:solidFill>
-                <a:latin typeface="Consolas" panose="020B0609020204030204" pitchFamily="49" charset="0"/>
-              </a:rPr>
-              <a:t>alias</a:t>
-            </a:r>
-            <a:r>
-              <a:rPr lang="en-US" sz="2000" dirty="0"/>
-              <a:t> </a:t>
-            </a:r>
-            <a:r>
-              <a:rPr lang="en-US" sz="2000" dirty="0" err="1"/>
-              <a:t>hinzufügen</a:t>
-            </a:r>
-            <a:r>
-              <a:rPr lang="en-US" sz="2000" dirty="0"/>
-              <a:t> für den </a:t>
-            </a:r>
-            <a:r>
-              <a:rPr lang="en-US" sz="2000" dirty="0">
-                <a:latin typeface="Consolas" panose="020B0609020204030204" pitchFamily="49" charset="0"/>
-              </a:rPr>
-              <a:t>service</a:t>
-            </a:r>
-          </a:p>
-          <a:p>
-            <a:pPr marL="457200" indent="-457200">
-              <a:buFont typeface="+mj-lt"/>
-              <a:buAutoNum type="arabicPeriod"/>
-            </a:pPr>
-            <a:endParaRPr lang="en-US" sz="2000" dirty="0">
-              <a:latin typeface="Consolas" panose="020B0609020204030204" pitchFamily="49" charset="0"/>
-            </a:endParaRPr>
-          </a:p>
-          <a:p>
-            <a:pPr marL="0" indent="0">
-              <a:buNone/>
-            </a:pPr>
-            <a:r>
               <a:rPr lang="en-US" sz="1800" dirty="0">
                 <a:latin typeface="Consolas" panose="020B0609020204030204" pitchFamily="49" charset="0"/>
               </a:rPr>
@@ -12321,19 +12658,166 @@
               </a:rPr>
               <a:t>    - docker run my-docker-image /script/to/run/tests</a:t>
             </a:r>
-            <a:endParaRPr kumimoji="0" lang="en-US" sz="1600" b="0" i="0" u="none" strike="noStrike" kern="0" cap="none" spc="0" normalizeH="0" baseline="0" noProof="0" dirty="0">
-              <a:ln>
-                <a:noFill/>
-              </a:ln>
-              <a:solidFill>
-                <a:srgbClr val="000000"/>
-              </a:solidFill>
-              <a:effectLst/>
-              <a:uLnTx/>
-              <a:uFillTx/>
+          </a:p>
+          <a:p>
+            <a:pPr marL="0" indent="0">
+              <a:buNone/>
+            </a:pPr>
+            <a:endParaRPr lang="en-US" sz="1400" dirty="0">
               <a:latin typeface="Consolas" panose="020B0609020204030204" pitchFamily="49" charset="0"/>
-              <a:ea typeface="+mn-ea"/>
-              <a:cs typeface="+mn-cs"/>
+            </a:endParaRPr>
+          </a:p>
+          <a:p>
+            <a:pPr>
+              <a:buFont typeface="Arial" panose="020B0604020202020204" pitchFamily="34" charset="0"/>
+              <a:buChar char="•"/>
+            </a:pPr>
+            <a:r>
+              <a:rPr lang="en-US" sz="1800" dirty="0" err="1">
+                <a:latin typeface="+mj-lt"/>
+              </a:rPr>
+              <a:t>Ohne</a:t>
+            </a:r>
+            <a:r>
+              <a:rPr lang="en-US" sz="1800" dirty="0">
+                <a:latin typeface="+mj-lt"/>
+              </a:rPr>
+              <a:t> </a:t>
+            </a:r>
+            <a:r>
+              <a:rPr lang="en-US" sz="1800" dirty="0">
+                <a:solidFill>
+                  <a:srgbClr val="FF0000"/>
+                </a:solidFill>
+                <a:latin typeface="+mj-lt"/>
+              </a:rPr>
+              <a:t>alias </a:t>
+            </a:r>
+            <a:r>
+              <a:rPr lang="en-US" sz="1800" dirty="0" err="1">
+                <a:latin typeface="+mj-lt"/>
+              </a:rPr>
+              <a:t>kann</a:t>
+            </a:r>
+            <a:r>
+              <a:rPr lang="en-US" sz="1800" dirty="0">
+                <a:latin typeface="+mj-lt"/>
+              </a:rPr>
+              <a:t> das </a:t>
+            </a:r>
+            <a:r>
+              <a:rPr lang="en-US" sz="1800" i="1" dirty="0">
+                <a:latin typeface="+mj-lt"/>
+              </a:rPr>
+              <a:t>docker</a:t>
+            </a:r>
+            <a:r>
+              <a:rPr lang="en-US" sz="1800" dirty="0">
+                <a:latin typeface="+mj-lt"/>
+              </a:rPr>
+              <a:t> Container Image </a:t>
+            </a:r>
+            <a:r>
+              <a:rPr lang="en-US" sz="1800" dirty="0" err="1">
+                <a:latin typeface="+mj-lt"/>
+              </a:rPr>
+              <a:t>keinen</a:t>
+            </a:r>
+            <a:r>
+              <a:rPr lang="en-US" sz="1800" dirty="0">
+                <a:latin typeface="+mj-lt"/>
+              </a:rPr>
+              <a:t> Docker Host </a:t>
+            </a:r>
+            <a:r>
+              <a:rPr lang="en-US" sz="1800" dirty="0" err="1">
+                <a:latin typeface="+mj-lt"/>
+              </a:rPr>
+              <a:t>finden</a:t>
+            </a:r>
+            <a:r>
+              <a:rPr lang="en-US" sz="1800" dirty="0">
+                <a:latin typeface="+mj-lt"/>
+              </a:rPr>
+              <a:t> und </a:t>
+            </a:r>
+            <a:r>
+              <a:rPr lang="en-US" sz="1800" dirty="0" err="1">
+                <a:latin typeface="+mj-lt"/>
+              </a:rPr>
+              <a:t>folgende</a:t>
+            </a:r>
+            <a:r>
+              <a:rPr lang="en-US" sz="1800" dirty="0">
+                <a:latin typeface="+mj-lt"/>
+              </a:rPr>
+              <a:t> </a:t>
+            </a:r>
+            <a:r>
+              <a:rPr lang="en-US" sz="1800" dirty="0" err="1">
+                <a:latin typeface="+mj-lt"/>
+              </a:rPr>
+              <a:t>Fehlermeldung</a:t>
+            </a:r>
+            <a:r>
+              <a:rPr lang="en-US" sz="1800" dirty="0">
+                <a:latin typeface="+mj-lt"/>
+              </a:rPr>
+              <a:t> </a:t>
+            </a:r>
+            <a:r>
+              <a:rPr lang="en-US" sz="1800" dirty="0" err="1">
+                <a:latin typeface="+mj-lt"/>
+              </a:rPr>
+              <a:t>erscheint</a:t>
+            </a:r>
+            <a:r>
+              <a:rPr lang="en-US" sz="1800" dirty="0">
+                <a:latin typeface="+mj-lt"/>
+              </a:rPr>
+              <a:t>:</a:t>
+            </a:r>
+          </a:p>
+          <a:p>
+            <a:pPr lvl="1">
+              <a:buFont typeface="Arial" panose="020B0604020202020204" pitchFamily="34" charset="0"/>
+              <a:buChar char="•"/>
+            </a:pPr>
+            <a:r>
+              <a:rPr lang="en-US" sz="1400" dirty="0">
+                <a:latin typeface="Consolas" panose="020B0609020204030204" pitchFamily="49" charset="0"/>
+              </a:rPr>
+              <a:t>error during connect: Get http://docker:2376/v1.39/info: dial </a:t>
+            </a:r>
+            <a:r>
+              <a:rPr lang="en-US" sz="1400" dirty="0" err="1">
+                <a:latin typeface="Consolas" panose="020B0609020204030204" pitchFamily="49" charset="0"/>
+              </a:rPr>
+              <a:t>tcp</a:t>
+            </a:r>
+            <a:r>
+              <a:rPr lang="en-US" sz="1400" dirty="0">
+                <a:latin typeface="Consolas" panose="020B0609020204030204" pitchFamily="49" charset="0"/>
+              </a:rPr>
+              <a:t>: lookup docker on 192.168.0.1:53: no such host</a:t>
+            </a:r>
+          </a:p>
+          <a:p>
+            <a:pPr lvl="1">
+              <a:buFont typeface="Arial" panose="020B0604020202020204" pitchFamily="34" charset="0"/>
+              <a:buChar char="•"/>
+            </a:pPr>
+            <a:endParaRPr lang="en-US" sz="1400" dirty="0">
+              <a:latin typeface="Consolas" panose="020B0609020204030204" pitchFamily="49" charset="0"/>
+            </a:endParaRPr>
+          </a:p>
+          <a:p>
+            <a:pPr lvl="1">
+              <a:buFont typeface="Arial" panose="020B0604020202020204" pitchFamily="34" charset="0"/>
+              <a:buChar char="•"/>
+            </a:pPr>
+            <a:endParaRPr lang="en-US" sz="1400" dirty="0">
+              <a:latin typeface="Consolas" panose="020B0609020204030204" pitchFamily="49" charset="0"/>
             </a:endParaRPr>
           </a:p>
         </p:txBody>
@@ -12341,7 +12825,7 @@
     </p:spTree>
     <p:extLst>
       <p:ext uri="{BB962C8B-B14F-4D97-AF65-F5344CB8AC3E}">
-        <p14:creationId xmlns:p14="http://schemas.microsoft.com/office/powerpoint/2010/main" val="1268780306"/>
+        <p14:creationId xmlns:p14="http://schemas.microsoft.com/office/powerpoint/2010/main" val="1566046787"/>
       </p:ext>
     </p:extLst>
   </p:cSld>
@@ -12373,7 +12857,7 @@
           <p:cNvPr id="2" name="Titel 1">
             <a:extLst>
               <a:ext uri="{FF2B5EF4-FFF2-40B4-BE49-F238E27FC236}">
-                <a16:creationId xmlns:a16="http://schemas.microsoft.com/office/drawing/2014/main" id="{021C1D90-AB38-D152-26B9-E4AB49CCFEE9}"/>
+                <a16:creationId xmlns:a16="http://schemas.microsoft.com/office/drawing/2014/main" id="{DB1F447C-2F61-B060-8EFE-D98620927A6E}"/>
               </a:ext>
             </a:extLst>
           </p:cNvPr>
@@ -12410,7 +12894,7 @@
           <p:cNvPr id="3" name="Inhaltsplatzhalter 2">
             <a:extLst>
               <a:ext uri="{FF2B5EF4-FFF2-40B4-BE49-F238E27FC236}">
-                <a16:creationId xmlns:a16="http://schemas.microsoft.com/office/drawing/2014/main" id="{01B30DD9-6590-DB7B-37D7-65618A4BAC0E}"/>
+                <a16:creationId xmlns:a16="http://schemas.microsoft.com/office/drawing/2014/main" id="{68EC2247-CA50-F34D-5B3B-2171A8AD687B}"/>
               </a:ext>
             </a:extLst>
           </p:cNvPr>
@@ -12430,548 +12914,13 @@
               <a:buNone/>
             </a:pPr>
             <a:r>
-              <a:rPr lang="en-US" sz="2000" b="1" dirty="0" err="1"/>
-              <a:t>Beispiel</a:t>
-            </a:r>
-            <a:r>
-              <a:rPr lang="en-US" sz="2000" b="1" dirty="0"/>
-              <a:t>: Docker-in-Docker Container Image (</a:t>
-            </a:r>
-            <a:r>
-              <a:rPr lang="en-US" sz="2000" b="1" dirty="0">
-                <a:solidFill>
-                  <a:srgbClr val="0249FC"/>
-                </a:solidFill>
-              </a:rPr>
-              <a:t>Container Registry</a:t>
-            </a:r>
-            <a:r>
-              <a:rPr lang="en-US" sz="2000" b="1" dirty="0"/>
-              <a:t>)</a:t>
-            </a:r>
-          </a:p>
-          <a:p>
-            <a:pPr marL="0" indent="0">
-              <a:buNone/>
-            </a:pPr>
-            <a:r>
-              <a:rPr lang="en-US" sz="1800" dirty="0">
-                <a:latin typeface="Consolas" panose="020B0609020204030204" pitchFamily="49" charset="0"/>
-              </a:rPr>
-              <a:t>.</a:t>
-            </a:r>
-            <a:r>
-              <a:rPr lang="en-US" sz="1800" dirty="0" err="1">
-                <a:latin typeface="Consolas" panose="020B0609020204030204" pitchFamily="49" charset="0"/>
-              </a:rPr>
-              <a:t>gitlab-ci.yml</a:t>
-            </a:r>
-            <a:endParaRPr lang="en-US" sz="1800" dirty="0">
-              <a:latin typeface="Consolas" panose="020B0609020204030204" pitchFamily="49" charset="0"/>
-            </a:endParaRPr>
-          </a:p>
-          <a:p>
-            <a:pPr marL="0" marR="0" lvl="0" indent="0" algn="l" defTabSz="914400" rtl="0" eaLnBrk="1" fontAlgn="base" latinLnBrk="0" hangingPunct="1">
-              <a:lnSpc>
-                <a:spcPct val="100000"/>
-              </a:lnSpc>
-              <a:spcBef>
-                <a:spcPct val="20000"/>
-              </a:spcBef>
-              <a:spcAft>
-                <a:spcPct val="0"/>
-              </a:spcAft>
-              <a:buClr>
-                <a:srgbClr val="008C5A"/>
-              </a:buClr>
-              <a:buSzTx/>
-              <a:buFont typeface="Monotype Sorts" pitchFamily="2" charset="2"/>
-              <a:buNone/>
-              <a:tabLst/>
-              <a:defRPr/>
-            </a:pPr>
-            <a:r>
-              <a:rPr kumimoji="0" lang="en-US" sz="1400" b="0" i="0" u="none" strike="noStrike" kern="0" cap="none" spc="0" normalizeH="0" baseline="0" noProof="0" dirty="0">
-                <a:ln>
-                  <a:noFill/>
-                </a:ln>
-                <a:solidFill>
-                  <a:srgbClr val="000000"/>
-                </a:solidFill>
-                <a:effectLst/>
-                <a:uLnTx/>
-                <a:uFillTx/>
-                <a:latin typeface="Consolas" panose="020B0609020204030204" pitchFamily="49" charset="0"/>
-                <a:ea typeface="+mn-ea"/>
-                <a:cs typeface="+mn-cs"/>
-              </a:rPr>
-              <a:t>build:</a:t>
-            </a:r>
-          </a:p>
-          <a:p>
-            <a:pPr marL="0" marR="0" lvl="0" indent="0" algn="l" defTabSz="914400" rtl="0" eaLnBrk="1" fontAlgn="base" latinLnBrk="0" hangingPunct="1">
-              <a:lnSpc>
-                <a:spcPct val="100000"/>
-              </a:lnSpc>
-              <a:spcBef>
-                <a:spcPct val="20000"/>
-              </a:spcBef>
-              <a:spcAft>
-                <a:spcPct val="0"/>
-              </a:spcAft>
-              <a:buClr>
-                <a:srgbClr val="008C5A"/>
-              </a:buClr>
-              <a:buSzTx/>
-              <a:buFont typeface="Monotype Sorts" pitchFamily="2" charset="2"/>
-              <a:buNone/>
-              <a:tabLst/>
-              <a:defRPr/>
-            </a:pPr>
-            <a:r>
-              <a:rPr kumimoji="0" lang="en-US" sz="1400" b="0" i="0" u="none" strike="noStrike" kern="0" cap="none" spc="0" normalizeH="0" baseline="0" noProof="0" dirty="0">
-                <a:ln>
-                  <a:noFill/>
-                </a:ln>
-                <a:solidFill>
-                  <a:srgbClr val="FF0000"/>
-                </a:solidFill>
-                <a:effectLst/>
-                <a:uLnTx/>
-                <a:uFillTx/>
-                <a:latin typeface="Consolas" panose="020B0609020204030204" pitchFamily="49" charset="0"/>
-                <a:ea typeface="+mn-ea"/>
-                <a:cs typeface="+mn-cs"/>
-              </a:rPr>
-              <a:t>  image</a:t>
-            </a:r>
-            <a:r>
-              <a:rPr kumimoji="0" lang="en-US" sz="1400" b="0" i="0" u="none" strike="noStrike" kern="0" cap="none" spc="0" normalizeH="0" baseline="0" noProof="0" dirty="0">
-                <a:ln>
-                  <a:noFill/>
-                </a:ln>
-                <a:solidFill>
-                  <a:srgbClr val="000000"/>
-                </a:solidFill>
-                <a:effectLst/>
-                <a:uLnTx/>
-                <a:uFillTx/>
-                <a:latin typeface="Consolas" panose="020B0609020204030204" pitchFamily="49" charset="0"/>
-                <a:ea typeface="+mn-ea"/>
-                <a:cs typeface="+mn-cs"/>
-              </a:rPr>
-              <a:t>: </a:t>
-            </a:r>
-            <a:r>
-              <a:rPr kumimoji="0" lang="en-US" sz="1400" b="0" i="0" u="none" strike="noStrike" kern="0" cap="none" spc="0" normalizeH="0" baseline="0" noProof="0" dirty="0">
-                <a:ln>
-                  <a:noFill/>
-                </a:ln>
-                <a:solidFill>
-                  <a:srgbClr val="0249FC"/>
-                </a:solidFill>
-                <a:effectLst/>
-                <a:uLnTx/>
-                <a:uFillTx/>
-                <a:latin typeface="Consolas" panose="020B0609020204030204" pitchFamily="49" charset="0"/>
-                <a:ea typeface="+mn-ea"/>
-                <a:cs typeface="+mn-cs"/>
-              </a:rPr>
-              <a:t>$CI_REGISTRY</a:t>
-            </a:r>
-            <a:r>
-              <a:rPr kumimoji="0" lang="en-US" sz="1400" b="0" i="0" u="none" strike="noStrike" kern="0" cap="none" spc="0" normalizeH="0" baseline="0" noProof="0" dirty="0">
-                <a:ln>
-                  <a:noFill/>
-                </a:ln>
-                <a:solidFill>
-                  <a:srgbClr val="000000"/>
-                </a:solidFill>
-                <a:effectLst/>
-                <a:uLnTx/>
-                <a:uFillTx/>
-                <a:latin typeface="Consolas" panose="020B0609020204030204" pitchFamily="49" charset="0"/>
-                <a:ea typeface="+mn-ea"/>
-                <a:cs typeface="+mn-cs"/>
-              </a:rPr>
-              <a:t>/group/project/docker:20.10.16</a:t>
-            </a:r>
-          </a:p>
-          <a:p>
-            <a:pPr marL="0" marR="0" lvl="0" indent="0" algn="l" defTabSz="914400" rtl="0" eaLnBrk="1" fontAlgn="base" latinLnBrk="0" hangingPunct="1">
-              <a:lnSpc>
-                <a:spcPct val="100000"/>
-              </a:lnSpc>
-              <a:spcBef>
-                <a:spcPct val="20000"/>
-              </a:spcBef>
-              <a:spcAft>
-                <a:spcPct val="0"/>
-              </a:spcAft>
-              <a:buClr>
-                <a:srgbClr val="008C5A"/>
-              </a:buClr>
-              <a:buSzTx/>
-              <a:buFont typeface="Monotype Sorts" pitchFamily="2" charset="2"/>
-              <a:buNone/>
-              <a:tabLst/>
-              <a:defRPr/>
-            </a:pPr>
-            <a:r>
-              <a:rPr kumimoji="0" lang="en-US" sz="1400" b="0" i="0" u="none" strike="noStrike" kern="0" cap="none" spc="0" normalizeH="0" baseline="0" noProof="0" dirty="0">
-                <a:ln>
-                  <a:noFill/>
-                </a:ln>
-                <a:solidFill>
-                  <a:srgbClr val="000000"/>
-                </a:solidFill>
-                <a:effectLst/>
-                <a:uLnTx/>
-                <a:uFillTx/>
-                <a:latin typeface="Consolas" panose="020B0609020204030204" pitchFamily="49" charset="0"/>
-                <a:ea typeface="+mn-ea"/>
-                <a:cs typeface="+mn-cs"/>
-              </a:rPr>
-              <a:t>  </a:t>
-            </a:r>
-            <a:r>
-              <a:rPr kumimoji="0" lang="en-US" sz="1400" b="0" i="0" u="none" strike="noStrike" kern="0" cap="none" spc="0" normalizeH="0" baseline="0" noProof="0" dirty="0">
-                <a:ln>
-                  <a:noFill/>
-                </a:ln>
-                <a:solidFill>
-                  <a:srgbClr val="FF0000"/>
-                </a:solidFill>
-                <a:effectLst/>
-                <a:uLnTx/>
-                <a:uFillTx/>
-                <a:latin typeface="Consolas" panose="020B0609020204030204" pitchFamily="49" charset="0"/>
-                <a:ea typeface="+mn-ea"/>
-                <a:cs typeface="+mn-cs"/>
-              </a:rPr>
-              <a:t>services</a:t>
-            </a:r>
-            <a:r>
-              <a:rPr kumimoji="0" lang="en-US" sz="1400" b="0" i="0" u="none" strike="noStrike" kern="0" cap="none" spc="0" normalizeH="0" baseline="0" noProof="0" dirty="0">
-                <a:ln>
-                  <a:noFill/>
-                </a:ln>
-                <a:solidFill>
-                  <a:srgbClr val="000000"/>
-                </a:solidFill>
-                <a:effectLst/>
-                <a:uLnTx/>
-                <a:uFillTx/>
-                <a:latin typeface="Consolas" panose="020B0609020204030204" pitchFamily="49" charset="0"/>
-                <a:ea typeface="+mn-ea"/>
-                <a:cs typeface="+mn-cs"/>
-              </a:rPr>
-              <a:t>:</a:t>
-            </a:r>
-          </a:p>
-          <a:p>
-            <a:pPr marL="0" marR="0" lvl="0" indent="0" algn="l" defTabSz="914400" rtl="0" eaLnBrk="1" fontAlgn="base" latinLnBrk="0" hangingPunct="1">
-              <a:lnSpc>
-                <a:spcPct val="100000"/>
-              </a:lnSpc>
-              <a:spcBef>
-                <a:spcPct val="20000"/>
-              </a:spcBef>
-              <a:spcAft>
-                <a:spcPct val="0"/>
-              </a:spcAft>
-              <a:buClr>
-                <a:srgbClr val="008C5A"/>
-              </a:buClr>
-              <a:buSzTx/>
-              <a:buFont typeface="Monotype Sorts" pitchFamily="2" charset="2"/>
-              <a:buNone/>
-              <a:tabLst/>
-              <a:defRPr/>
-            </a:pPr>
-            <a:r>
-              <a:rPr kumimoji="0" lang="en-US" sz="1400" b="0" i="0" u="none" strike="noStrike" kern="0" cap="none" spc="0" normalizeH="0" baseline="0" noProof="0" dirty="0">
-                <a:ln>
-                  <a:noFill/>
-                </a:ln>
-                <a:solidFill>
-                  <a:srgbClr val="000000"/>
-                </a:solidFill>
-                <a:effectLst/>
-                <a:uLnTx/>
-                <a:uFillTx/>
-                <a:latin typeface="Consolas" panose="020B0609020204030204" pitchFamily="49" charset="0"/>
-                <a:ea typeface="+mn-ea"/>
-                <a:cs typeface="+mn-cs"/>
-              </a:rPr>
-              <a:t>    - name: </a:t>
-            </a:r>
-            <a:r>
-              <a:rPr kumimoji="0" lang="en-US" sz="1400" b="0" i="0" u="none" strike="noStrike" kern="0" cap="none" spc="0" normalizeH="0" baseline="0" noProof="0" dirty="0">
-                <a:ln>
-                  <a:noFill/>
-                </a:ln>
-                <a:solidFill>
-                  <a:srgbClr val="0249FC"/>
-                </a:solidFill>
-                <a:effectLst/>
-                <a:uLnTx/>
-                <a:uFillTx/>
-                <a:latin typeface="Consolas" panose="020B0609020204030204" pitchFamily="49" charset="0"/>
-                <a:ea typeface="+mn-ea"/>
-                <a:cs typeface="+mn-cs"/>
-              </a:rPr>
-              <a:t>$CI_REGISTRY</a:t>
-            </a:r>
-            <a:r>
-              <a:rPr kumimoji="0" lang="en-US" sz="1400" b="0" i="0" u="none" strike="noStrike" kern="0" cap="none" spc="0" normalizeH="0" baseline="0" noProof="0" dirty="0">
-                <a:ln>
-                  <a:noFill/>
-                </a:ln>
-                <a:solidFill>
-                  <a:srgbClr val="000000"/>
-                </a:solidFill>
-                <a:effectLst/>
-                <a:uLnTx/>
-                <a:uFillTx/>
-                <a:latin typeface="Consolas" panose="020B0609020204030204" pitchFamily="49" charset="0"/>
-                <a:ea typeface="+mn-ea"/>
-                <a:cs typeface="+mn-cs"/>
-              </a:rPr>
-              <a:t>/group/project/docker:20.10.16-dind</a:t>
-            </a:r>
-          </a:p>
-          <a:p>
-            <a:pPr marL="0" marR="0" lvl="0" indent="0" algn="l" defTabSz="914400" rtl="0" eaLnBrk="1" fontAlgn="base" latinLnBrk="0" hangingPunct="1">
-              <a:lnSpc>
-                <a:spcPct val="100000"/>
-              </a:lnSpc>
-              <a:spcBef>
-                <a:spcPct val="20000"/>
-              </a:spcBef>
-              <a:spcAft>
-                <a:spcPct val="0"/>
-              </a:spcAft>
-              <a:buClr>
-                <a:srgbClr val="008C5A"/>
-              </a:buClr>
-              <a:buSzTx/>
-              <a:buFont typeface="Monotype Sorts" pitchFamily="2" charset="2"/>
-              <a:buNone/>
-              <a:tabLst/>
-              <a:defRPr/>
-            </a:pPr>
-            <a:r>
-              <a:rPr kumimoji="0" lang="en-US" sz="1400" b="0" i="0" u="none" strike="noStrike" kern="0" cap="none" spc="0" normalizeH="0" baseline="0" noProof="0" dirty="0">
-                <a:ln>
-                  <a:noFill/>
-                </a:ln>
-                <a:solidFill>
-                  <a:srgbClr val="000000"/>
-                </a:solidFill>
-                <a:effectLst/>
-                <a:uLnTx/>
-                <a:uFillTx/>
-                <a:latin typeface="Consolas" panose="020B0609020204030204" pitchFamily="49" charset="0"/>
-                <a:ea typeface="+mn-ea"/>
-                <a:cs typeface="+mn-cs"/>
-              </a:rPr>
-              <a:t>      </a:t>
-            </a:r>
-            <a:r>
-              <a:rPr kumimoji="0" lang="en-US" sz="1400" b="0" i="0" u="none" strike="noStrike" kern="0" cap="none" spc="0" normalizeH="0" baseline="0" noProof="0" dirty="0">
-                <a:ln>
-                  <a:noFill/>
-                </a:ln>
-                <a:solidFill>
-                  <a:srgbClr val="FF0000"/>
-                </a:solidFill>
-                <a:effectLst/>
-                <a:uLnTx/>
-                <a:uFillTx/>
-                <a:latin typeface="Consolas" panose="020B0609020204030204" pitchFamily="49" charset="0"/>
-                <a:ea typeface="+mn-ea"/>
-                <a:cs typeface="+mn-cs"/>
-              </a:rPr>
-              <a:t>alias</a:t>
-            </a:r>
-            <a:r>
-              <a:rPr kumimoji="0" lang="en-US" sz="1400" b="0" i="0" u="none" strike="noStrike" kern="0" cap="none" spc="0" normalizeH="0" baseline="0" noProof="0" dirty="0">
-                <a:ln>
-                  <a:noFill/>
-                </a:ln>
-                <a:solidFill>
-                  <a:srgbClr val="000000"/>
-                </a:solidFill>
-                <a:effectLst/>
-                <a:uLnTx/>
-                <a:uFillTx/>
-                <a:latin typeface="Consolas" panose="020B0609020204030204" pitchFamily="49" charset="0"/>
-                <a:ea typeface="+mn-ea"/>
-                <a:cs typeface="+mn-cs"/>
-              </a:rPr>
-              <a:t>: docker</a:t>
-            </a:r>
-          </a:p>
-          <a:p>
-            <a:pPr marL="0" marR="0" lvl="0" indent="0" algn="l" defTabSz="914400" rtl="0" eaLnBrk="1" fontAlgn="base" latinLnBrk="0" hangingPunct="1">
-              <a:lnSpc>
-                <a:spcPct val="100000"/>
-              </a:lnSpc>
-              <a:spcBef>
-                <a:spcPct val="20000"/>
-              </a:spcBef>
-              <a:spcAft>
-                <a:spcPct val="0"/>
-              </a:spcAft>
-              <a:buClr>
-                <a:srgbClr val="008C5A"/>
-              </a:buClr>
-              <a:buSzTx/>
-              <a:buFont typeface="Monotype Sorts" pitchFamily="2" charset="2"/>
-              <a:buNone/>
-              <a:tabLst/>
-              <a:defRPr/>
-            </a:pPr>
-            <a:r>
-              <a:rPr kumimoji="0" lang="en-US" sz="1400" b="0" i="0" u="none" strike="noStrike" kern="0" cap="none" spc="0" normalizeH="0" baseline="0" noProof="0" dirty="0">
-                <a:ln>
-                  <a:noFill/>
-                </a:ln>
-                <a:solidFill>
-                  <a:srgbClr val="000000"/>
-                </a:solidFill>
-                <a:effectLst/>
-                <a:uLnTx/>
-                <a:uFillTx/>
-                <a:latin typeface="Consolas" panose="020B0609020204030204" pitchFamily="49" charset="0"/>
-                <a:ea typeface="+mn-ea"/>
-                <a:cs typeface="+mn-cs"/>
-              </a:rPr>
-              <a:t>  stage: build</a:t>
-            </a:r>
-          </a:p>
-          <a:p>
-            <a:pPr marL="0" marR="0" lvl="0" indent="0" algn="l" defTabSz="914400" rtl="0" eaLnBrk="1" fontAlgn="base" latinLnBrk="0" hangingPunct="1">
-              <a:lnSpc>
-                <a:spcPct val="100000"/>
-              </a:lnSpc>
-              <a:spcBef>
-                <a:spcPct val="20000"/>
-              </a:spcBef>
-              <a:spcAft>
-                <a:spcPct val="0"/>
-              </a:spcAft>
-              <a:buClr>
-                <a:srgbClr val="008C5A"/>
-              </a:buClr>
-              <a:buSzTx/>
-              <a:buFont typeface="Monotype Sorts" pitchFamily="2" charset="2"/>
-              <a:buNone/>
-              <a:tabLst/>
-              <a:defRPr/>
-            </a:pPr>
-            <a:r>
-              <a:rPr kumimoji="0" lang="en-US" sz="1400" b="0" i="0" u="none" strike="noStrike" kern="0" cap="none" spc="0" normalizeH="0" baseline="0" noProof="0" dirty="0">
-                <a:ln>
-                  <a:noFill/>
-                </a:ln>
-                <a:solidFill>
-                  <a:srgbClr val="000000"/>
-                </a:solidFill>
-                <a:effectLst/>
-                <a:uLnTx/>
-                <a:uFillTx/>
-                <a:latin typeface="Consolas" panose="020B0609020204030204" pitchFamily="49" charset="0"/>
-                <a:ea typeface="+mn-ea"/>
-                <a:cs typeface="+mn-cs"/>
-              </a:rPr>
-              <a:t>  script:</a:t>
-            </a:r>
-          </a:p>
-          <a:p>
-            <a:pPr marL="0" marR="0" lvl="0" indent="0" algn="l" defTabSz="914400" rtl="0" eaLnBrk="1" fontAlgn="base" latinLnBrk="0" hangingPunct="1">
-              <a:lnSpc>
-                <a:spcPct val="100000"/>
-              </a:lnSpc>
-              <a:spcBef>
-                <a:spcPct val="20000"/>
-              </a:spcBef>
-              <a:spcAft>
-                <a:spcPct val="0"/>
-              </a:spcAft>
-              <a:buClr>
-                <a:srgbClr val="008C5A"/>
-              </a:buClr>
-              <a:buSzTx/>
-              <a:buFont typeface="Monotype Sorts" pitchFamily="2" charset="2"/>
-              <a:buNone/>
-              <a:tabLst/>
-              <a:defRPr/>
-            </a:pPr>
-            <a:r>
-              <a:rPr kumimoji="0" lang="en-US" sz="1400" b="0" i="0" u="none" strike="noStrike" kern="0" cap="none" spc="0" normalizeH="0" baseline="0" noProof="0" dirty="0">
-                <a:ln>
-                  <a:noFill/>
-                </a:ln>
-                <a:solidFill>
-                  <a:srgbClr val="000000"/>
-                </a:solidFill>
-                <a:effectLst/>
-                <a:uLnTx/>
-                <a:uFillTx/>
-                <a:latin typeface="Consolas" panose="020B0609020204030204" pitchFamily="49" charset="0"/>
-                <a:ea typeface="+mn-ea"/>
-                <a:cs typeface="+mn-cs"/>
-              </a:rPr>
-              <a:t>    - docker build -t my-docker-image .</a:t>
-            </a:r>
-          </a:p>
-          <a:p>
-            <a:pPr marL="0" marR="0" lvl="0" indent="0" algn="l" defTabSz="914400" rtl="0" eaLnBrk="1" fontAlgn="base" latinLnBrk="0" hangingPunct="1">
-              <a:lnSpc>
-                <a:spcPct val="100000"/>
-              </a:lnSpc>
-              <a:spcBef>
-                <a:spcPct val="20000"/>
-              </a:spcBef>
-              <a:spcAft>
-                <a:spcPct val="0"/>
-              </a:spcAft>
-              <a:buClr>
-                <a:srgbClr val="008C5A"/>
-              </a:buClr>
-              <a:buSzTx/>
-              <a:buFont typeface="Monotype Sorts" pitchFamily="2" charset="2"/>
-              <a:buNone/>
-              <a:tabLst/>
-              <a:defRPr/>
-            </a:pPr>
-            <a:r>
-              <a:rPr kumimoji="0" lang="en-US" sz="1400" b="0" i="0" u="none" strike="noStrike" kern="0" cap="none" spc="0" normalizeH="0" baseline="0" noProof="0" dirty="0">
-                <a:ln>
-                  <a:noFill/>
-                </a:ln>
-                <a:solidFill>
-                  <a:srgbClr val="000000"/>
-                </a:solidFill>
-                <a:effectLst/>
-                <a:uLnTx/>
-                <a:uFillTx/>
-                <a:latin typeface="Consolas" panose="020B0609020204030204" pitchFamily="49" charset="0"/>
-                <a:ea typeface="+mn-ea"/>
-                <a:cs typeface="+mn-cs"/>
-              </a:rPr>
-              <a:t>    - docker run my-docker-image /script/to/run/tests</a:t>
-            </a:r>
-          </a:p>
-          <a:p>
-            <a:pPr marL="0" indent="0">
-              <a:buNone/>
-            </a:pPr>
-            <a:endParaRPr lang="en-US" sz="1400" dirty="0">
-              <a:latin typeface="Consolas" panose="020B0609020204030204" pitchFamily="49" charset="0"/>
-            </a:endParaRPr>
+              <a:rPr lang="de-DE" b="1" dirty="0" err="1"/>
+              <a:t>Dependency</a:t>
+            </a:r>
+            <a:r>
+              <a:rPr lang="de-DE" b="1" dirty="0"/>
+              <a:t> Proxy</a:t>
+            </a:r>
           </a:p>
           <a:p>
             <a:pPr>
@@ -12979,110 +12928,50 @@
               <a:buChar char="•"/>
             </a:pPr>
             <a:r>
-              <a:rPr lang="en-US" sz="1800" dirty="0" err="1">
-                <a:latin typeface="+mj-lt"/>
-              </a:rPr>
-              <a:t>Ohne</a:t>
-            </a:r>
-            <a:r>
-              <a:rPr lang="en-US" sz="1800" dirty="0">
-                <a:latin typeface="+mj-lt"/>
-              </a:rPr>
+              <a:rPr lang="de-DE" sz="2000" dirty="0"/>
+              <a:t>Lokaler Proxy</a:t>
+            </a:r>
+          </a:p>
+          <a:p>
+            <a:pPr lvl="1">
+              <a:buFont typeface="Arial" panose="020B0604020202020204" pitchFamily="34" charset="0"/>
+              <a:buChar char="•"/>
+            </a:pPr>
+            <a:r>
+              <a:rPr lang="de-DE" sz="1800" dirty="0"/>
+              <a:t>Für häufig genutzte Upstream-Images</a:t>
+            </a:r>
+          </a:p>
+          <a:p>
+            <a:pPr lvl="1">
+              <a:buFont typeface="Arial" panose="020B0604020202020204" pitchFamily="34" charset="0"/>
+              <a:buChar char="•"/>
+            </a:pPr>
+            <a:r>
+              <a:rPr lang="de-DE" sz="1800" dirty="0"/>
+              <a:t>pull </a:t>
+            </a:r>
+            <a:r>
+              <a:rPr lang="de-DE" sz="1800" dirty="0" err="1"/>
+              <a:t>through</a:t>
+            </a:r>
+            <a:r>
+              <a:rPr lang="de-DE" sz="1800" dirty="0"/>
               <a:t> </a:t>
             </a:r>
             <a:r>
-              <a:rPr lang="en-US" sz="1800" dirty="0">
-                <a:solidFill>
-                  <a:srgbClr val="FF0000"/>
-                </a:solidFill>
-                <a:latin typeface="+mj-lt"/>
-              </a:rPr>
-              <a:t>service alias </a:t>
-            </a:r>
-            <a:r>
-              <a:rPr lang="en-US" sz="1800" dirty="0" err="1">
-                <a:latin typeface="+mj-lt"/>
-              </a:rPr>
-              <a:t>kann</a:t>
-            </a:r>
-            <a:r>
-              <a:rPr lang="en-US" sz="1800" dirty="0">
-                <a:latin typeface="+mj-lt"/>
-              </a:rPr>
-              <a:t> das Container Image den </a:t>
-            </a:r>
-            <a:r>
-              <a:rPr lang="en-US" sz="1800" dirty="0" err="1">
-                <a:latin typeface="Consolas" panose="020B0609020204030204" pitchFamily="49" charset="0"/>
-              </a:rPr>
-              <a:t>dind</a:t>
-            </a:r>
-            <a:r>
-              <a:rPr lang="en-US" sz="1800" dirty="0">
-                <a:latin typeface="+mj-lt"/>
-              </a:rPr>
-              <a:t> service </a:t>
-            </a:r>
-            <a:r>
-              <a:rPr lang="en-US" sz="1800" dirty="0" err="1">
-                <a:latin typeface="+mj-lt"/>
-              </a:rPr>
-              <a:t>nicht</a:t>
-            </a:r>
-            <a:r>
-              <a:rPr lang="en-US" sz="1800" dirty="0">
-                <a:latin typeface="+mj-lt"/>
-              </a:rPr>
-              <a:t> </a:t>
-            </a:r>
-            <a:r>
-              <a:rPr lang="en-US" sz="1800" dirty="0" err="1">
-                <a:latin typeface="+mj-lt"/>
-              </a:rPr>
-              <a:t>finden</a:t>
-            </a:r>
-            <a:r>
-              <a:rPr lang="en-US" sz="1800" dirty="0">
-                <a:latin typeface="+mj-lt"/>
-              </a:rPr>
-              <a:t> und </a:t>
-            </a:r>
-            <a:r>
-              <a:rPr lang="en-US" sz="1800" dirty="0" err="1">
-                <a:latin typeface="+mj-lt"/>
-              </a:rPr>
-              <a:t>folgende</a:t>
-            </a:r>
-            <a:r>
-              <a:rPr lang="en-US" sz="1800" dirty="0">
-                <a:latin typeface="+mj-lt"/>
-              </a:rPr>
-              <a:t> </a:t>
-            </a:r>
-            <a:r>
-              <a:rPr lang="en-US" sz="1800" dirty="0" err="1">
-                <a:latin typeface="+mj-lt"/>
-              </a:rPr>
-              <a:t>Fehlermeldung</a:t>
-            </a:r>
-            <a:r>
-              <a:rPr lang="en-US" sz="1800" dirty="0">
-                <a:latin typeface="+mj-lt"/>
-              </a:rPr>
-              <a:t> </a:t>
-            </a:r>
-            <a:r>
-              <a:rPr lang="en-US" sz="1800" dirty="0" err="1">
-                <a:latin typeface="+mj-lt"/>
-              </a:rPr>
-              <a:t>erscheint</a:t>
-            </a:r>
-            <a:r>
-              <a:rPr lang="en-US" sz="1800" dirty="0">
-                <a:latin typeface="+mj-lt"/>
-              </a:rPr>
-              <a:t>:</a:t>
-            </a:r>
+              <a:rPr lang="de-DE" sz="1800" dirty="0" err="1"/>
+              <a:t>cache</a:t>
+            </a:r>
+            <a:r>
+              <a:rPr lang="de-DE" sz="1800" dirty="0"/>
+              <a:t> für </a:t>
+            </a:r>
+            <a:r>
+              <a:rPr lang="de-DE" sz="1800" dirty="0" err="1"/>
+              <a:t>DockerHub</a:t>
+            </a:r>
+            <a:endParaRPr lang="de-DE" sz="1800" dirty="0"/>
           </a:p>
           <a:p>
             <a:pPr lvl="1">
@@ -13090,22 +12979,8 @@
               <a:buChar char="•"/>
             </a:pPr>
             <a:r>
-              <a:rPr lang="en-US" sz="1400" dirty="0">
-                <a:latin typeface="Consolas" panose="020B0609020204030204" pitchFamily="49" charset="0"/>
-              </a:rPr>
-              <a:t>error during connect: Get http://docker:2376/v1.39/info: dial </a:t>
-            </a:r>
-            <a:r>
-              <a:rPr lang="en-US" sz="1400" dirty="0" err="1">
-                <a:latin typeface="Consolas" panose="020B0609020204030204" pitchFamily="49" charset="0"/>
-              </a:rPr>
-              <a:t>tcp</a:t>
-            </a:r>
-            <a:r>
-              <a:rPr lang="en-US" sz="1400" dirty="0">
-                <a:latin typeface="Consolas" panose="020B0609020204030204" pitchFamily="49" charset="0"/>
-              </a:rPr>
-              <a:t>: lookup docker on 192.168.0.1:53: no such host</a:t>
+              <a:rPr lang="de-DE" sz="1800" dirty="0"/>
+              <a:t>Sicht des Docker Clients: Weitere Registry</a:t>
             </a:r>
           </a:p>
           <a:p>
@@ -13113,25 +12988,36 @@
               <a:buFont typeface="Arial" panose="020B0604020202020204" pitchFamily="34" charset="0"/>
               <a:buChar char="•"/>
             </a:pPr>
-            <a:endParaRPr lang="en-US" sz="1400" dirty="0">
-              <a:latin typeface="Consolas" panose="020B0609020204030204" pitchFamily="49" charset="0"/>
-            </a:endParaRPr>
+            <a:r>
+              <a:rPr lang="de-DE" sz="1800" dirty="0"/>
+              <a:t>Verbessert Performance bei häufigen </a:t>
+            </a:r>
+            <a:r>
+              <a:rPr lang="de-DE" sz="1800" dirty="0" err="1"/>
+              <a:t>Builds</a:t>
+            </a:r>
+            <a:endParaRPr lang="de-DE" sz="1800" dirty="0"/>
           </a:p>
           <a:p>
             <a:pPr lvl="1">
               <a:buFont typeface="Arial" panose="020B0604020202020204" pitchFamily="34" charset="0"/>
               <a:buChar char="•"/>
             </a:pPr>
-            <a:endParaRPr lang="en-US" sz="1400" dirty="0">
-              <a:latin typeface="Consolas" panose="020B0609020204030204" pitchFamily="49" charset="0"/>
-            </a:endParaRPr>
+            <a:endParaRPr lang="de-DE" dirty="0"/>
+          </a:p>
+          <a:p>
+            <a:pPr lvl="1">
+              <a:buFont typeface="Arial" panose="020B0604020202020204" pitchFamily="34" charset="0"/>
+              <a:buChar char="•"/>
+            </a:pPr>
+            <a:endParaRPr lang="de-DE" dirty="0"/>
           </a:p>
         </p:txBody>
       </p:sp>
     </p:spTree>
     <p:extLst>
       <p:ext uri="{BB962C8B-B14F-4D97-AF65-F5344CB8AC3E}">
-        <p14:creationId xmlns:p14="http://schemas.microsoft.com/office/powerpoint/2010/main" val="1566046787"/>
+        <p14:creationId xmlns:p14="http://schemas.microsoft.com/office/powerpoint/2010/main" val="844561808"/>
       </p:ext>
     </p:extLst>
   </p:cSld>
@@ -13235,8 +13121,13 @@
             </a:pPr>
             <a:r>
               <a:rPr lang="de-DE" sz="2000" dirty="0"/>
-              <a:t>Lokaler Proxy</a:t>
-            </a:r>
+              <a:t>Docker Hub Rate </a:t>
+            </a:r>
+            <a:r>
+              <a:rPr lang="de-DE" sz="2000" dirty="0" err="1"/>
+              <a:t>Limiting</a:t>
+            </a:r>
+            <a:endParaRPr lang="de-DE" sz="2000" dirty="0"/>
           </a:p>
           <a:p>
             <a:pPr lvl="1">
@@ -13244,197 +13135,15 @@
               <a:buChar char="•"/>
             </a:pPr>
             <a:r>
-              <a:rPr lang="de-DE" sz="1800" dirty="0"/>
-              <a:t>Für häufig genutzte Upstream-Images</a:t>
-            </a:r>
-          </a:p>
-          <a:p>
-            <a:pPr lvl="1">
-              <a:buFont typeface="Arial" panose="020B0604020202020204" pitchFamily="34" charset="0"/>
-              <a:buChar char="•"/>
-            </a:pPr>
-            <a:r>
-              <a:rPr lang="de-DE" sz="1800" dirty="0"/>
-              <a:t>pull </a:t>
-            </a:r>
-            <a:r>
-              <a:rPr lang="de-DE" sz="1800" dirty="0" err="1"/>
-              <a:t>through</a:t>
+              <a:rPr lang="de-DE" sz="1800" dirty="0">
+                <a:hlinkClick r:id="rId3"/>
+              </a:rPr>
+              <a:t>https://docs.docker.com/docker-hub/download-rate-limit/</a:t>
             </a:r>
             <a:r>
               <a:rPr lang="de-DE" sz="1800" dirty="0"/>
               <a:t> </a:t>
             </a:r>
-            <a:r>
-              <a:rPr lang="de-DE" sz="1800" dirty="0" err="1"/>
-              <a:t>cache</a:t>
-            </a:r>
-            <a:r>
-              <a:rPr lang="de-DE" sz="1800" dirty="0"/>
-              <a:t> für </a:t>
-            </a:r>
-            <a:r>
-              <a:rPr lang="de-DE" sz="1800" dirty="0" err="1"/>
-              <a:t>DockerHub</a:t>
-            </a:r>
-            <a:endParaRPr lang="de-DE" sz="1800" dirty="0"/>
-          </a:p>
-          <a:p>
-            <a:pPr lvl="1">
-              <a:buFont typeface="Arial" panose="020B0604020202020204" pitchFamily="34" charset="0"/>
-              <a:buChar char="•"/>
-            </a:pPr>
-            <a:r>
-              <a:rPr lang="de-DE" sz="1800" dirty="0"/>
-              <a:t>Sicht des Docker Clients: Weitere Registry</a:t>
-            </a:r>
-          </a:p>
-          <a:p>
-            <a:pPr lvl="1">
-              <a:buFont typeface="Arial" panose="020B0604020202020204" pitchFamily="34" charset="0"/>
-              <a:buChar char="•"/>
-            </a:pPr>
-            <a:endParaRPr lang="de-DE" dirty="0"/>
-          </a:p>
-          <a:p>
-            <a:pPr lvl="1">
-              <a:buFont typeface="Arial" panose="020B0604020202020204" pitchFamily="34" charset="0"/>
-              <a:buChar char="•"/>
-            </a:pPr>
-            <a:endParaRPr lang="de-DE" dirty="0"/>
-          </a:p>
-        </p:txBody>
-      </p:sp>
-    </p:spTree>
-    <p:extLst>
-      <p:ext uri="{BB962C8B-B14F-4D97-AF65-F5344CB8AC3E}">
-        <p14:creationId xmlns:p14="http://schemas.microsoft.com/office/powerpoint/2010/main" val="844561808"/>
-      </p:ext>
-    </p:extLst>
-  </p:cSld>
-  <p:clrMapOvr>
-    <a:masterClrMapping/>
-  </p:clrMapOvr>
-</p:sld>
-</file>
-
-<file path=ppt/slides/slide33.xml><?xml version="1.0" encoding="utf-8"?>
-<p:sld xmlns:a="http://schemas.openxmlformats.org/drawingml/2006/main" xmlns:r="http://schemas.openxmlformats.org/officeDocument/2006/relationships" xmlns:p="http://schemas.openxmlformats.org/presentationml/2006/main">
-  <p:cSld>
-    <p:spTree>
-      <p:nvGrpSpPr>
-        <p:cNvPr id="1" name=""/>
-        <p:cNvGrpSpPr/>
-        <p:nvPr/>
-      </p:nvGrpSpPr>
-      <p:grpSpPr>
-        <a:xfrm>
-          <a:off x="0" y="0"/>
-          <a:ext cx="0" cy="0"/>
-          <a:chOff x="0" y="0"/>
-          <a:chExt cx="0" cy="0"/>
-        </a:xfrm>
-      </p:grpSpPr>
-      <p:sp>
-        <p:nvSpPr>
-          <p:cNvPr id="2" name="Titel 1">
-            <a:extLst>
-              <a:ext uri="{FF2B5EF4-FFF2-40B4-BE49-F238E27FC236}">
-                <a16:creationId xmlns:a16="http://schemas.microsoft.com/office/drawing/2014/main" id="{DB1F447C-2F61-B060-8EFE-D98620927A6E}"/>
-              </a:ext>
-            </a:extLst>
-          </p:cNvPr>
-          <p:cNvSpPr>
-            <a:spLocks noGrp="1"/>
-          </p:cNvSpPr>
-          <p:nvPr>
-            <p:ph type="title"/>
-          </p:nvPr>
-        </p:nvSpPr>
-        <p:spPr/>
-        <p:txBody>
-          <a:bodyPr/>
-          <a:lstStyle/>
-          <a:p>
-            <a:r>
-              <a:rPr lang="de-DE" cap="none" dirty="0"/>
-              <a:t>Release- und </a:t>
-            </a:r>
-            <a:r>
-              <a:rPr lang="de-DE" cap="none" dirty="0" err="1"/>
-              <a:t>Tagged</a:t>
-            </a:r>
-            <a:r>
-              <a:rPr lang="de-DE" cap="none" dirty="0"/>
-              <a:t>-Images</a:t>
-            </a:r>
-            <a:endParaRPr lang="de-DE" dirty="0"/>
-          </a:p>
-        </p:txBody>
-      </p:sp>
-      <p:sp>
-        <p:nvSpPr>
-          <p:cNvPr id="3" name="Inhaltsplatzhalter 2">
-            <a:extLst>
-              <a:ext uri="{FF2B5EF4-FFF2-40B4-BE49-F238E27FC236}">
-                <a16:creationId xmlns:a16="http://schemas.microsoft.com/office/drawing/2014/main" id="{68EC2247-CA50-F34D-5B3B-2171A8AD687B}"/>
-              </a:ext>
-            </a:extLst>
-          </p:cNvPr>
-          <p:cNvSpPr>
-            <a:spLocks noGrp="1"/>
-          </p:cNvSpPr>
-          <p:nvPr>
-            <p:ph idx="1"/>
-          </p:nvPr>
-        </p:nvSpPr>
-        <p:spPr/>
-        <p:txBody>
-          <a:bodyPr/>
-          <a:lstStyle/>
-          <a:p>
-            <a:pPr marL="0" indent="0">
-              <a:buNone/>
-            </a:pPr>
-            <a:r>
-              <a:rPr lang="de-DE" b="1" dirty="0" err="1"/>
-              <a:t>Dependency</a:t>
-            </a:r>
-            <a:r>
-              <a:rPr lang="de-DE" b="1" dirty="0"/>
-              <a:t> Proxy</a:t>
-            </a:r>
-          </a:p>
-          <a:p>
-            <a:pPr>
-              <a:buFont typeface="Arial" panose="020B0604020202020204" pitchFamily="34" charset="0"/>
-              <a:buChar char="•"/>
-            </a:pPr>
-            <a:r>
-              <a:rPr lang="de-DE" sz="2000" dirty="0"/>
-              <a:t>Docker Hub rate </a:t>
-            </a:r>
-            <a:r>
-              <a:rPr lang="de-DE" sz="2000" dirty="0" err="1"/>
-              <a:t>limiting</a:t>
-            </a:r>
-            <a:endParaRPr lang="de-DE" sz="2000" dirty="0"/>
-          </a:p>
-          <a:p>
-            <a:pPr lvl="1">
-              <a:buFont typeface="Arial" panose="020B0604020202020204" pitchFamily="34" charset="0"/>
-              <a:buChar char="•"/>
-            </a:pPr>
-            <a:r>
-              <a:rPr lang="de-DE" sz="1800" dirty="0">
-                <a:hlinkClick r:id="rId3"/>
-              </a:rPr>
-              <a:t>https://docs.docker.com/docker-hub/download-rate-limit/</a:t>
-            </a:r>
-            <a:r>
-              <a:rPr lang="de-DE" sz="1800" dirty="0"/>
-              <a:t> </a:t>
-            </a:r>
           </a:p>
           <a:p>
             <a:pPr lvl="1">
@@ -13447,7 +13156,7 @@
             </a:r>
             <a:r>
               <a:rPr lang="de-DE" sz="1800" dirty="0" err="1"/>
-              <a:t>pulls</a:t>
+              <a:t>Pulls</a:t>
             </a:r>
             <a:endParaRPr lang="de-DE" sz="1800" dirty="0"/>
           </a:p>
@@ -13458,15 +13167,7 @@
             </a:pPr>
             <a:r>
               <a:rPr lang="de-DE" sz="1800" dirty="0"/>
-              <a:t>Pro </a:t>
-            </a:r>
-            <a:r>
-              <a:rPr lang="de-DE" sz="1800" dirty="0" err="1"/>
-              <a:t>commit</a:t>
-            </a:r>
-            <a:r>
-              <a:rPr lang="de-DE" sz="1800" dirty="0"/>
-              <a:t> eine Pipeline angestoßen</a:t>
+              <a:t>Pro Commit eine Pipeline angestoßen</a:t>
             </a:r>
           </a:p>
           <a:p>
@@ -13488,7 +13189,7 @@
               <a:rPr lang="de-DE" sz="1600" dirty="0" err="1">
                 <a:sym typeface="Wingdings" panose="05000000000000000000" pitchFamily="2" charset="2"/>
               </a:rPr>
-              <a:t>requets</a:t>
+              <a:t>requests</a:t>
             </a:r>
             <a:r>
               <a:rPr lang="de-DE" sz="1600" dirty="0">
@@ -13626,8 +13327,8 @@
 </p:sld>
 </file>
 
-<file path=ppt/slides/slide34.xml><?xml version="1.0" encoding="utf-8"?>
-<p:sld xmlns:a="http://schemas.openxmlformats.org/drawingml/2006/main" xmlns:r="http://schemas.openxmlformats.org/officeDocument/2006/relationships" xmlns:p="http://schemas.openxmlformats.org/presentationml/2006/main">
+<file path=ppt/slides/slide33.xml><?xml version="1.0" encoding="utf-8"?>
+<p:sld xmlns:a="http://schemas.openxmlformats.org/drawingml/2006/main" xmlns:r="http://schemas.openxmlformats.org/officeDocument/2006/relationships" xmlns:p="http://schemas.openxmlformats.org/presentationml/2006/main" show="0">
   <p:cSld>
     <p:spTree>
       <p:nvGrpSpPr>
@@ -13795,7 +13496,35 @@
             </a:r>
             <a:r>
               <a:rPr lang="en-US" sz="2000" dirty="0"/>
-              <a:t> auf die Registry </a:t>
+              <a:t> auf </a:t>
+            </a:r>
+            <a:r>
+              <a:rPr lang="en-US" sz="2000" i="1" dirty="0"/>
+              <a:t>docker</a:t>
+            </a:r>
+            <a:r>
+              <a:rPr lang="en-US" sz="2000" dirty="0"/>
+              <a:t> </a:t>
+            </a:r>
+            <a:r>
+              <a:rPr lang="en-US" sz="2000" dirty="0" err="1"/>
+              <a:t>bzw</a:t>
+            </a:r>
+            <a:r>
+              <a:rPr lang="en-US" sz="2000" dirty="0"/>
+              <a:t>. </a:t>
+            </a:r>
+            <a:r>
+              <a:rPr lang="en-US" sz="2000" i="1" dirty="0"/>
+              <a:t>docker-</a:t>
+            </a:r>
+            <a:r>
+              <a:rPr lang="en-US" sz="2000" i="1" dirty="0" err="1"/>
+              <a:t>dind</a:t>
+            </a:r>
+            <a:r>
+              <a:rPr lang="en-US" sz="2000" dirty="0"/>
+              <a:t> Image </a:t>
             </a:r>
             <a:r>
               <a:rPr lang="en-US" sz="2000" dirty="0" err="1"/>
@@ -13827,22 +13556,27 @@
             </a:r>
             <a:r>
               <a:rPr lang="en-US" sz="2000" dirty="0"/>
+              <a:t> für </a:t>
+            </a:r>
+            <a:r>
+              <a:rPr lang="en-US" sz="2000" i="1" dirty="0"/>
+              <a:t>docker-</a:t>
+            </a:r>
+            <a:r>
+              <a:rPr lang="en-US" sz="2000" i="1" dirty="0" err="1"/>
+              <a:t>dind</a:t>
+            </a:r>
+            <a:r>
+              <a:rPr lang="en-US" sz="2000" dirty="0"/>
               <a:t> </a:t>
             </a:r>
             <a:r>
               <a:rPr lang="en-US" sz="2000" dirty="0" err="1"/>
-              <a:t>hinzufügen</a:t>
-            </a:r>
-            <a:r>
-              <a:rPr lang="en-US" sz="2000" dirty="0"/>
-              <a:t> für den </a:t>
-            </a:r>
-            <a:r>
-              <a:rPr lang="en-US" sz="2000" dirty="0">
-                <a:latin typeface="Consolas" panose="020B0609020204030204" pitchFamily="49" charset="0"/>
-              </a:rPr>
-              <a:t>service</a:t>
-            </a:r>
+              <a:t>definieren</a:t>
+            </a:r>
+            <a:endParaRPr lang="en-US" sz="2000" dirty="0">
+              <a:latin typeface="Consolas" panose="020B0609020204030204" pitchFamily="49" charset="0"/>
+            </a:endParaRPr>
           </a:p>
           <a:p>
             <a:pPr marL="457200" indent="-457200">
@@ -14414,8 +14148,8 @@
 </p:sld>
 </file>
 
-<file path=ppt/slides/slide35.xml><?xml version="1.0" encoding="utf-8"?>
-<p:sld xmlns:a="http://schemas.openxmlformats.org/drawingml/2006/main" xmlns:r="http://schemas.openxmlformats.org/officeDocument/2006/relationships" xmlns:p="http://schemas.openxmlformats.org/presentationml/2006/main">
+<file path=ppt/slides/slide34.xml><?xml version="1.0" encoding="utf-8"?>
+<p:sld xmlns:a="http://schemas.openxmlformats.org/drawingml/2006/main" xmlns:r="http://schemas.openxmlformats.org/officeDocument/2006/relationships" xmlns:p="http://schemas.openxmlformats.org/presentationml/2006/main" show="0">
   <p:cSld>
     <p:spTree>
       <p:nvGrpSpPr>
@@ -14821,39 +14555,8 @@
                 <a:ea typeface="+mn-ea"/>
                 <a:cs typeface="+mn-cs"/>
               </a:rPr>
-              <a:t>/</a:t>
-            </a:r>
-            <a:r>
-              <a:rPr kumimoji="0" lang="en-US" sz="1600" b="0" i="0" u="none" strike="noStrike" kern="0" cap="none" spc="0" normalizeH="0" baseline="0" noProof="0">
-                <a:ln>
-                  <a:noFill/>
-                </a:ln>
-                <a:solidFill>
-                  <a:srgbClr val="000000"/>
-                </a:solidFill>
-                <a:effectLst/>
-                <a:uLnTx/>
-                <a:uFillTx/>
-                <a:latin typeface="Consolas" panose="020B0609020204030204" pitchFamily="49" charset="0"/>
-                <a:ea typeface="+mn-ea"/>
-                <a:cs typeface="+mn-cs"/>
-              </a:rPr>
-              <a:t>docker:20.10.16-dind</a:t>
-            </a:r>
-            <a:endParaRPr kumimoji="0" lang="en-US" sz="1600" b="0" i="0" u="none" strike="noStrike" kern="0" cap="none" spc="0" normalizeH="0" baseline="0" noProof="0" dirty="0">
-              <a:ln>
-                <a:noFill/>
-              </a:ln>
-              <a:solidFill>
-                <a:srgbClr val="000000"/>
-              </a:solidFill>
-              <a:effectLst/>
-              <a:uLnTx/>
-              <a:uFillTx/>
-              <a:latin typeface="Consolas" panose="020B0609020204030204" pitchFamily="49" charset="0"/>
-              <a:ea typeface="+mn-ea"/>
-              <a:cs typeface="+mn-cs"/>
-            </a:endParaRPr>
+              <a:t>/docker:20.10.16-dind</a:t>
+            </a:r>
           </a:p>
           <a:p>
             <a:pPr marL="0" marR="0" lvl="0" indent="0" algn="l" defTabSz="914400" rtl="0" eaLnBrk="1" fontAlgn="base" latinLnBrk="0" hangingPunct="1">
@@ -15125,7 +14828,7 @@
                 </a:solidFill>
                 <a:latin typeface="+mj-lt"/>
               </a:rPr>
-              <a:t>service alias </a:t>
+              <a:t>alias </a:t>
             </a:r>
             <a:r>
               <a:rPr lang="en-US" sz="2000" dirty="0" err="1">
@@ -15137,31 +14840,31 @@
               <a:rPr lang="en-US" sz="2000" dirty="0">
                 <a:latin typeface="+mj-lt"/>
               </a:rPr>
-              <a:t> das Container Image den </a:t>
-            </a:r>
-            <a:r>
-              <a:rPr lang="en-US" sz="2000" dirty="0" err="1">
-                <a:latin typeface="Consolas" panose="020B0609020204030204" pitchFamily="49" charset="0"/>
-              </a:rPr>
-              <a:t>dind</a:t>
+              <a:t> das </a:t>
+            </a:r>
+            <a:r>
+              <a:rPr lang="en-US" sz="2000" i="1" dirty="0">
+                <a:latin typeface="+mj-lt"/>
+              </a:rPr>
+              <a:t>docker</a:t>
             </a:r>
             <a:r>
               <a:rPr lang="en-US" sz="2000" dirty="0">
                 <a:latin typeface="+mj-lt"/>
               </a:rPr>
-              <a:t> service </a:t>
+              <a:t> Container Image </a:t>
             </a:r>
             <a:r>
               <a:rPr lang="en-US" sz="2000" dirty="0" err="1">
                 <a:latin typeface="+mj-lt"/>
               </a:rPr>
-              <a:t>nicht</a:t>
+              <a:t>keinen</a:t>
             </a:r>
             <a:r>
               <a:rPr lang="en-US" sz="2000" dirty="0">
                 <a:latin typeface="+mj-lt"/>
               </a:rPr>
-              <a:t> </a:t>
+              <a:t> Docker Host </a:t>
             </a:r>
             <a:r>
               <a:rPr lang="en-US" sz="2000" dirty="0" err="1">
@@ -15269,6 +14972,359 @@
     <p:extLst>
       <p:ext uri="{BB962C8B-B14F-4D97-AF65-F5344CB8AC3E}">
         <p14:creationId xmlns:p14="http://schemas.microsoft.com/office/powerpoint/2010/main" val="3445805958"/>
+      </p:ext>
+    </p:extLst>
+  </p:cSld>
+  <p:clrMapOvr>
+    <a:masterClrMapping/>
+  </p:clrMapOvr>
+</p:sld>
+</file>
+
+<file path=ppt/slides/slide35.xml><?xml version="1.0" encoding="utf-8"?>
+<p:sld xmlns:a="http://schemas.openxmlformats.org/drawingml/2006/main" xmlns:r="http://schemas.openxmlformats.org/officeDocument/2006/relationships" xmlns:p="http://schemas.openxmlformats.org/presentationml/2006/main">
+  <p:cSld>
+    <p:spTree>
+      <p:nvGrpSpPr>
+        <p:cNvPr id="1" name=""/>
+        <p:cNvGrpSpPr/>
+        <p:nvPr/>
+      </p:nvGrpSpPr>
+      <p:grpSpPr>
+        <a:xfrm>
+          <a:off x="0" y="0"/>
+          <a:ext cx="0" cy="0"/>
+          <a:chOff x="0" y="0"/>
+          <a:chExt cx="0" cy="0"/>
+        </a:xfrm>
+      </p:grpSpPr>
+      <p:sp>
+        <p:nvSpPr>
+          <p:cNvPr id="2" name="Titel 1">
+            <a:extLst>
+              <a:ext uri="{FF2B5EF4-FFF2-40B4-BE49-F238E27FC236}">
+                <a16:creationId xmlns:a16="http://schemas.microsoft.com/office/drawing/2014/main" id="{0A6ADA43-34C1-347C-FD8E-BF87A5A77FC5}"/>
+              </a:ext>
+            </a:extLst>
+          </p:cNvPr>
+          <p:cNvSpPr>
+            <a:spLocks noGrp="1"/>
+          </p:cNvSpPr>
+          <p:nvPr>
+            <p:ph type="title"/>
+          </p:nvPr>
+        </p:nvSpPr>
+        <p:spPr/>
+        <p:txBody>
+          <a:bodyPr/>
+          <a:lstStyle/>
+          <a:p>
+            <a:r>
+              <a:rPr lang="de-DE" cap="none" dirty="0"/>
+              <a:t>Release- und </a:t>
+            </a:r>
+            <a:r>
+              <a:rPr lang="de-DE" cap="none" dirty="0" err="1"/>
+              <a:t>Tagged</a:t>
+            </a:r>
+            <a:r>
+              <a:rPr lang="de-DE" cap="none" dirty="0"/>
+              <a:t>-Images</a:t>
+            </a:r>
+            <a:endParaRPr lang="de-DE" dirty="0"/>
+          </a:p>
+        </p:txBody>
+      </p:sp>
+      <p:sp>
+        <p:nvSpPr>
+          <p:cNvPr id="3" name="Inhaltsplatzhalter 2">
+            <a:extLst>
+              <a:ext uri="{FF2B5EF4-FFF2-40B4-BE49-F238E27FC236}">
+                <a16:creationId xmlns:a16="http://schemas.microsoft.com/office/drawing/2014/main" id="{4D911ADB-7C0F-98E1-85DA-1C884339CE08}"/>
+              </a:ext>
+            </a:extLst>
+          </p:cNvPr>
+          <p:cNvSpPr>
+            <a:spLocks noGrp="1"/>
+          </p:cNvSpPr>
+          <p:nvPr>
+            <p:ph idx="1"/>
+          </p:nvPr>
+        </p:nvSpPr>
+        <p:spPr/>
+        <p:txBody>
+          <a:bodyPr/>
+          <a:lstStyle/>
+          <a:p>
+            <a:pPr marL="0" indent="0">
+              <a:buNone/>
+            </a:pPr>
+            <a:r>
+              <a:rPr lang="de-DE" b="1" dirty="0"/>
+              <a:t>Aufgabe 1: Einfache Docker-in-Docker </a:t>
+            </a:r>
+            <a:r>
+              <a:rPr lang="de-DE" b="1" dirty="0" err="1"/>
+              <a:t>Build</a:t>
+            </a:r>
+            <a:r>
+              <a:rPr lang="de-DE" b="1" dirty="0"/>
+              <a:t>-Pipeline</a:t>
+            </a:r>
+          </a:p>
+          <a:p>
+            <a:pPr marL="457200" indent="-457200">
+              <a:buFont typeface="+mj-lt"/>
+              <a:buAutoNum type="arabicPeriod"/>
+            </a:pPr>
+            <a:r>
+              <a:rPr lang="de-DE" b="1" dirty="0"/>
+              <a:t>Ziel: </a:t>
+            </a:r>
+            <a:r>
+              <a:rPr lang="de-DE" dirty="0" err="1"/>
+              <a:t>Verständis</a:t>
+            </a:r>
+            <a:r>
+              <a:rPr lang="de-DE" dirty="0"/>
+              <a:t> von </a:t>
+            </a:r>
+            <a:r>
+              <a:rPr lang="de-DE" dirty="0" err="1"/>
+              <a:t>dind</a:t>
+            </a:r>
+            <a:r>
+              <a:rPr lang="de-DE" dirty="0"/>
+              <a:t> schaffen</a:t>
+            </a:r>
+          </a:p>
+          <a:p>
+            <a:pPr marL="457200" indent="-457200">
+              <a:buFont typeface="+mj-lt"/>
+              <a:buAutoNum type="arabicPeriod"/>
+            </a:pPr>
+            <a:r>
+              <a:rPr lang="de-DE" b="1" dirty="0"/>
+              <a:t>Schritte:</a:t>
+            </a:r>
+          </a:p>
+          <a:p>
+            <a:pPr marL="857250" lvl="1" indent="-457200">
+              <a:buFont typeface="Arial" panose="020B0604020202020204" pitchFamily="34" charset="0"/>
+              <a:buChar char="•"/>
+            </a:pPr>
+            <a:r>
+              <a:rPr lang="de-DE" b="1" dirty="0"/>
+              <a:t>.</a:t>
+            </a:r>
+            <a:r>
+              <a:rPr lang="de-DE" dirty="0" err="1"/>
+              <a:t>gitlab-ci.yml</a:t>
+            </a:r>
+            <a:r>
+              <a:rPr lang="de-DE" dirty="0"/>
+              <a:t> dem Projekt hinzufügen oder vorhandene nutzen</a:t>
+            </a:r>
+          </a:p>
+          <a:p>
+            <a:pPr marL="857250" lvl="1" indent="-457200">
+              <a:buFont typeface="Arial" panose="020B0604020202020204" pitchFamily="34" charset="0"/>
+              <a:buChar char="•"/>
+            </a:pPr>
+            <a:r>
+              <a:rPr lang="de-DE" dirty="0"/>
+              <a:t>Als </a:t>
+            </a:r>
+            <a:r>
+              <a:rPr lang="de-DE" dirty="0" err="1"/>
+              <a:t>image</a:t>
+            </a:r>
+            <a:r>
+              <a:rPr lang="de-DE" dirty="0"/>
+              <a:t> folgendes verwenden: </a:t>
+            </a:r>
+            <a:r>
+              <a:rPr lang="de-DE" sz="2000" dirty="0">
+                <a:latin typeface="Consolas" panose="020B0609020204030204" pitchFamily="49" charset="0"/>
+              </a:rPr>
+              <a:t>docker:20.10.16</a:t>
+            </a:r>
+          </a:p>
+          <a:p>
+            <a:pPr marL="857250" lvl="1" indent="-457200">
+              <a:buFont typeface="Arial" panose="020B0604020202020204" pitchFamily="34" charset="0"/>
+              <a:buChar char="•"/>
+            </a:pPr>
+            <a:r>
+              <a:rPr lang="de-DE" dirty="0"/>
+              <a:t>Die </a:t>
+            </a:r>
+            <a:r>
+              <a:rPr lang="de-DE" dirty="0" err="1">
+                <a:latin typeface="Consolas" panose="020B0609020204030204" pitchFamily="49" charset="0"/>
+              </a:rPr>
+              <a:t>stage</a:t>
+            </a:r>
+            <a:r>
+              <a:rPr lang="de-DE" dirty="0"/>
+              <a:t> sollte </a:t>
+            </a:r>
+            <a:r>
+              <a:rPr lang="de-DE" dirty="0" err="1">
+                <a:latin typeface="Consolas" panose="020B0609020204030204" pitchFamily="49" charset="0"/>
+              </a:rPr>
+              <a:t>build</a:t>
+            </a:r>
+            <a:r>
+              <a:rPr lang="de-DE" dirty="0"/>
+              <a:t> sein</a:t>
+            </a:r>
+          </a:p>
+          <a:p>
+            <a:pPr marL="857250" lvl="1" indent="-457200">
+              <a:buFont typeface="Arial" panose="020B0604020202020204" pitchFamily="34" charset="0"/>
+              <a:buChar char="•"/>
+            </a:pPr>
+            <a:r>
+              <a:rPr lang="de-DE" dirty="0"/>
+              <a:t>Als </a:t>
+            </a:r>
+            <a:r>
+              <a:rPr lang="de-DE" dirty="0" err="1">
+                <a:latin typeface="Consolas" panose="020B0609020204030204" pitchFamily="49" charset="0"/>
+              </a:rPr>
+              <a:t>service</a:t>
+            </a:r>
+            <a:r>
+              <a:rPr lang="de-DE" dirty="0"/>
+              <a:t> das Image als </a:t>
+            </a:r>
+            <a:r>
+              <a:rPr lang="de-DE" dirty="0">
+                <a:latin typeface="Consolas" panose="020B0609020204030204" pitchFamily="49" charset="0"/>
+              </a:rPr>
+              <a:t>–</a:t>
+            </a:r>
+            <a:r>
+              <a:rPr lang="de-DE" dirty="0" err="1">
+                <a:latin typeface="Consolas" panose="020B0609020204030204" pitchFamily="49" charset="0"/>
+                <a:cs typeface="Calibri" panose="020F0502020204030204" pitchFamily="34" charset="0"/>
+              </a:rPr>
+              <a:t>dind</a:t>
+            </a:r>
+            <a:r>
+              <a:rPr lang="de-DE" dirty="0"/>
+              <a:t> einbinden</a:t>
+            </a:r>
+          </a:p>
+          <a:p>
+            <a:pPr marL="857250" lvl="1" indent="-457200">
+              <a:buFont typeface="Arial" panose="020B0604020202020204" pitchFamily="34" charset="0"/>
+              <a:buChar char="•"/>
+            </a:pPr>
+            <a:r>
+              <a:rPr lang="de-DE" dirty="0"/>
+              <a:t>Im </a:t>
+            </a:r>
+            <a:r>
+              <a:rPr lang="de-DE" dirty="0" err="1">
+                <a:latin typeface="Consolas" panose="020B0609020204030204" pitchFamily="49" charset="0"/>
+              </a:rPr>
+              <a:t>script</a:t>
+            </a:r>
+            <a:r>
+              <a:rPr lang="de-DE" dirty="0"/>
+              <a:t> Teil sollte folgendes passieren</a:t>
+            </a:r>
+          </a:p>
+          <a:p>
+            <a:pPr marL="1257300" lvl="2" indent="-457200">
+              <a:buFont typeface="+mj-lt"/>
+              <a:buAutoNum type="arabicPeriod"/>
+            </a:pPr>
+            <a:r>
+              <a:rPr lang="de-DE" sz="1800" dirty="0"/>
+              <a:t>Bei der Container Registry einloggen (</a:t>
+            </a:r>
+            <a:r>
+              <a:rPr lang="de-DE" sz="1800" dirty="0" err="1"/>
+              <a:t>docker</a:t>
+            </a:r>
+            <a:r>
+              <a:rPr lang="de-DE" sz="1800" dirty="0"/>
+              <a:t> </a:t>
+            </a:r>
+            <a:r>
+              <a:rPr lang="de-DE" sz="1800" dirty="0" err="1"/>
+              <a:t>login</a:t>
+            </a:r>
+            <a:r>
+              <a:rPr lang="de-DE" sz="1800" dirty="0"/>
+              <a:t>)</a:t>
+            </a:r>
+          </a:p>
+          <a:p>
+            <a:pPr marL="1257300" lvl="2" indent="-457200">
+              <a:buFont typeface="+mj-lt"/>
+              <a:buAutoNum type="arabicPeriod"/>
+            </a:pPr>
+            <a:r>
+              <a:rPr lang="de-DE" sz="1800" dirty="0"/>
+              <a:t>Das Container Image aus dem aktuellen Projekt bauen (</a:t>
+            </a:r>
+            <a:r>
+              <a:rPr lang="de-DE" sz="1800" dirty="0" err="1"/>
+              <a:t>docker</a:t>
+            </a:r>
+            <a:r>
+              <a:rPr lang="de-DE" sz="1800" dirty="0"/>
+              <a:t> </a:t>
+            </a:r>
+            <a:r>
+              <a:rPr lang="de-DE" sz="1800" dirty="0" err="1"/>
+              <a:t>build</a:t>
+            </a:r>
+            <a:r>
+              <a:rPr lang="de-DE" sz="1800" dirty="0"/>
+              <a:t>)</a:t>
+            </a:r>
+          </a:p>
+          <a:p>
+            <a:pPr marL="1257300" lvl="2" indent="-457200">
+              <a:buFont typeface="+mj-lt"/>
+              <a:buAutoNum type="arabicPeriod"/>
+            </a:pPr>
+            <a:r>
+              <a:rPr lang="de-DE" sz="1800" dirty="0"/>
+              <a:t>Das gebaute Image in die Registry pushen (</a:t>
+            </a:r>
+            <a:r>
+              <a:rPr lang="de-DE" sz="1800" dirty="0" err="1"/>
+              <a:t>docker</a:t>
+            </a:r>
+            <a:r>
+              <a:rPr lang="de-DE" sz="1800" dirty="0"/>
+              <a:t> push)</a:t>
+            </a:r>
+          </a:p>
+          <a:p>
+            <a:pPr marL="0" indent="0">
+              <a:buNone/>
+            </a:pPr>
+            <a:endParaRPr lang="de-DE" b="1" dirty="0"/>
+          </a:p>
+          <a:p>
+            <a:pPr marL="0" indent="0">
+              <a:buNone/>
+            </a:pPr>
+            <a:endParaRPr lang="de-DE" b="1" dirty="0"/>
+          </a:p>
+        </p:txBody>
+      </p:sp>
+    </p:spTree>
+    <p:extLst>
+      <p:ext uri="{BB962C8B-B14F-4D97-AF65-F5344CB8AC3E}">
+        <p14:creationId xmlns:p14="http://schemas.microsoft.com/office/powerpoint/2010/main" val="2914279323"/>
       </p:ext>
     </p:extLst>
   </p:cSld>
@@ -15358,15 +15414,7 @@
             </a:pPr>
             <a:r>
               <a:rPr lang="de-DE" b="1" dirty="0"/>
-              <a:t>Aufgabe 1: Simple Docker-in-Docker </a:t>
-            </a:r>
-            <a:r>
-              <a:rPr lang="de-DE" b="1" dirty="0" err="1"/>
-              <a:t>Build</a:t>
-            </a:r>
-            <a:r>
-              <a:rPr lang="de-DE" b="1" dirty="0"/>
-              <a:t>-Pipeline</a:t>
+              <a:t>Aufgabe 2: Docker-in-Docker mit Variablen erweitern</a:t>
             </a:r>
           </a:p>
           <a:p>
@@ -15384,15 +15432,7 @@
             </a:r>
             <a:r>
               <a:rPr lang="de-DE" dirty="0"/>
-              <a:t> von </a:t>
-            </a:r>
-            <a:r>
-              <a:rPr lang="de-DE" dirty="0" err="1"/>
-              <a:t>dind</a:t>
-            </a:r>
-            <a:r>
-              <a:rPr lang="de-DE" dirty="0"/>
-              <a:t> schaffen</a:t>
+              <a:t> der Variablen schärfen</a:t>
             </a:r>
           </a:p>
           <a:p>
@@ -15411,16 +15451,18 @@
               <a:buChar char="•"/>
             </a:pPr>
             <a:r>
-              <a:rPr lang="de-DE" b="1" dirty="0"/>
-              <a:t>.</a:t>
-            </a:r>
-            <a:r>
-              <a:rPr lang="de-DE" dirty="0" err="1"/>
-              <a:t>gitlab-ci.yml</a:t>
-            </a:r>
-            <a:r>
               <a:rPr lang="de-DE" dirty="0"/>
-              <a:t> dem Projekt hinzufügen oder vorhandene nutzen</a:t>
+              <a:t>Fügen Sie die Variable </a:t>
+            </a:r>
+            <a:r>
+              <a:rPr lang="de-DE" sz="2000" dirty="0">
+                <a:latin typeface="Consolas" panose="020B0609020204030204" pitchFamily="49" charset="0"/>
+              </a:rPr>
+              <a:t>IMAGE_TAG</a:t>
+            </a:r>
+            <a:r>
+              <a:rPr lang="de-DE" sz="2000" dirty="0"/>
+              <a:t> hinzu</a:t>
             </a:r>
           </a:p>
           <a:p>
@@ -15430,21 +15472,17 @@
             </a:pPr>
             <a:r>
               <a:rPr lang="de-DE" dirty="0"/>
-              <a:t>Als </a:t>
-            </a:r>
-            <a:r>
-              <a:rPr lang="de-DE" dirty="0" err="1"/>
-              <a:t>image</a:t>
+              <a:t>Nutzen Sie die neue Variable im </a:t>
+            </a:r>
+            <a:r>
+              <a:rPr lang="de-DE" dirty="0" err="1">
+                <a:latin typeface="Consolas" panose="020B0609020204030204" pitchFamily="49" charset="0"/>
+              </a:rPr>
+              <a:t>script</a:t>
             </a:r>
             <a:r>
               <a:rPr lang="de-DE" dirty="0"/>
-              <a:t> folgendes verwenden: </a:t>
-            </a:r>
-            <a:r>
-              <a:rPr lang="de-DE" sz="2000" dirty="0">
-                <a:latin typeface="Consolas" panose="020B0609020204030204" pitchFamily="49" charset="0"/>
-              </a:rPr>
-              <a:t>docker:20.10.16</a:t>
+              <a:t> Teil</a:t>
             </a:r>
           </a:p>
           <a:p>
@@ -15452,184 +15490,120 @@
               <a:buFont typeface="Arial" panose="020B0604020202020204" pitchFamily="34" charset="0"/>
               <a:buChar char="•"/>
             </a:pPr>
-            <a:r>
-              <a:rPr lang="de-DE" dirty="0"/>
-              <a:t>Die </a:t>
-            </a:r>
-            <a:r>
-              <a:rPr lang="de-DE" dirty="0" err="1">
-                <a:latin typeface="Consolas" panose="020B0609020204030204" pitchFamily="49" charset="0"/>
-              </a:rPr>
-              <a:t>stage</a:t>
-            </a:r>
-            <a:r>
-              <a:rPr lang="de-DE" dirty="0"/>
-              <a:t> sollte </a:t>
-            </a:r>
-            <a:r>
-              <a:rPr lang="de-DE" dirty="0" err="1">
-                <a:latin typeface="Consolas" panose="020B0609020204030204" pitchFamily="49" charset="0"/>
-              </a:rPr>
-              <a:t>build</a:t>
-            </a:r>
-            <a:r>
-              <a:rPr lang="de-DE" dirty="0"/>
-              <a:t> sein</a:t>
-            </a:r>
-          </a:p>
-          <a:p>
-            <a:pPr marL="857250" lvl="1" indent="-457200">
-              <a:buFont typeface="Arial" panose="020B0604020202020204" pitchFamily="34" charset="0"/>
-              <a:buChar char="•"/>
-            </a:pPr>
-            <a:r>
-              <a:rPr lang="de-DE" dirty="0"/>
-              <a:t>Als </a:t>
-            </a:r>
-            <a:r>
-              <a:rPr lang="de-DE" dirty="0" err="1">
-                <a:latin typeface="Consolas" panose="020B0609020204030204" pitchFamily="49" charset="0"/>
-              </a:rPr>
-              <a:t>service</a:t>
-            </a:r>
-            <a:r>
-              <a:rPr lang="de-DE" dirty="0"/>
-              <a:t> das Image als </a:t>
-            </a:r>
-            <a:r>
-              <a:rPr lang="de-DE" dirty="0">
-                <a:latin typeface="Consolas" panose="020B0609020204030204" pitchFamily="49" charset="0"/>
-              </a:rPr>
-              <a:t>–</a:t>
-            </a:r>
-            <a:r>
-              <a:rPr lang="de-DE" dirty="0" err="1">
-                <a:latin typeface="Consolas" panose="020B0609020204030204" pitchFamily="49" charset="0"/>
-                <a:cs typeface="Calibri" panose="020F0502020204030204" pitchFamily="34" charset="0"/>
-              </a:rPr>
-              <a:t>dind</a:t>
-            </a:r>
-            <a:r>
-              <a:rPr lang="de-DE" dirty="0"/>
-              <a:t> verwenden</a:t>
-            </a:r>
-          </a:p>
-          <a:p>
-            <a:pPr marL="857250" lvl="1" indent="-457200">
-              <a:buFont typeface="Arial" panose="020B0604020202020204" pitchFamily="34" charset="0"/>
-              <a:buChar char="•"/>
-            </a:pPr>
-            <a:r>
-              <a:rPr lang="de-DE" dirty="0"/>
-              <a:t>Im </a:t>
-            </a:r>
-            <a:r>
-              <a:rPr lang="de-DE" dirty="0" err="1">
-                <a:latin typeface="Consolas" panose="020B0609020204030204" pitchFamily="49" charset="0"/>
-              </a:rPr>
-              <a:t>script</a:t>
-            </a:r>
-            <a:r>
-              <a:rPr lang="de-DE" dirty="0"/>
-              <a:t> Teil sollte folgendes passieren</a:t>
-            </a:r>
-          </a:p>
-          <a:p>
-            <a:pPr marL="1257300" lvl="2" indent="-457200">
+            <a:endParaRPr lang="de-DE" dirty="0"/>
+          </a:p>
+          <a:p>
+            <a:pPr marL="457200" indent="-457200">
               <a:buFont typeface="+mj-lt"/>
               <a:buAutoNum type="arabicPeriod"/>
             </a:pPr>
             <a:r>
-              <a:rPr lang="de-DE" sz="1800" dirty="0"/>
-              <a:t>Bei der Container Registry einloggen (</a:t>
-            </a:r>
-            <a:r>
-              <a:rPr lang="de-DE" sz="1800" dirty="0" err="1"/>
-              <a:t>docker</a:t>
-            </a:r>
-            <a:r>
-              <a:rPr lang="de-DE" sz="1800" dirty="0"/>
-              <a:t> </a:t>
-            </a:r>
-            <a:r>
-              <a:rPr lang="de-DE" sz="1800" dirty="0" err="1"/>
-              <a:t>login</a:t>
-            </a:r>
-            <a:r>
-              <a:rPr lang="de-DE" sz="1800" dirty="0"/>
-              <a:t>)</a:t>
-            </a:r>
-          </a:p>
-          <a:p>
-            <a:pPr marL="1257300" lvl="2" indent="-457200">
-              <a:buFont typeface="+mj-lt"/>
-              <a:buAutoNum type="arabicPeriod"/>
-            </a:pPr>
-            <a:r>
-              <a:rPr lang="de-DE" sz="1800" dirty="0"/>
-              <a:t>Das Container Image aus dem </a:t>
-            </a:r>
-            <a:r>
-              <a:rPr lang="de-DE" sz="1800" dirty="0" err="1"/>
-              <a:t>aktueleln</a:t>
-            </a:r>
-            <a:r>
-              <a:rPr lang="de-DE" sz="1800" dirty="0"/>
-              <a:t> Projekt bauen (</a:t>
-            </a:r>
-            <a:r>
-              <a:rPr lang="de-DE" sz="1800" dirty="0" err="1"/>
-              <a:t>docker</a:t>
-            </a:r>
-            <a:r>
-              <a:rPr lang="de-DE" sz="1800" dirty="0"/>
-              <a:t> </a:t>
-            </a:r>
-            <a:r>
-              <a:rPr lang="de-DE" sz="1800" dirty="0" err="1"/>
+              <a:rPr lang="de-DE" b="1" dirty="0"/>
+              <a:t>Hinweise:</a:t>
+            </a:r>
+          </a:p>
+          <a:p>
+            <a:pPr marL="857250" lvl="1" indent="-457200">
+              <a:buFont typeface="Arial" panose="020B0604020202020204" pitchFamily="34" charset="0"/>
+              <a:buChar char="•"/>
+            </a:pPr>
+            <a:r>
+              <a:rPr lang="de-DE" dirty="0"/>
+              <a:t>IMAGE_TAG wird später beim </a:t>
+            </a:r>
+            <a:r>
+              <a:rPr lang="de-DE" dirty="0" err="1"/>
               <a:t>build</a:t>
             </a:r>
             <a:r>
-              <a:rPr lang="de-DE" sz="1800" dirty="0"/>
-              <a:t>)</a:t>
-            </a:r>
-          </a:p>
-          <a:p>
-            <a:pPr marL="1257300" lvl="2" indent="-457200">
-              <a:buFont typeface="+mj-lt"/>
-              <a:buAutoNum type="arabicPeriod"/>
-            </a:pPr>
-            <a:r>
-              <a:rPr lang="de-DE" sz="1800" dirty="0"/>
-              <a:t>Das gebaute Image in die Registry pushen (</a:t>
-            </a:r>
-            <a:r>
-              <a:rPr lang="de-DE" sz="1800" dirty="0" err="1"/>
-              <a:t>docker</a:t>
-            </a:r>
-            <a:r>
-              <a:rPr lang="de-DE" sz="1800" dirty="0"/>
-              <a:t> push)</a:t>
-            </a:r>
-          </a:p>
-          <a:p>
-            <a:pPr marL="0" indent="0">
-              <a:buNone/>
-            </a:pPr>
-            <a:endParaRPr lang="de-DE" b="1" dirty="0"/>
-          </a:p>
-          <a:p>
-            <a:pPr marL="0" indent="0">
-              <a:buNone/>
-            </a:pPr>
-            <a:endParaRPr lang="de-DE" b="1" dirty="0"/>
+              <a:rPr lang="de-DE" dirty="0"/>
+              <a:t> und push benötigt</a:t>
+            </a:r>
+          </a:p>
+          <a:p>
+            <a:pPr marL="857250" lvl="1" indent="-457200">
+              <a:buFont typeface="Arial" panose="020B0604020202020204" pitchFamily="34" charset="0"/>
+              <a:buChar char="•"/>
+            </a:pPr>
+            <a:r>
+              <a:rPr lang="de-DE" dirty="0"/>
+              <a:t>Beim Docker-in-Docker Container Image haben Sie </a:t>
+            </a:r>
+            <a:r>
+              <a:rPr lang="de-DE" dirty="0" err="1"/>
+              <a:t>GitLab</a:t>
+            </a:r>
+            <a:r>
+              <a:rPr lang="de-DE" dirty="0"/>
+              <a:t>-</a:t>
+            </a:r>
+            <a:r>
+              <a:rPr lang="de-DE" dirty="0" err="1"/>
+              <a:t>predefined</a:t>
+            </a:r>
+            <a:r>
+              <a:rPr lang="de-DE" dirty="0"/>
+              <a:t>-Variables kennengelernt</a:t>
+            </a:r>
+          </a:p>
+          <a:p>
+            <a:pPr marL="857250" lvl="1" indent="-457200">
+              <a:buFont typeface="Arial" panose="020B0604020202020204" pitchFamily="34" charset="0"/>
+              <a:buChar char="•"/>
+            </a:pPr>
+            <a:r>
+              <a:rPr lang="de-DE" dirty="0"/>
+              <a:t>$CI_COMMIT_REF_SLUG ist eine vordefinierte Variable in </a:t>
+            </a:r>
+            <a:r>
+              <a:rPr lang="de-DE" dirty="0" err="1"/>
+              <a:t>GitLab</a:t>
+            </a:r>
+            <a:r>
+              <a:rPr lang="de-DE" dirty="0"/>
+              <a:t> und ist der Branch- oder Tag-Name </a:t>
+            </a:r>
+            <a:r>
+              <a:rPr lang="de-DE" dirty="0" err="1"/>
+              <a:t>sanitized</a:t>
+            </a:r>
+            <a:r>
+              <a:rPr lang="de-DE" dirty="0"/>
+              <a:t> und </a:t>
+            </a:r>
+            <a:r>
+              <a:rPr lang="de-DE" dirty="0" err="1"/>
+              <a:t>lowercase</a:t>
+            </a:r>
+            <a:endParaRPr lang="de-DE" dirty="0"/>
+          </a:p>
+          <a:p>
+            <a:pPr marL="857250" lvl="1" indent="-457200">
+              <a:buFont typeface="Arial" panose="020B0604020202020204" pitchFamily="34" charset="0"/>
+              <a:buChar char="•"/>
+            </a:pPr>
+            <a:endParaRPr lang="de-DE" dirty="0"/>
+          </a:p>
+          <a:p>
+            <a:pPr marL="857250" lvl="1" indent="-457200">
+              <a:buFont typeface="Arial" panose="020B0604020202020204" pitchFamily="34" charset="0"/>
+              <a:buChar char="•"/>
+            </a:pPr>
+            <a:endParaRPr lang="de-DE" dirty="0"/>
+          </a:p>
+          <a:p>
+            <a:pPr marL="857250" lvl="1" indent="-457200">
+              <a:buFont typeface="Arial" panose="020B0604020202020204" pitchFamily="34" charset="0"/>
+              <a:buChar char="•"/>
+            </a:pPr>
+            <a:endParaRPr lang="de-DE" dirty="0"/>
           </a:p>
         </p:txBody>
       </p:sp>
     </p:spTree>
     <p:extLst>
       <p:ext uri="{BB962C8B-B14F-4D97-AF65-F5344CB8AC3E}">
-        <p14:creationId xmlns:p14="http://schemas.microsoft.com/office/powerpoint/2010/main" val="2914279323"/>
+        <p14:creationId xmlns:p14="http://schemas.microsoft.com/office/powerpoint/2010/main" val="269078200"/>
       </p:ext>
     </p:extLst>
   </p:cSld>
@@ -15661,7 +15635,7 @@
           <p:cNvPr id="2" name="Titel 1">
             <a:extLst>
               <a:ext uri="{FF2B5EF4-FFF2-40B4-BE49-F238E27FC236}">
-                <a16:creationId xmlns:a16="http://schemas.microsoft.com/office/drawing/2014/main" id="{0A6ADA43-34C1-347C-FD8E-BF87A5A77FC5}"/>
+                <a16:creationId xmlns:a16="http://schemas.microsoft.com/office/drawing/2014/main" id="{49A48EBC-55D9-6D64-715F-AF6DEBF117C3}"/>
               </a:ext>
             </a:extLst>
           </p:cNvPr>
@@ -15698,7 +15672,7 @@
           <p:cNvPr id="3" name="Inhaltsplatzhalter 2">
             <a:extLst>
               <a:ext uri="{FF2B5EF4-FFF2-40B4-BE49-F238E27FC236}">
-                <a16:creationId xmlns:a16="http://schemas.microsoft.com/office/drawing/2014/main" id="{4D911ADB-7C0F-98E1-85DA-1C884339CE08}"/>
+                <a16:creationId xmlns:a16="http://schemas.microsoft.com/office/drawing/2014/main" id="{7B404127-ED2B-6905-BDD1-3C60D11A2A7C}"/>
               </a:ext>
             </a:extLst>
           </p:cNvPr>
@@ -15719,196 +15693,349 @@
             </a:pPr>
             <a:r>
               <a:rPr lang="de-DE" b="1" dirty="0"/>
-              <a:t>Aufgabe 2: Docker-in-Docker mit Variablen erweitern</a:t>
-            </a:r>
-          </a:p>
-          <a:p>
-            <a:pPr marL="457200" indent="-457200">
-              <a:buFont typeface="+mj-lt"/>
-              <a:buAutoNum type="arabicPeriod"/>
-            </a:pPr>
-            <a:r>
-              <a:rPr lang="de-DE" b="1" dirty="0"/>
-              <a:t>Ziel: </a:t>
-            </a:r>
-            <a:r>
-              <a:rPr lang="de-DE" dirty="0" err="1"/>
-              <a:t>Verständis</a:t>
-            </a:r>
-            <a:r>
-              <a:rPr lang="de-DE" dirty="0"/>
-              <a:t> der Variablen schärfen</a:t>
-            </a:r>
-          </a:p>
-          <a:p>
-            <a:pPr marL="457200" indent="-457200">
-              <a:buFont typeface="+mj-lt"/>
-              <a:buAutoNum type="arabicPeriod"/>
-            </a:pPr>
-            <a:r>
-              <a:rPr lang="de-DE" b="1" dirty="0"/>
-              <a:t>Schritte:</a:t>
-            </a:r>
-          </a:p>
-          <a:p>
-            <a:pPr marL="857250" lvl="1" indent="-457200">
-              <a:buFont typeface="Arial" panose="020B0604020202020204" pitchFamily="34" charset="0"/>
-              <a:buChar char="•"/>
-            </a:pPr>
-            <a:r>
-              <a:rPr lang="de-DE" dirty="0"/>
-              <a:t>Fügen Sie die Variable: </a:t>
-            </a:r>
+              <a:t>Lösung 1: Simples Docker-in-Docker</a:t>
+            </a:r>
+          </a:p>
+          <a:p>
+            <a:pPr marL="0" indent="0">
+              <a:buNone/>
+            </a:pPr>
             <a:r>
               <a:rPr lang="de-DE" sz="2000" dirty="0">
                 <a:latin typeface="Consolas" panose="020B0609020204030204" pitchFamily="49" charset="0"/>
               </a:rPr>
-              <a:t>IMAGE_TAG</a:t>
-            </a:r>
-            <a:r>
-              <a:rPr lang="de-DE" sz="2000" dirty="0"/>
-              <a:t> hinzu</a:t>
-            </a:r>
-          </a:p>
-          <a:p>
-            <a:pPr marL="857250" lvl="1" indent="-457200">
-              <a:buFont typeface="Arial" panose="020B0604020202020204" pitchFamily="34" charset="0"/>
-              <a:buChar char="•"/>
-            </a:pPr>
-            <a:r>
-              <a:rPr lang="de-DE" dirty="0"/>
-              <a:t>Nutzen Sie die neue Variable im </a:t>
-            </a:r>
-            <a:r>
-              <a:rPr lang="de-DE" dirty="0" err="1">
+              <a:t>.</a:t>
+            </a:r>
+            <a:r>
+              <a:rPr lang="de-DE" sz="2000" dirty="0" err="1">
+                <a:latin typeface="Consolas" panose="020B0609020204030204" pitchFamily="49" charset="0"/>
+              </a:rPr>
+              <a:t>gitlab-ci.yml</a:t>
+            </a:r>
+            <a:r>
+              <a:rPr lang="de-DE" sz="2000" dirty="0">
+                <a:latin typeface="Consolas" panose="020B0609020204030204" pitchFamily="49" charset="0"/>
+              </a:rPr>
+              <a:t>:</a:t>
+            </a:r>
+          </a:p>
+          <a:p>
+            <a:pPr marL="0" indent="0">
+              <a:buNone/>
+            </a:pPr>
+            <a:r>
+              <a:rPr lang="de-DE" sz="1400" dirty="0" err="1">
+                <a:latin typeface="Consolas" panose="020B0609020204030204" pitchFamily="49" charset="0"/>
+              </a:rPr>
+              <a:t>build</a:t>
+            </a:r>
+            <a:r>
+              <a:rPr lang="de-DE" sz="1400" dirty="0">
+                <a:latin typeface="Consolas" panose="020B0609020204030204" pitchFamily="49" charset="0"/>
+              </a:rPr>
+              <a:t>:</a:t>
+            </a:r>
+          </a:p>
+          <a:p>
+            <a:pPr marL="0" indent="0">
+              <a:buNone/>
+            </a:pPr>
+            <a:r>
+              <a:rPr lang="de-DE" sz="1400" dirty="0">
+                <a:latin typeface="Consolas" panose="020B0609020204030204" pitchFamily="49" charset="0"/>
+              </a:rPr>
+              <a:t>  </a:t>
+            </a:r>
+            <a:r>
+              <a:rPr lang="de-DE" sz="1400" dirty="0" err="1">
+                <a:latin typeface="Consolas" panose="020B0609020204030204" pitchFamily="49" charset="0"/>
+              </a:rPr>
+              <a:t>image</a:t>
+            </a:r>
+            <a:r>
+              <a:rPr lang="de-DE" sz="1400" dirty="0">
+                <a:latin typeface="Consolas" panose="020B0609020204030204" pitchFamily="49" charset="0"/>
+              </a:rPr>
+              <a:t>: docker:20.10.16</a:t>
+            </a:r>
+          </a:p>
+          <a:p>
+            <a:pPr marL="0" indent="0">
+              <a:buNone/>
+            </a:pPr>
+            <a:r>
+              <a:rPr lang="de-DE" sz="1400" dirty="0">
+                <a:latin typeface="Consolas" panose="020B0609020204030204" pitchFamily="49" charset="0"/>
+              </a:rPr>
+              <a:t>  </a:t>
+            </a:r>
+            <a:r>
+              <a:rPr lang="de-DE" sz="1400" dirty="0" err="1">
+                <a:latin typeface="Consolas" panose="020B0609020204030204" pitchFamily="49" charset="0"/>
+              </a:rPr>
+              <a:t>stage</a:t>
+            </a:r>
+            <a:r>
+              <a:rPr lang="de-DE" sz="1400" dirty="0">
+                <a:latin typeface="Consolas" panose="020B0609020204030204" pitchFamily="49" charset="0"/>
+              </a:rPr>
+              <a:t>: </a:t>
+            </a:r>
+            <a:r>
+              <a:rPr lang="de-DE" sz="1400" dirty="0" err="1">
+                <a:latin typeface="Consolas" panose="020B0609020204030204" pitchFamily="49" charset="0"/>
+              </a:rPr>
+              <a:t>build</a:t>
+            </a:r>
+            <a:endParaRPr lang="de-DE" sz="1400" dirty="0">
+              <a:latin typeface="Consolas" panose="020B0609020204030204" pitchFamily="49" charset="0"/>
+            </a:endParaRPr>
+          </a:p>
+          <a:p>
+            <a:pPr marL="0" indent="0">
+              <a:buNone/>
+            </a:pPr>
+            <a:r>
+              <a:rPr lang="de-DE" sz="1400" dirty="0">
+                <a:latin typeface="Consolas" panose="020B0609020204030204" pitchFamily="49" charset="0"/>
+              </a:rPr>
+              <a:t>  </a:t>
+            </a:r>
+            <a:r>
+              <a:rPr lang="de-DE" sz="1400" dirty="0" err="1">
+                <a:latin typeface="Consolas" panose="020B0609020204030204" pitchFamily="49" charset="0"/>
+              </a:rPr>
+              <a:t>services</a:t>
+            </a:r>
+            <a:r>
+              <a:rPr lang="de-DE" sz="1400" dirty="0">
+                <a:latin typeface="Consolas" panose="020B0609020204030204" pitchFamily="49" charset="0"/>
+              </a:rPr>
+              <a:t>:</a:t>
+            </a:r>
+          </a:p>
+          <a:p>
+            <a:pPr marL="0" indent="0">
+              <a:buNone/>
+            </a:pPr>
+            <a:r>
+              <a:rPr lang="de-DE" sz="1400" dirty="0">
+                <a:latin typeface="Consolas" panose="020B0609020204030204" pitchFamily="49" charset="0"/>
+              </a:rPr>
+              <a:t>    - docker:20.10.16-dind</a:t>
+            </a:r>
+          </a:p>
+          <a:p>
+            <a:pPr marL="0" indent="0">
+              <a:buNone/>
+            </a:pPr>
+            <a:r>
+              <a:rPr lang="de-DE" sz="1400" dirty="0">
+                <a:latin typeface="Consolas" panose="020B0609020204030204" pitchFamily="49" charset="0"/>
+              </a:rPr>
+              <a:t>      alias: </a:t>
+            </a:r>
+            <a:r>
+              <a:rPr lang="de-DE" sz="1400" dirty="0" err="1">
+                <a:latin typeface="Consolas" panose="020B0609020204030204" pitchFamily="49" charset="0"/>
+              </a:rPr>
+              <a:t>docker</a:t>
+            </a:r>
+            <a:endParaRPr lang="de-DE" sz="1400" dirty="0">
+              <a:latin typeface="Consolas" panose="020B0609020204030204" pitchFamily="49" charset="0"/>
+            </a:endParaRPr>
+          </a:p>
+          <a:p>
+            <a:pPr marL="0" indent="0">
+              <a:buNone/>
+            </a:pPr>
+            <a:r>
+              <a:rPr lang="de-DE" sz="1400" dirty="0">
+                <a:latin typeface="Consolas" panose="020B0609020204030204" pitchFamily="49" charset="0"/>
+              </a:rPr>
+              <a:t>  </a:t>
+            </a:r>
+            <a:r>
+              <a:rPr lang="de-DE" sz="1400" dirty="0" err="1">
                 <a:latin typeface="Consolas" panose="020B0609020204030204" pitchFamily="49" charset="0"/>
               </a:rPr>
               <a:t>script</a:t>
             </a:r>
             <a:r>
-              <a:rPr lang="de-DE" dirty="0"/>
-              <a:t> Teil</a:t>
-            </a:r>
-          </a:p>
-          <a:p>
-            <a:pPr marL="857250" lvl="1" indent="-457200">
-              <a:buFont typeface="Arial" panose="020B0604020202020204" pitchFamily="34" charset="0"/>
-              <a:buChar char="•"/>
-            </a:pPr>
-            <a:endParaRPr lang="de-DE" dirty="0"/>
-          </a:p>
-          <a:p>
-            <a:pPr marL="457200" indent="-457200">
-              <a:buFont typeface="+mj-lt"/>
-              <a:buAutoNum type="arabicPeriod"/>
-            </a:pPr>
-            <a:r>
-              <a:rPr lang="de-DE" b="1" dirty="0"/>
-              <a:t>Hinweise:</a:t>
-            </a:r>
-          </a:p>
-          <a:p>
-            <a:pPr marL="857250" lvl="1" indent="-457200">
-              <a:buFont typeface="Arial" panose="020B0604020202020204" pitchFamily="34" charset="0"/>
-              <a:buChar char="•"/>
-            </a:pPr>
-            <a:r>
-              <a:rPr lang="de-DE" dirty="0"/>
-              <a:t>IMAGE_TAG wird später beim </a:t>
-            </a:r>
-            <a:r>
-              <a:rPr lang="de-DE" dirty="0" err="1"/>
+              <a:rPr lang="de-DE" sz="1400" dirty="0">
+                <a:latin typeface="Consolas" panose="020B0609020204030204" pitchFamily="49" charset="0"/>
+              </a:rPr>
+              <a:t>:</a:t>
+            </a:r>
+          </a:p>
+          <a:p>
+            <a:pPr marL="0" indent="0">
+              <a:buNone/>
+            </a:pPr>
+            <a:r>
+              <a:rPr lang="de-DE" sz="1400" dirty="0">
+                <a:latin typeface="Consolas" panose="020B0609020204030204" pitchFamily="49" charset="0"/>
+              </a:rPr>
+              <a:t>    - </a:t>
+            </a:r>
+            <a:r>
+              <a:rPr lang="de-DE" sz="1400" dirty="0" err="1">
+                <a:latin typeface="Consolas" panose="020B0609020204030204" pitchFamily="49" charset="0"/>
+              </a:rPr>
+              <a:t>docker</a:t>
+            </a:r>
+            <a:r>
+              <a:rPr lang="de-DE" sz="1400" dirty="0">
+                <a:latin typeface="Consolas" panose="020B0609020204030204" pitchFamily="49" charset="0"/>
+              </a:rPr>
+              <a:t> </a:t>
+            </a:r>
+            <a:r>
+              <a:rPr lang="de-DE" sz="1400" dirty="0" err="1">
+                <a:latin typeface="Consolas" panose="020B0609020204030204" pitchFamily="49" charset="0"/>
+              </a:rPr>
+              <a:t>login</a:t>
+            </a:r>
+            <a:r>
+              <a:rPr lang="de-DE" sz="1400" dirty="0">
+                <a:latin typeface="Consolas" panose="020B0609020204030204" pitchFamily="49" charset="0"/>
+              </a:rPr>
+              <a:t> -u $CI_REGISTRY_USER -p $CI_REGISTRY_PASSWORD $CI_REGISTRY</a:t>
+            </a:r>
+          </a:p>
+          <a:p>
+            <a:pPr marL="0" indent="0">
+              <a:buNone/>
+            </a:pPr>
+            <a:r>
+              <a:rPr lang="de-DE" sz="1400" dirty="0">
+                <a:latin typeface="Consolas" panose="020B0609020204030204" pitchFamily="49" charset="0"/>
+              </a:rPr>
+              <a:t>    - </a:t>
+            </a:r>
+            <a:r>
+              <a:rPr lang="de-DE" sz="1400" dirty="0" err="1">
+                <a:latin typeface="Consolas" panose="020B0609020204030204" pitchFamily="49" charset="0"/>
+              </a:rPr>
+              <a:t>docker</a:t>
+            </a:r>
+            <a:r>
+              <a:rPr lang="de-DE" sz="1400" dirty="0">
+                <a:latin typeface="Consolas" panose="020B0609020204030204" pitchFamily="49" charset="0"/>
+              </a:rPr>
+              <a:t> </a:t>
+            </a:r>
+            <a:r>
+              <a:rPr lang="de-DE" sz="1400" dirty="0" err="1">
+                <a:latin typeface="Consolas" panose="020B0609020204030204" pitchFamily="49" charset="0"/>
+              </a:rPr>
               <a:t>build</a:t>
             </a:r>
             <a:r>
-              <a:rPr lang="de-DE" dirty="0"/>
-              <a:t> und push benötigt</a:t>
-            </a:r>
-          </a:p>
-          <a:p>
-            <a:pPr marL="857250" lvl="1" indent="-457200">
-              <a:buFont typeface="Arial" panose="020B0604020202020204" pitchFamily="34" charset="0"/>
-              <a:buChar char="•"/>
-            </a:pPr>
-            <a:r>
-              <a:rPr lang="de-DE" dirty="0"/>
-              <a:t>Beim Docker-in-Docker Container Image haben Sie </a:t>
-            </a:r>
-            <a:r>
-              <a:rPr lang="de-DE" dirty="0" err="1"/>
-              <a:t>GitLab</a:t>
-            </a:r>
-            <a:r>
-              <a:rPr lang="de-DE" dirty="0"/>
-              <a:t>-</a:t>
-            </a:r>
-            <a:r>
-              <a:rPr lang="de-DE" dirty="0" err="1"/>
-              <a:t>predefined</a:t>
-            </a:r>
-            <a:r>
-              <a:rPr lang="de-DE" dirty="0"/>
-              <a:t>-Variables kennengelernt</a:t>
-            </a:r>
-          </a:p>
-          <a:p>
-            <a:pPr marL="857250" lvl="1" indent="-457200">
-              <a:buFont typeface="Arial" panose="020B0604020202020204" pitchFamily="34" charset="0"/>
-              <a:buChar char="•"/>
-            </a:pPr>
-            <a:r>
-              <a:rPr lang="de-DE" dirty="0"/>
-              <a:t>$CI_COMMIT_REF_SLUG ist eine vordefinierte Variable in </a:t>
-            </a:r>
-            <a:r>
-              <a:rPr lang="de-DE" dirty="0" err="1"/>
-              <a:t>GitLab</a:t>
-            </a:r>
-            <a:r>
-              <a:rPr lang="de-DE" dirty="0"/>
-              <a:t> und ist der Branch- oder Tag-Name </a:t>
-            </a:r>
-            <a:r>
-              <a:rPr lang="de-DE" dirty="0" err="1"/>
-              <a:t>sanitized</a:t>
-            </a:r>
-            <a:r>
-              <a:rPr lang="de-DE" dirty="0"/>
-              <a:t> und </a:t>
-            </a:r>
-            <a:r>
-              <a:rPr lang="de-DE" dirty="0" err="1"/>
-              <a:t>lowercase</a:t>
-            </a:r>
-            <a:endParaRPr lang="de-DE" dirty="0"/>
-          </a:p>
-          <a:p>
-            <a:pPr marL="857250" lvl="1" indent="-457200">
-              <a:buFont typeface="Arial" panose="020B0604020202020204" pitchFamily="34" charset="0"/>
-              <a:buChar char="•"/>
-            </a:pPr>
-            <a:endParaRPr lang="de-DE" dirty="0"/>
-          </a:p>
-          <a:p>
-            <a:pPr marL="857250" lvl="1" indent="-457200">
-              <a:buFont typeface="Arial" panose="020B0604020202020204" pitchFamily="34" charset="0"/>
-              <a:buChar char="•"/>
-            </a:pPr>
-            <a:endParaRPr lang="de-DE" dirty="0"/>
-          </a:p>
-          <a:p>
-            <a:pPr marL="857250" lvl="1" indent="-457200">
-              <a:buFont typeface="Arial" panose="020B0604020202020204" pitchFamily="34" charset="0"/>
-              <a:buChar char="•"/>
-            </a:pPr>
-            <a:endParaRPr lang="de-DE" dirty="0"/>
+              <a:rPr lang="de-DE" sz="1400" dirty="0">
+                <a:latin typeface="Consolas" panose="020B0609020204030204" pitchFamily="49" charset="0"/>
+              </a:rPr>
+              <a:t> -t $CI_REGISTRY/</a:t>
+            </a:r>
+            <a:r>
+              <a:rPr lang="de-DE" sz="1400" dirty="0" err="1">
+                <a:latin typeface="Consolas" panose="020B0609020204030204" pitchFamily="49" charset="0"/>
+              </a:rPr>
+              <a:t>group</a:t>
+            </a:r>
+            <a:r>
+              <a:rPr lang="de-DE" sz="1400" dirty="0">
+                <a:latin typeface="Consolas" panose="020B0609020204030204" pitchFamily="49" charset="0"/>
+              </a:rPr>
+              <a:t>/</a:t>
+            </a:r>
+            <a:r>
+              <a:rPr lang="de-DE" sz="1400" dirty="0" err="1">
+                <a:latin typeface="Consolas" panose="020B0609020204030204" pitchFamily="49" charset="0"/>
+              </a:rPr>
+              <a:t>project</a:t>
+            </a:r>
+            <a:r>
+              <a:rPr lang="de-DE" sz="1400" dirty="0">
+                <a:latin typeface="Consolas" panose="020B0609020204030204" pitchFamily="49" charset="0"/>
+              </a:rPr>
+              <a:t>/</a:t>
+            </a:r>
+            <a:r>
+              <a:rPr lang="de-DE" sz="1400" dirty="0" err="1">
+                <a:latin typeface="Consolas" panose="020B0609020204030204" pitchFamily="49" charset="0"/>
+              </a:rPr>
+              <a:t>image:latest</a:t>
+            </a:r>
+            <a:r>
+              <a:rPr lang="de-DE" sz="1400" dirty="0">
+                <a:latin typeface="Consolas" panose="020B0609020204030204" pitchFamily="49" charset="0"/>
+              </a:rPr>
+              <a:t> .</a:t>
+            </a:r>
+          </a:p>
+          <a:p>
+            <a:pPr marL="0" indent="0">
+              <a:buNone/>
+            </a:pPr>
+            <a:r>
+              <a:rPr lang="de-DE" sz="1400" dirty="0">
+                <a:latin typeface="Consolas" panose="020B0609020204030204" pitchFamily="49" charset="0"/>
+              </a:rPr>
+              <a:t>    - </a:t>
+            </a:r>
+            <a:r>
+              <a:rPr lang="de-DE" sz="1400" dirty="0" err="1">
+                <a:latin typeface="Consolas" panose="020B0609020204030204" pitchFamily="49" charset="0"/>
+              </a:rPr>
+              <a:t>docker</a:t>
+            </a:r>
+            <a:r>
+              <a:rPr lang="de-DE" sz="1400" dirty="0">
+                <a:latin typeface="Consolas" panose="020B0609020204030204" pitchFamily="49" charset="0"/>
+              </a:rPr>
+              <a:t> push $CI_REGISTRY/</a:t>
+            </a:r>
+            <a:r>
+              <a:rPr lang="de-DE" sz="1400" dirty="0" err="1">
+                <a:latin typeface="Consolas" panose="020B0609020204030204" pitchFamily="49" charset="0"/>
+              </a:rPr>
+              <a:t>group</a:t>
+            </a:r>
+            <a:r>
+              <a:rPr lang="de-DE" sz="1400" dirty="0">
+                <a:latin typeface="Consolas" panose="020B0609020204030204" pitchFamily="49" charset="0"/>
+              </a:rPr>
+              <a:t>/</a:t>
+            </a:r>
+            <a:r>
+              <a:rPr lang="de-DE" sz="1400" dirty="0" err="1">
+                <a:latin typeface="Consolas" panose="020B0609020204030204" pitchFamily="49" charset="0"/>
+              </a:rPr>
+              <a:t>project</a:t>
+            </a:r>
+            <a:r>
+              <a:rPr lang="de-DE" sz="1400" dirty="0">
+                <a:latin typeface="Consolas" panose="020B0609020204030204" pitchFamily="49" charset="0"/>
+              </a:rPr>
+              <a:t>/</a:t>
+            </a:r>
+            <a:r>
+              <a:rPr lang="de-DE" sz="1400" dirty="0" err="1">
+                <a:latin typeface="Consolas" panose="020B0609020204030204" pitchFamily="49" charset="0"/>
+              </a:rPr>
+              <a:t>image:latest</a:t>
+            </a:r>
+            <a:endParaRPr lang="de-DE" sz="1400" dirty="0">
+              <a:latin typeface="Consolas" panose="020B0609020204030204" pitchFamily="49" charset="0"/>
+            </a:endParaRPr>
           </a:p>
         </p:txBody>
       </p:sp>
     </p:spTree>
     <p:extLst>
       <p:ext uri="{BB962C8B-B14F-4D97-AF65-F5344CB8AC3E}">
-        <p14:creationId xmlns:p14="http://schemas.microsoft.com/office/powerpoint/2010/main" val="269078200"/>
+        <p14:creationId xmlns:p14="http://schemas.microsoft.com/office/powerpoint/2010/main" val="3629727755"/>
       </p:ext>
     </p:extLst>
   </p:cSld>
@@ -15998,7 +16125,7 @@
             </a:pPr>
             <a:r>
               <a:rPr lang="de-DE" b="1" dirty="0"/>
-              <a:t>Lösung 1: Simples Docker-in-Docker</a:t>
+              <a:t>Lösung 2: Docker-in-Docker mit Variablen</a:t>
             </a:r>
           </a:p>
           <a:p>
@@ -16023,6 +16150,9 @@
               </a:rPr>
               <a:t>:</a:t>
             </a:r>
+            <a:endParaRPr lang="de-DE" dirty="0">
+              <a:latin typeface="Consolas" panose="020B0609020204030204" pitchFamily="49" charset="0"/>
+            </a:endParaRPr>
           </a:p>
           <a:p>
             <a:pPr marL="0" indent="0">
@@ -16138,580 +16268,145 @@
               <a:rPr lang="de-DE" sz="1400" dirty="0">
                 <a:latin typeface="Consolas" panose="020B0609020204030204" pitchFamily="49" charset="0"/>
               </a:rPr>
-              <a:t>      alias: </a:t>
+              <a:t>  variables:</a:t>
+            </a:r>
+          </a:p>
+          <a:p>
+            <a:pPr marL="0" indent="0">
+              <a:buNone/>
+            </a:pPr>
+            <a:r>
+              <a:rPr lang="de-DE" sz="1400" dirty="0">
+                <a:latin typeface="Consolas" panose="020B0609020204030204" pitchFamily="49" charset="0"/>
+              </a:rPr>
+              <a:t>    IMAGE_TAG: $CI_REGISTRY_IMAGE:$CI_COMMIT_REF_SLUG</a:t>
+            </a:r>
+          </a:p>
+          <a:p>
+            <a:pPr marL="0" indent="0">
+              <a:buNone/>
+            </a:pPr>
+            <a:r>
+              <a:rPr lang="de-DE" sz="1400" dirty="0">
+                <a:latin typeface="Consolas" panose="020B0609020204030204" pitchFamily="49" charset="0"/>
+              </a:rPr>
+              <a:t>  </a:t>
             </a:r>
             <a:r>
               <a:rPr lang="de-DE" sz="1400" dirty="0" err="1">
                 <a:latin typeface="Consolas" panose="020B0609020204030204" pitchFamily="49" charset="0"/>
               </a:rPr>
+              <a:t>script</a:t>
+            </a:r>
+            <a:r>
+              <a:rPr lang="de-DE" sz="1400" dirty="0">
+                <a:latin typeface="Consolas" panose="020B0609020204030204" pitchFamily="49" charset="0"/>
+              </a:rPr>
+              <a:t>:</a:t>
+            </a:r>
+          </a:p>
+          <a:p>
+            <a:pPr marL="0" indent="0">
+              <a:buNone/>
+            </a:pPr>
+            <a:r>
+              <a:rPr lang="de-DE" sz="1400" dirty="0">
+                <a:latin typeface="Consolas" panose="020B0609020204030204" pitchFamily="49" charset="0"/>
+              </a:rPr>
+              <a:t>    - </a:t>
+            </a:r>
+            <a:r>
+              <a:rPr lang="de-DE" sz="1400" dirty="0" err="1">
+                <a:latin typeface="Consolas" panose="020B0609020204030204" pitchFamily="49" charset="0"/>
+              </a:rPr>
               <a:t>docker</a:t>
             </a:r>
+            <a:r>
+              <a:rPr lang="de-DE" sz="1400" dirty="0">
+                <a:latin typeface="Consolas" panose="020B0609020204030204" pitchFamily="49" charset="0"/>
+              </a:rPr>
+              <a:t> </a:t>
+            </a:r>
+            <a:r>
+              <a:rPr lang="de-DE" sz="1400" dirty="0" err="1">
+                <a:latin typeface="Consolas" panose="020B0609020204030204" pitchFamily="49" charset="0"/>
+              </a:rPr>
+              <a:t>login</a:t>
+            </a:r>
+            <a:r>
+              <a:rPr lang="de-DE" sz="1400" dirty="0">
+                <a:latin typeface="Consolas" panose="020B0609020204030204" pitchFamily="49" charset="0"/>
+              </a:rPr>
+              <a:t> -u $CI_REGISTRY_USER -p $CI_REGISTRY_PASSWORD $CI_REGISTRY</a:t>
+            </a:r>
+          </a:p>
+          <a:p>
+            <a:pPr marL="0" indent="0">
+              <a:buNone/>
+            </a:pPr>
+            <a:r>
+              <a:rPr lang="de-DE" sz="1400" dirty="0">
+                <a:latin typeface="Consolas" panose="020B0609020204030204" pitchFamily="49" charset="0"/>
+              </a:rPr>
+              <a:t>    - </a:t>
+            </a:r>
+            <a:r>
+              <a:rPr lang="de-DE" sz="1400" dirty="0" err="1">
+                <a:latin typeface="Consolas" panose="020B0609020204030204" pitchFamily="49" charset="0"/>
+              </a:rPr>
+              <a:t>docker</a:t>
+            </a:r>
+            <a:r>
+              <a:rPr lang="de-DE" sz="1400" dirty="0">
+                <a:latin typeface="Consolas" panose="020B0609020204030204" pitchFamily="49" charset="0"/>
+              </a:rPr>
+              <a:t> </a:t>
+            </a:r>
+            <a:r>
+              <a:rPr lang="de-DE" sz="1400" dirty="0" err="1">
+                <a:latin typeface="Consolas" panose="020B0609020204030204" pitchFamily="49" charset="0"/>
+              </a:rPr>
+              <a:t>build</a:t>
+            </a:r>
+            <a:r>
+              <a:rPr lang="de-DE" sz="1400" dirty="0">
+                <a:latin typeface="Consolas" panose="020B0609020204030204" pitchFamily="49" charset="0"/>
+              </a:rPr>
+              <a:t> -t $IMAGE_TAG .</a:t>
+            </a:r>
+          </a:p>
+          <a:p>
+            <a:pPr marL="0" indent="0">
+              <a:buNone/>
+            </a:pPr>
+            <a:r>
+              <a:rPr lang="de-DE" sz="1400" dirty="0">
+                <a:latin typeface="Consolas" panose="020B0609020204030204" pitchFamily="49" charset="0"/>
+              </a:rPr>
+              <a:t>    - </a:t>
+            </a:r>
+            <a:r>
+              <a:rPr lang="de-DE" sz="1400" dirty="0" err="1">
+                <a:latin typeface="Consolas" panose="020B0609020204030204" pitchFamily="49" charset="0"/>
+              </a:rPr>
+              <a:t>docker</a:t>
+            </a:r>
+            <a:r>
+              <a:rPr lang="de-DE" sz="1400" dirty="0">
+                <a:latin typeface="Consolas" panose="020B0609020204030204" pitchFamily="49" charset="0"/>
+              </a:rPr>
+              <a:t> push $IMAGE_TAG</a:t>
+            </a:r>
+          </a:p>
+          <a:p>
+            <a:pPr marL="0" indent="0">
+              <a:buNone/>
+            </a:pPr>
             <a:endParaRPr lang="de-DE" sz="1400" dirty="0">
               <a:latin typeface="Consolas" panose="020B0609020204030204" pitchFamily="49" charset="0"/>
             </a:endParaRPr>
           </a:p>
           <a:p>
-            <a:pPr marL="0" indent="0">
-              <a:buNone/>
-            </a:pPr>
-            <a:r>
-              <a:rPr lang="de-DE" sz="1400" dirty="0">
-                <a:latin typeface="Consolas" panose="020B0609020204030204" pitchFamily="49" charset="0"/>
-              </a:rPr>
-              <a:t>  </a:t>
-            </a:r>
-            <a:r>
-              <a:rPr lang="de-DE" sz="1400" dirty="0" err="1">
-                <a:latin typeface="Consolas" panose="020B0609020204030204" pitchFamily="49" charset="0"/>
-              </a:rPr>
-              <a:t>script</a:t>
-            </a:r>
-            <a:r>
-              <a:rPr lang="de-DE" sz="1400" dirty="0">
-                <a:latin typeface="Consolas" panose="020B0609020204030204" pitchFamily="49" charset="0"/>
-              </a:rPr>
-              <a:t>:</a:t>
-            </a:r>
-          </a:p>
-          <a:p>
-            <a:pPr marL="0" indent="0">
-              <a:buNone/>
-            </a:pPr>
-            <a:r>
-              <a:rPr lang="de-DE" sz="1400" dirty="0">
-                <a:latin typeface="Consolas" panose="020B0609020204030204" pitchFamily="49" charset="0"/>
-              </a:rPr>
-              <a:t>    - </a:t>
-            </a:r>
-            <a:r>
-              <a:rPr lang="de-DE" sz="1400" dirty="0" err="1">
-                <a:latin typeface="Consolas" panose="020B0609020204030204" pitchFamily="49" charset="0"/>
-              </a:rPr>
-              <a:t>docker</a:t>
-            </a:r>
-            <a:r>
-              <a:rPr lang="de-DE" sz="1400" dirty="0">
-                <a:latin typeface="Consolas" panose="020B0609020204030204" pitchFamily="49" charset="0"/>
-              </a:rPr>
-              <a:t> </a:t>
-            </a:r>
-            <a:r>
-              <a:rPr lang="de-DE" sz="1400" dirty="0" err="1">
-                <a:latin typeface="Consolas" panose="020B0609020204030204" pitchFamily="49" charset="0"/>
-              </a:rPr>
-              <a:t>login</a:t>
-            </a:r>
-            <a:r>
-              <a:rPr lang="de-DE" sz="1400" dirty="0">
-                <a:latin typeface="Consolas" panose="020B0609020204030204" pitchFamily="49" charset="0"/>
-              </a:rPr>
-              <a:t> -u $CI_REGISTRY_USER -p $CI_REGISTRY_PASSWORD $CI_REGISTRY</a:t>
-            </a:r>
-          </a:p>
-          <a:p>
-            <a:pPr marL="0" indent="0">
-              <a:buNone/>
-            </a:pPr>
-            <a:r>
-              <a:rPr lang="de-DE" sz="1400" dirty="0">
-                <a:latin typeface="Consolas" panose="020B0609020204030204" pitchFamily="49" charset="0"/>
-              </a:rPr>
-              <a:t>    - </a:t>
-            </a:r>
-            <a:r>
-              <a:rPr lang="de-DE" sz="1400" dirty="0" err="1">
-                <a:latin typeface="Consolas" panose="020B0609020204030204" pitchFamily="49" charset="0"/>
-              </a:rPr>
-              <a:t>docker</a:t>
-            </a:r>
-            <a:r>
-              <a:rPr lang="de-DE" sz="1400" dirty="0">
-                <a:latin typeface="Consolas" panose="020B0609020204030204" pitchFamily="49" charset="0"/>
-              </a:rPr>
-              <a:t> </a:t>
-            </a:r>
-            <a:r>
-              <a:rPr lang="de-DE" sz="1400" dirty="0" err="1">
-                <a:latin typeface="Consolas" panose="020B0609020204030204" pitchFamily="49" charset="0"/>
-              </a:rPr>
-              <a:t>build</a:t>
-            </a:r>
-            <a:r>
-              <a:rPr lang="de-DE" sz="1400" dirty="0">
-                <a:latin typeface="Consolas" panose="020B0609020204030204" pitchFamily="49" charset="0"/>
-              </a:rPr>
-              <a:t> -t $CI_REGISTRY/</a:t>
-            </a:r>
-            <a:r>
-              <a:rPr lang="de-DE" sz="1400" dirty="0" err="1">
-                <a:latin typeface="Consolas" panose="020B0609020204030204" pitchFamily="49" charset="0"/>
-              </a:rPr>
-              <a:t>group</a:t>
-            </a:r>
-            <a:r>
-              <a:rPr lang="de-DE" sz="1400" dirty="0">
-                <a:latin typeface="Consolas" panose="020B0609020204030204" pitchFamily="49" charset="0"/>
-              </a:rPr>
-              <a:t>/</a:t>
-            </a:r>
-            <a:r>
-              <a:rPr lang="de-DE" sz="1400" dirty="0" err="1">
-                <a:latin typeface="Consolas" panose="020B0609020204030204" pitchFamily="49" charset="0"/>
-              </a:rPr>
-              <a:t>project</a:t>
-            </a:r>
-            <a:r>
-              <a:rPr lang="de-DE" sz="1400" dirty="0">
-                <a:latin typeface="Consolas" panose="020B0609020204030204" pitchFamily="49" charset="0"/>
-              </a:rPr>
-              <a:t>/</a:t>
-            </a:r>
-            <a:r>
-              <a:rPr lang="de-DE" sz="1400" dirty="0" err="1">
-                <a:latin typeface="Consolas" panose="020B0609020204030204" pitchFamily="49" charset="0"/>
-              </a:rPr>
-              <a:t>image:latest</a:t>
-            </a:r>
-            <a:r>
-              <a:rPr lang="de-DE" sz="1400" dirty="0">
-                <a:latin typeface="Consolas" panose="020B0609020204030204" pitchFamily="49" charset="0"/>
-              </a:rPr>
-              <a:t> .</a:t>
-            </a:r>
-          </a:p>
-          <a:p>
-            <a:pPr marL="0" indent="0">
-              <a:buNone/>
-            </a:pPr>
-            <a:r>
-              <a:rPr lang="de-DE" sz="1400" dirty="0">
-                <a:latin typeface="Consolas" panose="020B0609020204030204" pitchFamily="49" charset="0"/>
-              </a:rPr>
-              <a:t>    - </a:t>
-            </a:r>
-            <a:r>
-              <a:rPr lang="de-DE" sz="1400" dirty="0" err="1">
-                <a:latin typeface="Consolas" panose="020B0609020204030204" pitchFamily="49" charset="0"/>
-              </a:rPr>
-              <a:t>docker</a:t>
-            </a:r>
-            <a:r>
-              <a:rPr lang="de-DE" sz="1400" dirty="0">
-                <a:latin typeface="Consolas" panose="020B0609020204030204" pitchFamily="49" charset="0"/>
-              </a:rPr>
-              <a:t> push $CI_REGISTRY/</a:t>
-            </a:r>
-            <a:r>
-              <a:rPr lang="de-DE" sz="1400" dirty="0" err="1">
-                <a:latin typeface="Consolas" panose="020B0609020204030204" pitchFamily="49" charset="0"/>
-              </a:rPr>
-              <a:t>group</a:t>
-            </a:r>
-            <a:r>
-              <a:rPr lang="de-DE" sz="1400" dirty="0">
-                <a:latin typeface="Consolas" panose="020B0609020204030204" pitchFamily="49" charset="0"/>
-              </a:rPr>
-              <a:t>/</a:t>
-            </a:r>
-            <a:r>
-              <a:rPr lang="de-DE" sz="1400" dirty="0" err="1">
-                <a:latin typeface="Consolas" panose="020B0609020204030204" pitchFamily="49" charset="0"/>
-              </a:rPr>
-              <a:t>project</a:t>
-            </a:r>
-            <a:r>
-              <a:rPr lang="de-DE" sz="1400" dirty="0">
-                <a:latin typeface="Consolas" panose="020B0609020204030204" pitchFamily="49" charset="0"/>
-              </a:rPr>
-              <a:t>/</a:t>
-            </a:r>
-            <a:r>
-              <a:rPr lang="de-DE" sz="1400" dirty="0" err="1">
-                <a:latin typeface="Consolas" panose="020B0609020204030204" pitchFamily="49" charset="0"/>
-              </a:rPr>
-              <a:t>image:latest</a:t>
-            </a:r>
-            <a:endParaRPr lang="de-DE" sz="1400" dirty="0">
-              <a:latin typeface="Consolas" panose="020B0609020204030204" pitchFamily="49" charset="0"/>
-            </a:endParaRPr>
-          </a:p>
-        </p:txBody>
-      </p:sp>
-    </p:spTree>
-    <p:extLst>
-      <p:ext uri="{BB962C8B-B14F-4D97-AF65-F5344CB8AC3E}">
-        <p14:creationId xmlns:p14="http://schemas.microsoft.com/office/powerpoint/2010/main" val="3629727755"/>
-      </p:ext>
-    </p:extLst>
-  </p:cSld>
-  <p:clrMapOvr>
-    <a:masterClrMapping/>
-  </p:clrMapOvr>
-</p:sld>
-</file>
-
-<file path=ppt/slides/slide39.xml><?xml version="1.0" encoding="utf-8"?>
-<p:sld xmlns:a="http://schemas.openxmlformats.org/drawingml/2006/main" xmlns:r="http://schemas.openxmlformats.org/officeDocument/2006/relationships" xmlns:p="http://schemas.openxmlformats.org/presentationml/2006/main">
-  <p:cSld>
-    <p:spTree>
-      <p:nvGrpSpPr>
-        <p:cNvPr id="1" name=""/>
-        <p:cNvGrpSpPr/>
-        <p:nvPr/>
-      </p:nvGrpSpPr>
-      <p:grpSpPr>
-        <a:xfrm>
-          <a:off x="0" y="0"/>
-          <a:ext cx="0" cy="0"/>
-          <a:chOff x="0" y="0"/>
-          <a:chExt cx="0" cy="0"/>
-        </a:xfrm>
-      </p:grpSpPr>
-      <p:sp>
-        <p:nvSpPr>
-          <p:cNvPr id="2" name="Titel 1">
-            <a:extLst>
-              <a:ext uri="{FF2B5EF4-FFF2-40B4-BE49-F238E27FC236}">
-                <a16:creationId xmlns:a16="http://schemas.microsoft.com/office/drawing/2014/main" id="{49A48EBC-55D9-6D64-715F-AF6DEBF117C3}"/>
-              </a:ext>
-            </a:extLst>
-          </p:cNvPr>
-          <p:cNvSpPr>
-            <a:spLocks noGrp="1"/>
-          </p:cNvSpPr>
-          <p:nvPr>
-            <p:ph type="title"/>
-          </p:nvPr>
-        </p:nvSpPr>
-        <p:spPr/>
-        <p:txBody>
-          <a:bodyPr/>
-          <a:lstStyle/>
-          <a:p>
-            <a:r>
-              <a:rPr lang="de-DE" cap="none" dirty="0"/>
-              <a:t>Release- und </a:t>
-            </a:r>
-            <a:r>
-              <a:rPr lang="de-DE" cap="none" dirty="0" err="1"/>
-              <a:t>Tagged</a:t>
-            </a:r>
-            <a:r>
-              <a:rPr lang="de-DE" cap="none" dirty="0"/>
-              <a:t>-Images</a:t>
-            </a:r>
-            <a:endParaRPr lang="de-DE" dirty="0"/>
-          </a:p>
-        </p:txBody>
-      </p:sp>
-      <p:sp>
-        <p:nvSpPr>
-          <p:cNvPr id="3" name="Inhaltsplatzhalter 2">
-            <a:extLst>
-              <a:ext uri="{FF2B5EF4-FFF2-40B4-BE49-F238E27FC236}">
-                <a16:creationId xmlns:a16="http://schemas.microsoft.com/office/drawing/2014/main" id="{7B404127-ED2B-6905-BDD1-3C60D11A2A7C}"/>
-              </a:ext>
-            </a:extLst>
-          </p:cNvPr>
-          <p:cNvSpPr>
-            <a:spLocks noGrp="1"/>
-          </p:cNvSpPr>
-          <p:nvPr>
-            <p:ph idx="1"/>
-          </p:nvPr>
-        </p:nvSpPr>
-        <p:spPr/>
-        <p:txBody>
-          <a:bodyPr/>
-          <a:lstStyle/>
-          <a:p>
-            <a:pPr marL="0" indent="0">
-              <a:buNone/>
-            </a:pPr>
-            <a:r>
-              <a:rPr lang="de-DE" b="1" dirty="0"/>
-              <a:t>Lösung 2: Docker-in-Docker mit Variablen</a:t>
-            </a:r>
-          </a:p>
-          <a:p>
-            <a:pPr marL="0" indent="0">
-              <a:buNone/>
-            </a:pPr>
-            <a:r>
-              <a:rPr lang="de-DE" sz="2000" dirty="0">
-                <a:latin typeface="Consolas" panose="020B0609020204030204" pitchFamily="49" charset="0"/>
-              </a:rPr>
-              <a:t>.</a:t>
-            </a:r>
-            <a:r>
-              <a:rPr lang="de-DE" sz="2000" dirty="0" err="1">
-                <a:latin typeface="Consolas" panose="020B0609020204030204" pitchFamily="49" charset="0"/>
-              </a:rPr>
-              <a:t>gitlab-ci.yml</a:t>
-            </a:r>
-            <a:r>
-              <a:rPr lang="de-DE" sz="2000" dirty="0">
-                <a:latin typeface="Consolas" panose="020B0609020204030204" pitchFamily="49" charset="0"/>
-              </a:rPr>
-              <a:t>:</a:t>
-            </a:r>
-            <a:endParaRPr lang="de-DE" dirty="0">
-              <a:latin typeface="Consolas" panose="020B0609020204030204" pitchFamily="49" charset="0"/>
-            </a:endParaRPr>
-          </a:p>
-          <a:p>
-            <a:pPr marL="0" indent="0">
-              <a:buNone/>
-            </a:pPr>
-            <a:r>
-              <a:rPr lang="de-DE" sz="1400" dirty="0" err="1">
-                <a:latin typeface="Consolas" panose="020B0609020204030204" pitchFamily="49" charset="0"/>
-              </a:rPr>
-              <a:t>build</a:t>
-            </a:r>
-            <a:r>
-              <a:rPr lang="de-DE" sz="1400" dirty="0">
-                <a:latin typeface="Consolas" panose="020B0609020204030204" pitchFamily="49" charset="0"/>
-              </a:rPr>
-              <a:t>:</a:t>
-            </a:r>
-          </a:p>
-          <a:p>
-            <a:pPr marL="0" indent="0">
-              <a:buNone/>
-            </a:pPr>
-            <a:r>
-              <a:rPr lang="de-DE" sz="1400" dirty="0">
-                <a:latin typeface="Consolas" panose="020B0609020204030204" pitchFamily="49" charset="0"/>
-              </a:rPr>
-              <a:t>  </a:t>
-            </a:r>
-            <a:r>
-              <a:rPr lang="de-DE" sz="1400" dirty="0" err="1">
-                <a:latin typeface="Consolas" panose="020B0609020204030204" pitchFamily="49" charset="0"/>
-              </a:rPr>
-              <a:t>image</a:t>
-            </a:r>
-            <a:r>
-              <a:rPr lang="de-DE" sz="1400" dirty="0">
-                <a:latin typeface="Consolas" panose="020B0609020204030204" pitchFamily="49" charset="0"/>
-              </a:rPr>
-              <a:t>: docker:20.10.16</a:t>
-            </a:r>
-          </a:p>
-          <a:p>
-            <a:pPr marL="0" indent="0">
-              <a:buNone/>
-            </a:pPr>
-            <a:r>
-              <a:rPr lang="de-DE" sz="1400" dirty="0">
-                <a:latin typeface="Consolas" panose="020B0609020204030204" pitchFamily="49" charset="0"/>
-              </a:rPr>
-              <a:t>  </a:t>
-            </a:r>
-            <a:r>
-              <a:rPr lang="de-DE" sz="1400" dirty="0" err="1">
-                <a:latin typeface="Consolas" panose="020B0609020204030204" pitchFamily="49" charset="0"/>
-              </a:rPr>
-              <a:t>stage</a:t>
-            </a:r>
-            <a:r>
-              <a:rPr lang="de-DE" sz="1400" dirty="0">
-                <a:latin typeface="Consolas" panose="020B0609020204030204" pitchFamily="49" charset="0"/>
-              </a:rPr>
-              <a:t>: </a:t>
-            </a:r>
-            <a:r>
-              <a:rPr lang="de-DE" sz="1400" dirty="0" err="1">
-                <a:latin typeface="Consolas" panose="020B0609020204030204" pitchFamily="49" charset="0"/>
-              </a:rPr>
-              <a:t>build</a:t>
-            </a:r>
-            <a:endParaRPr lang="de-DE" sz="1400" dirty="0">
-              <a:latin typeface="Consolas" panose="020B0609020204030204" pitchFamily="49" charset="0"/>
-            </a:endParaRPr>
-          </a:p>
-          <a:p>
-            <a:pPr marL="0" indent="0">
-              <a:buNone/>
-            </a:pPr>
-            <a:r>
-              <a:rPr lang="de-DE" sz="1400" dirty="0">
-                <a:latin typeface="Consolas" panose="020B0609020204030204" pitchFamily="49" charset="0"/>
-              </a:rPr>
-              <a:t>  </a:t>
-            </a:r>
-            <a:r>
-              <a:rPr lang="de-DE" sz="1400" dirty="0" err="1">
-                <a:latin typeface="Consolas" panose="020B0609020204030204" pitchFamily="49" charset="0"/>
-              </a:rPr>
-              <a:t>services</a:t>
-            </a:r>
-            <a:r>
-              <a:rPr lang="de-DE" sz="1400" dirty="0">
-                <a:latin typeface="Consolas" panose="020B0609020204030204" pitchFamily="49" charset="0"/>
-              </a:rPr>
-              <a:t>:</a:t>
-            </a:r>
-          </a:p>
-          <a:p>
-            <a:pPr marL="0" indent="0">
-              <a:buNone/>
-            </a:pPr>
-            <a:r>
-              <a:rPr lang="de-DE" sz="1400" dirty="0">
-                <a:latin typeface="Consolas" panose="020B0609020204030204" pitchFamily="49" charset="0"/>
-              </a:rPr>
-              <a:t>    - docker:20.10.16-dind</a:t>
-            </a:r>
-          </a:p>
-          <a:p>
-            <a:pPr marL="0" indent="0">
-              <a:buNone/>
-            </a:pPr>
-            <a:r>
-              <a:rPr lang="de-DE" sz="1400" dirty="0">
-                <a:latin typeface="Consolas" panose="020B0609020204030204" pitchFamily="49" charset="0"/>
-              </a:rPr>
-              <a:t>  variables:</a:t>
-            </a:r>
-          </a:p>
-          <a:p>
-            <a:pPr marL="0" indent="0">
-              <a:buNone/>
-            </a:pPr>
-            <a:r>
-              <a:rPr lang="de-DE" sz="1400" dirty="0">
-                <a:latin typeface="Consolas" panose="020B0609020204030204" pitchFamily="49" charset="0"/>
-              </a:rPr>
-              <a:t>    IMAGE_TAG: $CI_REGISTRY_IMAGE:$CI_COMMIT_REF_SLUG</a:t>
-            </a:r>
-          </a:p>
-          <a:p>
-            <a:pPr marL="0" indent="0">
-              <a:buNone/>
-            </a:pPr>
-            <a:r>
-              <a:rPr lang="de-DE" sz="1400" dirty="0">
-                <a:latin typeface="Consolas" panose="020B0609020204030204" pitchFamily="49" charset="0"/>
-              </a:rPr>
-              <a:t>  </a:t>
-            </a:r>
-            <a:r>
-              <a:rPr lang="de-DE" sz="1400" dirty="0" err="1">
-                <a:latin typeface="Consolas" panose="020B0609020204030204" pitchFamily="49" charset="0"/>
-              </a:rPr>
-              <a:t>script</a:t>
-            </a:r>
-            <a:r>
-              <a:rPr lang="de-DE" sz="1400" dirty="0">
-                <a:latin typeface="Consolas" panose="020B0609020204030204" pitchFamily="49" charset="0"/>
-              </a:rPr>
-              <a:t>:</a:t>
-            </a:r>
-          </a:p>
-          <a:p>
-            <a:pPr marL="0" indent="0">
-              <a:buNone/>
-            </a:pPr>
-            <a:r>
-              <a:rPr lang="de-DE" sz="1400" dirty="0">
-                <a:latin typeface="Consolas" panose="020B0609020204030204" pitchFamily="49" charset="0"/>
-              </a:rPr>
-              <a:t>    - </a:t>
-            </a:r>
-            <a:r>
-              <a:rPr lang="de-DE" sz="1400" dirty="0" err="1">
-                <a:latin typeface="Consolas" panose="020B0609020204030204" pitchFamily="49" charset="0"/>
-              </a:rPr>
-              <a:t>docker</a:t>
-            </a:r>
-            <a:r>
-              <a:rPr lang="de-DE" sz="1400" dirty="0">
-                <a:latin typeface="Consolas" panose="020B0609020204030204" pitchFamily="49" charset="0"/>
-              </a:rPr>
-              <a:t> </a:t>
-            </a:r>
-            <a:r>
-              <a:rPr lang="de-DE" sz="1400" dirty="0" err="1">
-                <a:latin typeface="Consolas" panose="020B0609020204030204" pitchFamily="49" charset="0"/>
-              </a:rPr>
-              <a:t>login</a:t>
-            </a:r>
-            <a:r>
-              <a:rPr lang="de-DE" sz="1400" dirty="0">
-                <a:latin typeface="Consolas" panose="020B0609020204030204" pitchFamily="49" charset="0"/>
-              </a:rPr>
-              <a:t> -u $CI_REGISTRY_USER -p $CI_REGISTRY_PASSWORD $CI_REGISTRY</a:t>
-            </a:r>
-          </a:p>
-          <a:p>
-            <a:pPr marL="0" indent="0">
-              <a:buNone/>
-            </a:pPr>
-            <a:r>
-              <a:rPr lang="de-DE" sz="1400" dirty="0">
-                <a:latin typeface="Consolas" panose="020B0609020204030204" pitchFamily="49" charset="0"/>
-              </a:rPr>
-              <a:t>    - </a:t>
-            </a:r>
-            <a:r>
-              <a:rPr lang="de-DE" sz="1400" dirty="0" err="1">
-                <a:latin typeface="Consolas" panose="020B0609020204030204" pitchFamily="49" charset="0"/>
-              </a:rPr>
-              <a:t>docker</a:t>
-            </a:r>
-            <a:r>
-              <a:rPr lang="de-DE" sz="1400" dirty="0">
-                <a:latin typeface="Consolas" panose="020B0609020204030204" pitchFamily="49" charset="0"/>
-              </a:rPr>
-              <a:t> </a:t>
-            </a:r>
-            <a:r>
-              <a:rPr lang="de-DE" sz="1400" dirty="0" err="1">
-                <a:latin typeface="Consolas" panose="020B0609020204030204" pitchFamily="49" charset="0"/>
-              </a:rPr>
-              <a:t>build</a:t>
-            </a:r>
-            <a:r>
-              <a:rPr lang="de-DE" sz="1400" dirty="0">
-                <a:latin typeface="Consolas" panose="020B0609020204030204" pitchFamily="49" charset="0"/>
-              </a:rPr>
-              <a:t> -t $IMAGE_TAG .</a:t>
-            </a:r>
-          </a:p>
-          <a:p>
-            <a:pPr marL="0" indent="0">
-              <a:buNone/>
-            </a:pPr>
-            <a:r>
-              <a:rPr lang="de-DE" sz="1400" dirty="0">
-                <a:latin typeface="Consolas" panose="020B0609020204030204" pitchFamily="49" charset="0"/>
-              </a:rPr>
-              <a:t>    - </a:t>
-            </a:r>
-            <a:r>
-              <a:rPr lang="de-DE" sz="1400" dirty="0" err="1">
-                <a:latin typeface="Consolas" panose="020B0609020204030204" pitchFamily="49" charset="0"/>
-              </a:rPr>
-              <a:t>docker</a:t>
-            </a:r>
-            <a:r>
-              <a:rPr lang="de-DE" sz="1400" dirty="0">
-                <a:latin typeface="Consolas" panose="020B0609020204030204" pitchFamily="49" charset="0"/>
-              </a:rPr>
-              <a:t> push $IMAGE_TAG</a:t>
-            </a:r>
-          </a:p>
-          <a:p>
-            <a:pPr marL="0" indent="0">
-              <a:buNone/>
-            </a:pPr>
-            <a:endParaRPr lang="de-DE" sz="1400" dirty="0">
-              <a:latin typeface="Consolas" panose="020B0609020204030204" pitchFamily="49" charset="0"/>
-            </a:endParaRPr>
-          </a:p>
-          <a:p>
             <a:pPr>
               <a:buFont typeface="Arial" panose="020B0604020202020204" pitchFamily="34" charset="0"/>
               <a:buChar char="•"/>
@@ -16728,7 +16423,7 @@
             </a:pPr>
             <a:r>
               <a:rPr lang="de-DE" sz="1600" dirty="0"/>
-              <a:t>Ist die Adresse der Registry des aktuellen Projekts</a:t>
+              <a:t>Ist die Adresse der Registry des aktuellen Projektes</a:t>
             </a:r>
           </a:p>
           <a:p>
@@ -16762,7 +16457,7 @@
             </a:r>
             <a:r>
               <a:rPr lang="de-DE" sz="1400" dirty="0" err="1"/>
-              <a:t>sowercase</a:t>
+              <a:t>lowercase</a:t>
             </a:r>
             <a:r>
               <a:rPr lang="de-DE" sz="1400" dirty="0"/>
@@ -17154,13 +16849,8 @@
             </a:pPr>
             <a:r>
               <a:rPr lang="de-DE" dirty="0"/>
-              <a:t>Best </a:t>
-            </a:r>
-            <a:r>
-              <a:rPr lang="de-DE" dirty="0" err="1"/>
-              <a:t>Practises</a:t>
-            </a:r>
-            <a:endParaRPr lang="de-DE" dirty="0"/>
+              <a:t>Best Practices</a:t>
+            </a:r>
           </a:p>
         </p:txBody>
       </p:sp>
@@ -17285,6 +16975,16 @@
             </a:pPr>
             <a:r>
               <a:rPr lang="de-DE" dirty="0"/>
+              <a:t>Beispiel: myimage:1f6ad45c7b3</a:t>
+            </a:r>
+          </a:p>
+          <a:p>
+            <a:pPr lvl="1">
+              <a:buFont typeface="Arial" panose="020B0604020202020204" pitchFamily="34" charset="0"/>
+              <a:buChar char="•"/>
+            </a:pPr>
+            <a:r>
+              <a:rPr lang="de-DE" dirty="0"/>
               <a:t>Arbeiten mit IDs umständlich</a:t>
             </a:r>
           </a:p>
@@ -17305,7 +17005,7 @@
             </a:pPr>
             <a:r>
               <a:rPr lang="de-DE" dirty="0"/>
-              <a:t>Tagging vergleichbar mit </a:t>
+              <a:t>Vergleichbar mit </a:t>
             </a:r>
             <a:r>
               <a:rPr lang="de-DE" dirty="0" err="1"/>
@@ -17387,7 +17087,7 @@
               <a:rPr lang="de-DE" dirty="0">
                 <a:latin typeface="Consolas" panose="020B0609020204030204" pitchFamily="49" charset="0"/>
               </a:rPr>
-              <a:t>Ubuntu:24.04</a:t>
+              <a:t>ubuntu:24.04</a:t>
             </a:r>
           </a:p>
           <a:p>
@@ -17531,12 +17231,8 @@
               <a:buChar char="•"/>
             </a:pPr>
             <a:r>
-              <a:rPr lang="de-DE" dirty="0" err="1"/>
-              <a:t>Maintaining</a:t>
-            </a:r>
-            <a:r>
               <a:rPr lang="de-DE" dirty="0"/>
-              <a:t> verschiedener Versionen</a:t>
+              <a:t>Wartung verschiedener Versionen</a:t>
             </a:r>
           </a:p>
           <a:p>
@@ -17621,39 +17317,6 @@
               <a:rPr lang="de-DE" dirty="0"/>
               <a:t>Durch konsistente Tagging-Strategie</a:t>
             </a:r>
-          </a:p>
-          <a:p>
-            <a:pPr lvl="2">
-              <a:buFont typeface="Arial" panose="020B0604020202020204" pitchFamily="34" charset="0"/>
-              <a:buChar char="•"/>
-            </a:pPr>
-            <a:r>
-              <a:rPr lang="de-DE" sz="1800" dirty="0"/>
-              <a:t>CI/CD Pipeline automatisch: </a:t>
-            </a:r>
-            <a:r>
-              <a:rPr lang="de-DE" sz="1800" dirty="0" err="1"/>
-              <a:t>build</a:t>
-            </a:r>
-            <a:r>
-              <a:rPr lang="de-DE" sz="1800" dirty="0"/>
-              <a:t>, </a:t>
-            </a:r>
-            <a:r>
-              <a:rPr lang="de-DE" sz="1800" dirty="0" err="1"/>
-              <a:t>test</a:t>
-            </a:r>
-            <a:r>
-              <a:rPr lang="de-DE" sz="1800" dirty="0"/>
-              <a:t> and deploy </a:t>
-            </a:r>
-            <a:r>
-              <a:rPr lang="de-DE" sz="1800" dirty="0">
-                <a:sym typeface="Wingdings" panose="05000000000000000000" pitchFamily="2" charset="2"/>
-              </a:rPr>
-              <a:t></a:t>
-            </a:r>
-            <a:endParaRPr lang="de-DE" dirty="0"/>
           </a:p>
         </p:txBody>
       </p:sp>
@@ -17750,7 +17413,15 @@
             </a:pPr>
             <a:r>
               <a:rPr lang="de-DE" b="1" dirty="0"/>
-              <a:t>Tagging während des </a:t>
+              <a:t>Tagging </a:t>
+            </a:r>
+            <a:r>
+              <a:rPr lang="de-DE" b="1" u="sng" dirty="0"/>
+              <a:t>während</a:t>
+            </a:r>
+            <a:r>
+              <a:rPr lang="de-DE" b="1" dirty="0"/>
+              <a:t> des </a:t>
             </a:r>
             <a:r>
               <a:rPr lang="de-DE" b="1" dirty="0" err="1"/>
